--- a/小议Git.pptx
+++ b/小议Git.pptx
@@ -5,7 +5,7 @@
     <p:sldMasterId id="2147483648" r:id="rId1"/>
   </p:sldMasterIdLst>
   <p:notesMasterIdLst>
-    <p:notesMasterId r:id="rId23"/>
+    <p:notesMasterId r:id="rId27"/>
   </p:notesMasterIdLst>
   <p:sldIdLst>
     <p:sldId id="258" r:id="rId2"/>
@@ -13,22 +13,26 @@
     <p:sldId id="275" r:id="rId4"/>
     <p:sldId id="274" r:id="rId5"/>
     <p:sldId id="276" r:id="rId6"/>
-    <p:sldId id="277" r:id="rId7"/>
-    <p:sldId id="278" r:id="rId8"/>
-    <p:sldId id="280" r:id="rId9"/>
-    <p:sldId id="279" r:id="rId10"/>
-    <p:sldId id="281" r:id="rId11"/>
-    <p:sldId id="282" r:id="rId12"/>
-    <p:sldId id="283" r:id="rId13"/>
-    <p:sldId id="284" r:id="rId14"/>
-    <p:sldId id="285" r:id="rId15"/>
-    <p:sldId id="286" r:id="rId16"/>
-    <p:sldId id="296" r:id="rId17"/>
-    <p:sldId id="287" r:id="rId18"/>
-    <p:sldId id="288" r:id="rId19"/>
-    <p:sldId id="289" r:id="rId20"/>
-    <p:sldId id="297" r:id="rId21"/>
-    <p:sldId id="259" r:id="rId22"/>
+    <p:sldId id="298" r:id="rId7"/>
+    <p:sldId id="299" r:id="rId8"/>
+    <p:sldId id="300" r:id="rId9"/>
+    <p:sldId id="301" r:id="rId10"/>
+    <p:sldId id="277" r:id="rId11"/>
+    <p:sldId id="278" r:id="rId12"/>
+    <p:sldId id="280" r:id="rId13"/>
+    <p:sldId id="279" r:id="rId14"/>
+    <p:sldId id="281" r:id="rId15"/>
+    <p:sldId id="282" r:id="rId16"/>
+    <p:sldId id="283" r:id="rId17"/>
+    <p:sldId id="284" r:id="rId18"/>
+    <p:sldId id="285" r:id="rId19"/>
+    <p:sldId id="286" r:id="rId20"/>
+    <p:sldId id="296" r:id="rId21"/>
+    <p:sldId id="287" r:id="rId22"/>
+    <p:sldId id="288" r:id="rId23"/>
+    <p:sldId id="289" r:id="rId24"/>
+    <p:sldId id="297" r:id="rId25"/>
+    <p:sldId id="259" r:id="rId26"/>
   </p:sldIdLst>
   <p:sldSz cx="9144000" cy="6858000" type="screen4x3"/>
   <p:notesSz cx="6858000" cy="9144000"/>
@@ -856,7 +860,7 @@
               <a:pPr>
                 <a:defRPr/>
               </a:pPr>
-              <a:t>21</a:t>
+              <a:t>25</a:t>
             </a:fld>
             <a:endParaRPr lang="en-US" altLang="zh-CN"/>
           </a:p>
@@ -4536,184 +4540,362 @@
           <a:p>
             <a:r>
               <a:rPr kumimoji="1" lang="zh-CN" altLang="en-US" dirty="0" smtClean="0"/>
-              <a:t>撤销修改</a:t>
+              <a:t>创建版本库</a:t>
+            </a:r>
+            <a:r>
+              <a:rPr kumimoji="1" lang="en-US" altLang="zh-CN" dirty="0" smtClean="0"/>
+              <a:t>(repository)</a:t>
+            </a:r>
+          </a:p>
+          <a:p>
+            <a:pPr lvl="1"/>
+            <a:r>
+              <a:rPr kumimoji="1" lang="zh-CN" altLang="en-US" dirty="0" smtClean="0"/>
+              <a:t>本地新建</a:t>
+            </a:r>
+            <a:r>
+              <a:rPr kumimoji="1" lang="en-US" altLang="zh-CN" dirty="0" smtClean="0"/>
+              <a:t>:</a:t>
+            </a:r>
+          </a:p>
+          <a:p>
+            <a:pPr marL="457200" lvl="1" indent="0">
+              <a:buNone/>
+            </a:pPr>
+            <a:r>
+              <a:rPr kumimoji="1" lang="en-US" altLang="zh-CN" dirty="0" smtClean="0"/>
+              <a:t>	</a:t>
+            </a:r>
+            <a:r>
+              <a:rPr kumimoji="1" lang="en-US" altLang="zh-CN" dirty="0" err="1" smtClean="0"/>
+              <a:t>git</a:t>
+            </a:r>
+            <a:r>
+              <a:rPr kumimoji="1" lang="zh-CN" altLang="en-US" dirty="0" smtClean="0"/>
+              <a:t> </a:t>
+            </a:r>
+            <a:r>
+              <a:rPr kumimoji="1" lang="en-US" altLang="zh-CN" dirty="0" err="1" smtClean="0"/>
+              <a:t>init</a:t>
+            </a:r>
+            <a:endParaRPr kumimoji="1" lang="en-US" altLang="zh-CN" dirty="0"/>
+          </a:p>
+          <a:p>
+            <a:pPr lvl="1"/>
+            <a:r>
+              <a:rPr kumimoji="1" lang="zh-CN" altLang="en-US" dirty="0" smtClean="0"/>
+              <a:t> </a:t>
+            </a:r>
+            <a:r>
+              <a:rPr kumimoji="1" lang="en-US" altLang="zh-CN" dirty="0" smtClean="0"/>
+              <a:t>clone</a:t>
+            </a:r>
+            <a:r>
+              <a:rPr kumimoji="1" lang="zh-CN" altLang="en-US" dirty="0" smtClean="0"/>
+              <a:t> 远程项目</a:t>
             </a:r>
             <a:endParaRPr kumimoji="1" lang="en-US" altLang="zh-CN" dirty="0" smtClean="0"/>
           </a:p>
           <a:p>
-            <a:pPr lvl="1"/>
-            <a:r>
-              <a:rPr kumimoji="1" lang="zh-CN" altLang="en-US" dirty="0" smtClean="0"/>
-              <a:t>工作区撤销：</a:t>
-            </a:r>
+            <a:pPr lvl="2"/>
             <a:r>
               <a:rPr kumimoji="1" lang="en-US" altLang="zh-CN" dirty="0" err="1" smtClean="0"/>
               <a:t>Git</a:t>
             </a:r>
             <a:r>
+              <a:rPr kumimoji="1" lang="zh-CN" altLang="en-US" dirty="0" smtClean="0"/>
+              <a:t> </a:t>
+            </a:r>
+            <a:r>
               <a:rPr kumimoji="1" lang="en-US" altLang="zh-CN" dirty="0" smtClean="0"/>
-              <a:t> checkout – file</a:t>
-            </a:r>
+              <a:t>clone</a:t>
+            </a:r>
+            <a:r>
+              <a:rPr kumimoji="1" lang="zh-CN" altLang="en-US" dirty="0" smtClean="0"/>
+              <a:t> </a:t>
+            </a:r>
+            <a:r>
+              <a:rPr kumimoji="1" lang="en-US" altLang="zh-CN" dirty="0" err="1" smtClean="0"/>
+              <a:t>ssh</a:t>
+            </a:r>
+            <a:r>
+              <a:rPr kumimoji="1" lang="en-US" altLang="zh-CN" dirty="0" smtClean="0"/>
+              <a:t>://</a:t>
+            </a:r>
+            <a:r>
+              <a:rPr kumimoji="1" lang="en-US" altLang="zh-CN" dirty="0" err="1" smtClean="0"/>
+              <a:t>user@domain.com</a:t>
+            </a:r>
+            <a:r>
+              <a:rPr kumimoji="1" lang="en-US" altLang="zh-CN" dirty="0" smtClean="0"/>
+              <a:t>/</a:t>
+            </a:r>
+            <a:r>
+              <a:rPr kumimoji="1" lang="en-US" altLang="zh-CN" dirty="0" err="1" smtClean="0"/>
+              <a:t>repo.git</a:t>
+            </a:r>
+            <a:endParaRPr kumimoji="1" lang="en-US" altLang="zh-CN" dirty="0"/>
+          </a:p>
+          <a:p>
+            <a:pPr lvl="0"/>
+            <a:r>
+              <a:rPr kumimoji="1" lang="zh-CN" altLang="en-US" dirty="0" smtClean="0">
+                <a:solidFill>
+                  <a:srgbClr val="000000"/>
+                </a:solidFill>
+              </a:rPr>
+              <a:t>添加文件到版本库</a:t>
+            </a:r>
+            <a:endParaRPr kumimoji="1" lang="en-US" altLang="zh-CN" dirty="0" smtClean="0">
+              <a:solidFill>
+                <a:srgbClr val="000000"/>
+              </a:solidFill>
+            </a:endParaRPr>
           </a:p>
           <a:p>
             <a:pPr lvl="1"/>
             <a:r>
-              <a:rPr kumimoji="1" lang="zh-CN" altLang="en-US" dirty="0" smtClean="0"/>
-              <a:t>暂存区撤销：</a:t>
-            </a:r>
-            <a:r>
-              <a:rPr kumimoji="1" lang="en-US" altLang="zh-CN" dirty="0" err="1" smtClean="0"/>
+              <a:rPr kumimoji="1" lang="en-US" altLang="zh-CN" dirty="0" err="1" smtClean="0">
+                <a:solidFill>
+                  <a:srgbClr val="000000"/>
+                </a:solidFill>
+              </a:rPr>
+              <a:t>Git</a:t>
+            </a:r>
+            <a:r>
+              <a:rPr kumimoji="1" lang="zh-CN" altLang="en-US" dirty="0" smtClean="0">
+                <a:solidFill>
+                  <a:srgbClr val="000000"/>
+                </a:solidFill>
+              </a:rPr>
+              <a:t> </a:t>
+            </a:r>
+            <a:r>
+              <a:rPr kumimoji="1" lang="en-US" altLang="zh-CN" dirty="0" smtClean="0">
+                <a:solidFill>
+                  <a:srgbClr val="000000"/>
+                </a:solidFill>
+              </a:rPr>
+              <a:t>add</a:t>
+            </a:r>
+            <a:r>
+              <a:rPr kumimoji="1" lang="zh-CN" altLang="en-US" dirty="0" smtClean="0">
+                <a:solidFill>
+                  <a:srgbClr val="000000"/>
+                </a:solidFill>
+              </a:rPr>
+              <a:t> </a:t>
+            </a:r>
+            <a:r>
+              <a:rPr kumimoji="1" lang="en-US" altLang="zh-CN" dirty="0" err="1" smtClean="0">
+                <a:solidFill>
+                  <a:srgbClr val="000000"/>
+                </a:solidFill>
+              </a:rPr>
+              <a:t>file.txt</a:t>
+            </a:r>
+            <a:endParaRPr kumimoji="1" lang="en-US" altLang="zh-CN" dirty="0" smtClean="0">
+              <a:solidFill>
+                <a:srgbClr val="000000"/>
+              </a:solidFill>
+            </a:endParaRPr>
+          </a:p>
+          <a:p>
+            <a:pPr lvl="1"/>
+            <a:r>
+              <a:rPr kumimoji="1" lang="en-US" altLang="zh-CN" dirty="0" err="1" smtClean="0">
+                <a:solidFill>
+                  <a:srgbClr val="000000"/>
+                </a:solidFill>
+              </a:rPr>
+              <a:t>Git</a:t>
+            </a:r>
+            <a:r>
+              <a:rPr kumimoji="1" lang="zh-CN" altLang="en-US" dirty="0" smtClean="0">
+                <a:solidFill>
+                  <a:srgbClr val="000000"/>
+                </a:solidFill>
+              </a:rPr>
+              <a:t> </a:t>
+            </a:r>
+            <a:r>
+              <a:rPr kumimoji="1" lang="en-US" altLang="zh-CN" dirty="0" smtClean="0">
+                <a:solidFill>
+                  <a:srgbClr val="000000"/>
+                </a:solidFill>
+              </a:rPr>
+              <a:t>commit</a:t>
+            </a:r>
+            <a:r>
+              <a:rPr kumimoji="1" lang="zh-CN" altLang="en-US" dirty="0" smtClean="0">
+                <a:solidFill>
+                  <a:srgbClr val="000000"/>
+                </a:solidFill>
+              </a:rPr>
+              <a:t> </a:t>
+            </a:r>
+            <a:r>
+              <a:rPr kumimoji="1" lang="en-US" altLang="zh-CN" dirty="0" smtClean="0">
+                <a:solidFill>
+                  <a:srgbClr val="000000"/>
+                </a:solidFill>
+              </a:rPr>
+              <a:t>–m</a:t>
+            </a:r>
+            <a:r>
+              <a:rPr kumimoji="1" lang="zh-CN" altLang="en-US" dirty="0" smtClean="0">
+                <a:solidFill>
+                  <a:srgbClr val="000000"/>
+                </a:solidFill>
+              </a:rPr>
+              <a:t> </a:t>
+            </a:r>
+            <a:r>
+              <a:rPr kumimoji="1" lang="en-US" altLang="zh-CN" dirty="0" smtClean="0">
+                <a:solidFill>
+                  <a:srgbClr val="000000"/>
+                </a:solidFill>
+              </a:rPr>
+              <a:t>‘xxx’</a:t>
+            </a:r>
+            <a:r>
+              <a:rPr kumimoji="1" lang="zh-CN" altLang="en-US" dirty="0" smtClean="0">
+                <a:solidFill>
+                  <a:srgbClr val="000000"/>
+                </a:solidFill>
+              </a:rPr>
+              <a:t> </a:t>
+            </a:r>
+            <a:r>
+              <a:rPr kumimoji="1" lang="en-US" altLang="zh-CN" dirty="0" err="1" smtClean="0">
+                <a:solidFill>
+                  <a:srgbClr val="000000"/>
+                </a:solidFill>
+              </a:rPr>
+              <a:t>file.txt</a:t>
+            </a:r>
+            <a:endParaRPr kumimoji="1" lang="en-US" altLang="zh-CN" dirty="0" smtClean="0">
+              <a:solidFill>
+                <a:srgbClr val="000000"/>
+              </a:solidFill>
+            </a:endParaRPr>
+          </a:p>
+          <a:p>
+            <a:pPr lvl="1"/>
+            <a:r>
+              <a:rPr kumimoji="1" lang="zh-CN" altLang="en-US" dirty="0" smtClean="0">
+                <a:solidFill>
+                  <a:srgbClr val="000000"/>
+                </a:solidFill>
+              </a:rPr>
+              <a:t>或 </a:t>
+            </a:r>
+            <a:r>
+              <a:rPr kumimoji="1" lang="en-US" altLang="zh-CN" dirty="0" err="1" smtClean="0">
+                <a:solidFill>
+                  <a:srgbClr val="000000"/>
+                </a:solidFill>
+              </a:rPr>
               <a:t>git</a:t>
             </a:r>
             <a:r>
-              <a:rPr kumimoji="1" lang="zh-CN" altLang="en-US" dirty="0" smtClean="0"/>
-              <a:t> </a:t>
-            </a:r>
-            <a:r>
-              <a:rPr kumimoji="1" lang="en-US" altLang="zh-CN" dirty="0" smtClean="0"/>
-              <a:t>reset</a:t>
-            </a:r>
-            <a:r>
-              <a:rPr kumimoji="1" lang="zh-CN" altLang="en-US" dirty="0" smtClean="0"/>
-              <a:t> </a:t>
-            </a:r>
-            <a:r>
-              <a:rPr kumimoji="1" lang="en-US" altLang="zh-CN" dirty="0" smtClean="0"/>
-              <a:t>HEAD</a:t>
-            </a:r>
-            <a:r>
-              <a:rPr kumimoji="1" lang="zh-CN" altLang="en-US" dirty="0" smtClean="0"/>
-              <a:t> </a:t>
-            </a:r>
-            <a:r>
-              <a:rPr kumimoji="1" lang="en-US" altLang="zh-CN" dirty="0" smtClean="0"/>
-              <a:t>file</a:t>
-            </a:r>
-          </a:p>
-          <a:p>
-            <a:r>
-              <a:rPr kumimoji="1" lang="zh-CN" altLang="en-US" dirty="0" smtClean="0"/>
-              <a:t>删除文件</a:t>
-            </a:r>
-            <a:endParaRPr kumimoji="1" lang="en-US" altLang="zh-CN" dirty="0"/>
-          </a:p>
-          <a:p>
-            <a:pPr lvl="1"/>
-            <a:r>
-              <a:rPr kumimoji="1" lang="zh-CN" altLang="en-US" dirty="0" smtClean="0"/>
-              <a:t>删除：</a:t>
-            </a:r>
-            <a:r>
-              <a:rPr kumimoji="1" lang="en-US" altLang="zh-CN" dirty="0" err="1"/>
-              <a:t>Git</a:t>
-            </a:r>
-            <a:r>
-              <a:rPr kumimoji="1" lang="en-US" altLang="zh-CN" dirty="0"/>
-              <a:t> </a:t>
-            </a:r>
-            <a:r>
-              <a:rPr kumimoji="1" lang="en-US" altLang="zh-CN" dirty="0" err="1" smtClean="0"/>
-              <a:t>rm</a:t>
-            </a:r>
-            <a:r>
-              <a:rPr kumimoji="1" lang="en-US" altLang="zh-CN" dirty="0" smtClean="0"/>
-              <a:t> file</a:t>
-            </a:r>
-            <a:r>
-              <a:rPr kumimoji="1" lang="zh-CN" altLang="en-US" dirty="0" smtClean="0"/>
-              <a:t> </a:t>
-            </a:r>
-            <a:r>
-              <a:rPr kumimoji="1" lang="en-US" altLang="zh-CN" dirty="0" smtClean="0"/>
-              <a:t>+</a:t>
-            </a:r>
-            <a:r>
-              <a:rPr kumimoji="1" lang="zh-CN" altLang="en-US" dirty="0" smtClean="0"/>
-              <a:t> </a:t>
-            </a:r>
-            <a:r>
-              <a:rPr kumimoji="1" lang="en-US" altLang="zh-CN" dirty="0" err="1" smtClean="0"/>
-              <a:t>git</a:t>
-            </a:r>
-            <a:r>
-              <a:rPr kumimoji="1" lang="zh-CN" altLang="en-US" dirty="0" smtClean="0"/>
-              <a:t> </a:t>
-            </a:r>
-            <a:r>
-              <a:rPr kumimoji="1" lang="en-US" altLang="zh-CN" dirty="0" smtClean="0"/>
+              <a:rPr kumimoji="1" lang="zh-CN" altLang="en-US" dirty="0" smtClean="0">
+                <a:solidFill>
+                  <a:srgbClr val="000000"/>
+                </a:solidFill>
+              </a:rPr>
+              <a:t> </a:t>
+            </a:r>
+            <a:r>
+              <a:rPr kumimoji="1" lang="en-US" altLang="zh-CN" dirty="0" smtClean="0">
+                <a:solidFill>
+                  <a:srgbClr val="000000"/>
+                </a:solidFill>
+              </a:rPr>
               <a:t>commit</a:t>
             </a:r>
             <a:r>
-              <a:rPr kumimoji="1" lang="zh-CN" altLang="en-US" dirty="0" smtClean="0"/>
-              <a:t> </a:t>
-            </a:r>
-            <a:r>
-              <a:rPr kumimoji="1" lang="en-US" altLang="zh-CN" dirty="0" smtClean="0"/>
+              <a:rPr kumimoji="1" lang="zh-CN" altLang="en-US" dirty="0" smtClean="0">
+                <a:solidFill>
+                  <a:srgbClr val="000000"/>
+                </a:solidFill>
+              </a:rPr>
+              <a:t> </a:t>
+            </a:r>
+            <a:r>
+              <a:rPr kumimoji="1" lang="en-US" altLang="zh-CN" dirty="0" smtClean="0">
+                <a:solidFill>
+                  <a:srgbClr val="000000"/>
+                </a:solidFill>
+              </a:rPr>
+              <a:t>–a</a:t>
+            </a:r>
+            <a:r>
+              <a:rPr kumimoji="1" lang="zh-CN" altLang="en-US" dirty="0" smtClean="0">
+                <a:solidFill>
+                  <a:srgbClr val="000000"/>
+                </a:solidFill>
+              </a:rPr>
+              <a:t> </a:t>
+            </a:r>
+            <a:r>
+              <a:rPr kumimoji="1" lang="en-US" altLang="zh-CN" dirty="0" smtClean="0">
+                <a:solidFill>
+                  <a:srgbClr val="000000"/>
+                </a:solidFill>
+              </a:rPr>
               <a:t>–m</a:t>
             </a:r>
             <a:r>
-              <a:rPr kumimoji="1" lang="zh-CN" altLang="en-US" dirty="0" smtClean="0"/>
-              <a:t> </a:t>
-            </a:r>
-            <a:r>
-              <a:rPr kumimoji="1" lang="en-US" altLang="zh-CN" dirty="0" smtClean="0"/>
-              <a:t>‘xx’</a:t>
-            </a:r>
-            <a:endParaRPr kumimoji="1" lang="en-US" altLang="zh-CN" dirty="0"/>
-          </a:p>
-          <a:p>
-            <a:pPr lvl="1"/>
-            <a:r>
-              <a:rPr kumimoji="1" lang="zh-CN" altLang="en-US" dirty="0" smtClean="0"/>
-              <a:t>本地误删恢复：</a:t>
-            </a:r>
-            <a:r>
-              <a:rPr kumimoji="1" lang="en-US" altLang="zh-CN" dirty="0" err="1"/>
-              <a:t>git</a:t>
-            </a:r>
-            <a:r>
-              <a:rPr kumimoji="1" lang="zh-CN" altLang="en-US" dirty="0"/>
-              <a:t> </a:t>
-            </a:r>
-            <a:r>
-              <a:rPr kumimoji="1" lang="en-US" altLang="zh-CN" dirty="0" smtClean="0"/>
-              <a:t>checkout</a:t>
-            </a:r>
-            <a:r>
-              <a:rPr kumimoji="1" lang="zh-CN" altLang="en-US" dirty="0" smtClean="0"/>
-              <a:t> </a:t>
-            </a:r>
-            <a:r>
-              <a:rPr kumimoji="1" lang="zh-CN" altLang="zh-CN" dirty="0" smtClean="0"/>
-              <a:t>-</a:t>
-            </a:r>
-            <a:r>
-              <a:rPr kumimoji="1" lang="en-US" altLang="zh-CN" dirty="0" smtClean="0"/>
-              <a:t>-</a:t>
-            </a:r>
-            <a:r>
-              <a:rPr kumimoji="1" lang="zh-CN" altLang="en-US" dirty="0" smtClean="0"/>
-              <a:t> </a:t>
-            </a:r>
-            <a:r>
-              <a:rPr kumimoji="1" lang="en-US" altLang="zh-CN" dirty="0"/>
-              <a:t>file</a:t>
-            </a:r>
-          </a:p>
-          <a:p>
-            <a:pPr lvl="1"/>
+              <a:rPr kumimoji="1" lang="zh-CN" altLang="en-US" dirty="0" smtClean="0">
+                <a:solidFill>
+                  <a:srgbClr val="000000"/>
+                </a:solidFill>
+              </a:rPr>
+              <a:t> </a:t>
+            </a:r>
+            <a:r>
+              <a:rPr kumimoji="1" lang="en-US" altLang="zh-CN" dirty="0" smtClean="0">
+                <a:solidFill>
+                  <a:srgbClr val="000000"/>
+                </a:solidFill>
+              </a:rPr>
+              <a:t>‘xxx’</a:t>
+            </a:r>
+            <a:r>
+              <a:rPr kumimoji="1" lang="zh-CN" altLang="en-US" dirty="0" smtClean="0">
+                <a:solidFill>
+                  <a:srgbClr val="000000"/>
+                </a:solidFill>
+              </a:rPr>
+              <a:t> </a:t>
+            </a:r>
+            <a:r>
+              <a:rPr kumimoji="1" lang="en-US" altLang="zh-CN" dirty="0" err="1" smtClean="0">
+                <a:solidFill>
+                  <a:srgbClr val="000000"/>
+                </a:solidFill>
+              </a:rPr>
+              <a:t>file.txt</a:t>
+            </a:r>
+            <a:endParaRPr kumimoji="1" lang="en-US" altLang="zh-CN" dirty="0">
+              <a:solidFill>
+                <a:srgbClr val="000000"/>
+              </a:solidFill>
+            </a:endParaRPr>
+          </a:p>
+          <a:p>
+            <a:pPr marL="914400" lvl="2" indent="0">
+              <a:buNone/>
+            </a:pPr>
             <a:endParaRPr kumimoji="1" lang="en-US" altLang="zh-CN" dirty="0" smtClean="0"/>
-          </a:p>
-          <a:p>
-            <a:pPr lvl="1"/>
-            <a:endParaRPr kumimoji="1" lang="zh-CN" altLang="en-US" dirty="0"/>
           </a:p>
         </p:txBody>
       </p:sp>
     </p:spTree>
     <p:extLst>
       <p:ext uri="{BB962C8B-B14F-4D97-AF65-F5344CB8AC3E}">
-        <p14:creationId xmlns:p14="http://schemas.microsoft.com/office/powerpoint/2010/main" val="1514633796"/>
+        <p14:creationId xmlns:p14="http://schemas.microsoft.com/office/powerpoint/2010/main" val="3682266915"/>
       </p:ext>
     </p:extLst>
   </p:cSld>
@@ -4776,151 +4958,95 @@
           <a:p>
             <a:r>
               <a:rPr kumimoji="1" lang="zh-CN" altLang="en-US" dirty="0" smtClean="0"/>
-              <a:t>远程代码库 </a:t>
+              <a:t>状态查看</a:t>
+            </a:r>
+            <a:endParaRPr kumimoji="1" lang="en-US" altLang="zh-CN" dirty="0" smtClean="0"/>
+          </a:p>
+          <a:p>
+            <a:pPr lvl="1"/>
+            <a:r>
+              <a:rPr kumimoji="1" lang="en-US" altLang="zh-CN" dirty="0" err="1" smtClean="0"/>
+              <a:t>Git</a:t>
             </a:r>
             <a:r>
               <a:rPr kumimoji="1" lang="en-US" altLang="zh-CN" dirty="0" smtClean="0"/>
-              <a:t>(</a:t>
-            </a:r>
-            <a:r>
-              <a:rPr kumimoji="1" lang="en-US" altLang="zh-CN" dirty="0" err="1" smtClean="0"/>
-              <a:t>GitHub</a:t>
+              <a:t> status</a:t>
+            </a:r>
+          </a:p>
+          <a:p>
+            <a:r>
+              <a:rPr kumimoji="1" lang="zh-CN" altLang="en-US" dirty="0" smtClean="0"/>
+              <a:t>差异对比</a:t>
+            </a:r>
+            <a:endParaRPr kumimoji="1" lang="en-US" altLang="zh-CN" dirty="0"/>
+          </a:p>
+          <a:p>
+            <a:pPr lvl="1"/>
+            <a:r>
+              <a:rPr kumimoji="1" lang="en-US" altLang="zh-CN" dirty="0" err="1"/>
+              <a:t>Git</a:t>
+            </a:r>
+            <a:r>
+              <a:rPr kumimoji="1" lang="en-US" altLang="zh-CN" dirty="0"/>
+              <a:t> </a:t>
             </a:r>
             <a:r>
               <a:rPr kumimoji="1" lang="en-US" altLang="zh-CN" dirty="0" smtClean="0"/>
-              <a:t>)</a:t>
-            </a:r>
+              <a:t>diff</a:t>
+            </a:r>
+            <a:endParaRPr kumimoji="1" lang="en-US" altLang="zh-CN" dirty="0"/>
+          </a:p>
+          <a:p>
+            <a:r>
+              <a:rPr kumimoji="1" lang="zh-CN" altLang="en-US" dirty="0" smtClean="0"/>
+              <a:t>提交日志查</a:t>
+            </a:r>
+            <a:r>
+              <a:rPr kumimoji="1" lang="zh-CN" altLang="en-US" dirty="0"/>
+              <a:t>看</a:t>
+            </a:r>
+            <a:endParaRPr kumimoji="1" lang="en-US" altLang="zh-CN" dirty="0"/>
           </a:p>
           <a:p>
             <a:pPr lvl="1"/>
             <a:r>
-              <a:rPr kumimoji="1" lang="zh-CN" altLang="en-US" dirty="0" smtClean="0"/>
-              <a:t>注册</a:t>
-            </a:r>
-            <a:r>
-              <a:rPr kumimoji="1" lang="en-US" altLang="zh-CN" dirty="0" err="1" smtClean="0"/>
-              <a:t>github</a:t>
-            </a:r>
-            <a:r>
-              <a:rPr kumimoji="1" lang="zh-CN" altLang="en-US" dirty="0" smtClean="0"/>
-              <a:t>用户</a:t>
-            </a:r>
+              <a:rPr kumimoji="1" lang="en-US" altLang="zh-CN" dirty="0" err="1"/>
+              <a:t>Git</a:t>
+            </a:r>
+            <a:r>
+              <a:rPr kumimoji="1" lang="en-US" altLang="zh-CN" dirty="0"/>
+              <a:t> </a:t>
+            </a:r>
+            <a:r>
+              <a:rPr kumimoji="1" lang="en-US" altLang="zh-CN" dirty="0" smtClean="0"/>
+              <a:t>log</a:t>
+            </a:r>
+            <a:endParaRPr kumimoji="1" lang="en-US" altLang="zh-CN" dirty="0"/>
+          </a:p>
+          <a:p>
+            <a:pPr marL="457200" lvl="1" indent="0">
+              <a:buNone/>
+            </a:pPr>
+            <a:endParaRPr kumimoji="1" lang="en-US" altLang="zh-CN" dirty="0"/>
+          </a:p>
+          <a:p>
+            <a:pPr marL="457200" lvl="1" indent="0">
+              <a:buNone/>
+            </a:pPr>
+            <a:endParaRPr kumimoji="1" lang="en-US" altLang="zh-CN" dirty="0"/>
+          </a:p>
+          <a:p>
+            <a:pPr marL="457200" lvl="1" indent="0">
+              <a:buNone/>
+            </a:pPr>
             <a:endParaRPr kumimoji="1" lang="en-US" altLang="zh-CN" dirty="0" smtClean="0"/>
-          </a:p>
-          <a:p>
-            <a:pPr lvl="1"/>
-            <a:r>
-              <a:rPr kumimoji="1" lang="zh-CN" altLang="en-US" dirty="0" smtClean="0"/>
-              <a:t>本地生成</a:t>
-            </a:r>
-            <a:r>
-              <a:rPr kumimoji="1" lang="en-US" altLang="zh-CN" dirty="0" smtClean="0"/>
-              <a:t>SSH</a:t>
-            </a:r>
-            <a:r>
-              <a:rPr kumimoji="1" lang="zh-CN" altLang="en-US" dirty="0" smtClean="0"/>
-              <a:t> </a:t>
-            </a:r>
-            <a:r>
-              <a:rPr kumimoji="1" lang="en-US" altLang="zh-CN" dirty="0" smtClean="0"/>
-              <a:t>KEY,</a:t>
-            </a:r>
-            <a:r>
-              <a:rPr kumimoji="1" lang="zh-CN" altLang="en-US" dirty="0" smtClean="0"/>
-              <a:t>添加到</a:t>
-            </a:r>
-            <a:r>
-              <a:rPr kumimoji="1" lang="en-US" altLang="zh-CN" dirty="0" err="1" smtClean="0"/>
-              <a:t>github</a:t>
-            </a:r>
-            <a:endParaRPr kumimoji="1" lang="en-US" altLang="zh-CN" dirty="0" smtClean="0"/>
-          </a:p>
-          <a:p>
-            <a:pPr lvl="1"/>
-            <a:r>
-              <a:rPr lang="en-US" altLang="zh-CN" dirty="0" err="1" smtClean="0"/>
-              <a:t>ssh</a:t>
-            </a:r>
-            <a:r>
-              <a:rPr lang="en-US" altLang="zh-CN" dirty="0" err="1"/>
-              <a:t>-keygen</a:t>
-            </a:r>
-            <a:r>
-              <a:rPr lang="en-US" altLang="zh-CN" dirty="0"/>
-              <a:t> -t </a:t>
-            </a:r>
-            <a:r>
-              <a:rPr lang="en-US" altLang="zh-CN" dirty="0" err="1"/>
-              <a:t>rsa</a:t>
-            </a:r>
-            <a:r>
-              <a:rPr lang="en-US" altLang="zh-CN" dirty="0"/>
-              <a:t> -C </a:t>
-            </a:r>
-            <a:r>
-              <a:rPr lang="en-US" altLang="zh-CN" dirty="0" smtClean="0"/>
-              <a:t>"</a:t>
-            </a:r>
-            <a:r>
-              <a:rPr lang="en-US" altLang="zh-CN" dirty="0" err="1" smtClean="0"/>
-              <a:t>youremail</a:t>
-            </a:r>
-            <a:r>
-              <a:rPr lang="en-US" altLang="zh-CN" dirty="0" err="1"/>
-              <a:t>@</a:t>
-            </a:r>
-            <a:r>
-              <a:rPr lang="en-US" altLang="zh-CN" dirty="0" err="1" smtClean="0"/>
-              <a:t>example.com</a:t>
-            </a:r>
-            <a:r>
-              <a:rPr lang="en-US" altLang="zh-CN" dirty="0" smtClean="0"/>
-              <a:t>”</a:t>
-            </a:r>
-            <a:endParaRPr kumimoji="1" lang="en-US" altLang="zh-CN" dirty="0"/>
-          </a:p>
-          <a:p>
-            <a:pPr lvl="1"/>
-            <a:r>
-              <a:rPr kumimoji="1" lang="en-US" altLang="zh-CN" dirty="0" smtClean="0"/>
-              <a:t>Cat</a:t>
-            </a:r>
-            <a:r>
-              <a:rPr kumimoji="1" lang="zh-CN" altLang="en-US" dirty="0" smtClean="0"/>
-              <a:t> </a:t>
-            </a:r>
-            <a:r>
-              <a:rPr kumimoji="1" lang="zh-CN" altLang="zh-CN" dirty="0" smtClean="0"/>
-              <a:t>~</a:t>
-            </a:r>
-            <a:r>
-              <a:rPr kumimoji="1" lang="en-US" altLang="zh-CN" dirty="0" smtClean="0"/>
-              <a:t>/.</a:t>
-            </a:r>
-            <a:r>
-              <a:rPr kumimoji="1" lang="en-US" altLang="zh-CN" dirty="0" err="1" smtClean="0"/>
-              <a:t>ssh</a:t>
-            </a:r>
-            <a:r>
-              <a:rPr kumimoji="1" lang="en-US" altLang="zh-CN" dirty="0" smtClean="0"/>
-              <a:t>/</a:t>
-            </a:r>
-            <a:r>
-              <a:rPr kumimoji="1" lang="en-US" altLang="zh-CN" dirty="0" err="1" smtClean="0"/>
-              <a:t>id_rsa.pub</a:t>
-            </a:r>
-            <a:endParaRPr kumimoji="1" lang="en-US" altLang="zh-CN" dirty="0" smtClean="0"/>
-          </a:p>
-          <a:p>
-            <a:pPr lvl="1"/>
-            <a:endParaRPr kumimoji="1" lang="zh-CN" altLang="en-US" dirty="0"/>
           </a:p>
         </p:txBody>
       </p:sp>
     </p:spTree>
     <p:extLst>
       <p:ext uri="{BB962C8B-B14F-4D97-AF65-F5344CB8AC3E}">
-        <p14:creationId xmlns:p14="http://schemas.microsoft.com/office/powerpoint/2010/main" val="1736226605"/>
+        <p14:creationId xmlns:p14="http://schemas.microsoft.com/office/powerpoint/2010/main" val="2643612577"/>
       </p:ext>
     </p:extLst>
   </p:cSld>
@@ -4982,6 +5108,811 @@
           <a:lstStyle/>
           <a:p>
             <a:r>
+              <a:rPr kumimoji="1" lang="zh-CN" altLang="en-US" dirty="0" smtClean="0"/>
+              <a:t>工作区、暂存区</a:t>
+            </a:r>
+            <a:endParaRPr kumimoji="1" lang="zh-CN" altLang="en-US" dirty="0"/>
+          </a:p>
+        </p:txBody>
+      </p:sp>
+      <p:pic>
+        <p:nvPicPr>
+          <p:cNvPr id="4" name="图片 3"/>
+          <p:cNvPicPr>
+            <a:picLocks noChangeAspect="1"/>
+          </p:cNvPicPr>
+          <p:nvPr/>
+        </p:nvPicPr>
+        <p:blipFill>
+          <a:blip r:embed="rId2"/>
+          <a:stretch>
+            <a:fillRect/>
+          </a:stretch>
+        </p:blipFill>
+        <p:spPr>
+          <a:xfrm>
+            <a:off x="533400" y="2133600"/>
+            <a:ext cx="8382000" cy="4464698"/>
+          </a:xfrm>
+          <a:prstGeom prst="rect">
+            <a:avLst/>
+          </a:prstGeom>
+        </p:spPr>
+      </p:pic>
+    </p:spTree>
+    <p:extLst>
+      <p:ext uri="{BB962C8B-B14F-4D97-AF65-F5344CB8AC3E}">
+        <p14:creationId xmlns:p14="http://schemas.microsoft.com/office/powerpoint/2010/main" val="134675162"/>
+      </p:ext>
+    </p:extLst>
+  </p:cSld>
+  <p:clrMapOvr>
+    <a:masterClrMapping/>
+  </p:clrMapOvr>
+</p:sld>
+</file>
+
+<file path=ppt/slides/slide13.xml><?xml version="1.0" encoding="utf-8"?>
+<p:sld xmlns:a="http://schemas.openxmlformats.org/drawingml/2006/main" xmlns:r="http://schemas.openxmlformats.org/officeDocument/2006/relationships" xmlns:p="http://schemas.openxmlformats.org/presentationml/2006/main">
+  <p:cSld>
+    <p:spTree>
+      <p:nvGrpSpPr>
+        <p:cNvPr id="1" name=""/>
+        <p:cNvGrpSpPr/>
+        <p:nvPr/>
+      </p:nvGrpSpPr>
+      <p:grpSpPr>
+        <a:xfrm>
+          <a:off x="0" y="0"/>
+          <a:ext cx="0" cy="0"/>
+          <a:chOff x="0" y="0"/>
+          <a:chExt cx="0" cy="0"/>
+        </a:xfrm>
+      </p:grpSpPr>
+      <p:sp>
+        <p:nvSpPr>
+          <p:cNvPr id="2" name="标题 1"/>
+          <p:cNvSpPr>
+            <a:spLocks noGrp="1"/>
+          </p:cNvSpPr>
+          <p:nvPr>
+            <p:ph type="title"/>
+          </p:nvPr>
+        </p:nvSpPr>
+        <p:spPr/>
+        <p:txBody>
+          <a:bodyPr/>
+          <a:lstStyle/>
+          <a:p>
+            <a:endParaRPr kumimoji="1" lang="zh-CN" altLang="en-US"/>
+          </a:p>
+        </p:txBody>
+      </p:sp>
+      <p:sp>
+        <p:nvSpPr>
+          <p:cNvPr id="3" name="内容占位符 2"/>
+          <p:cNvSpPr>
+            <a:spLocks noGrp="1"/>
+          </p:cNvSpPr>
+          <p:nvPr>
+            <p:ph idx="1"/>
+          </p:nvPr>
+        </p:nvSpPr>
+        <p:spPr/>
+        <p:txBody>
+          <a:bodyPr/>
+          <a:lstStyle/>
+          <a:p>
+            <a:r>
+              <a:rPr kumimoji="1" lang="en-US" altLang="zh-CN" dirty="0" smtClean="0"/>
+              <a:t>HEAD</a:t>
+            </a:r>
+          </a:p>
+          <a:p>
+            <a:pPr lvl="1"/>
+            <a:r>
+              <a:rPr kumimoji="1" lang="zh-CN" altLang="en-US" dirty="0" smtClean="0"/>
+              <a:t>指向当前版本（</a:t>
+            </a:r>
+            <a:r>
+              <a:rPr kumimoji="1" lang="en-US" altLang="zh-CN" dirty="0" smtClean="0"/>
+              <a:t>commit</a:t>
+            </a:r>
+            <a:r>
+              <a:rPr kumimoji="1" lang="zh-CN" altLang="en-US" dirty="0" smtClean="0"/>
+              <a:t>），上一个是</a:t>
+            </a:r>
+            <a:r>
+              <a:rPr kumimoji="1" lang="en-US" altLang="zh-CN" dirty="0" smtClean="0"/>
+              <a:t>HEAD^,</a:t>
+            </a:r>
+            <a:r>
+              <a:rPr kumimoji="1" lang="zh-CN" altLang="en-US" dirty="0" smtClean="0"/>
+              <a:t>再上一个是</a:t>
+            </a:r>
+            <a:r>
+              <a:rPr kumimoji="1" lang="en-US" altLang="zh-CN" dirty="0" smtClean="0"/>
+              <a:t>HEAD^^ ,</a:t>
+            </a:r>
+            <a:r>
+              <a:rPr kumimoji="1" lang="zh-CN" altLang="en-US" dirty="0" smtClean="0"/>
+              <a:t>上</a:t>
+            </a:r>
+            <a:r>
+              <a:rPr kumimoji="1" lang="en-US" altLang="zh-CN" dirty="0" smtClean="0"/>
+              <a:t>N</a:t>
+            </a:r>
+            <a:r>
+              <a:rPr kumimoji="1" lang="zh-CN" altLang="en-US" dirty="0" smtClean="0"/>
+              <a:t>（</a:t>
+            </a:r>
+            <a:r>
+              <a:rPr kumimoji="1" lang="en-US" altLang="zh-CN" dirty="0" smtClean="0"/>
+              <a:t>N&gt;2)</a:t>
+            </a:r>
+            <a:r>
+              <a:rPr kumimoji="1" lang="zh-CN" altLang="en-US" dirty="0" smtClean="0"/>
+              <a:t>个是</a:t>
+            </a:r>
+            <a:r>
+              <a:rPr kumimoji="1" lang="en-US" altLang="zh-CN" dirty="0" smtClean="0"/>
+              <a:t>HEAD~N</a:t>
+            </a:r>
+            <a:r>
+              <a:rPr kumimoji="1" lang="zh-CN" altLang="en-US" dirty="0" smtClean="0"/>
+              <a:t>。</a:t>
+            </a:r>
+            <a:endParaRPr kumimoji="1" lang="en-US" altLang="zh-CN" dirty="0"/>
+          </a:p>
+          <a:p>
+            <a:r>
+              <a:rPr kumimoji="1" lang="zh-CN" altLang="en-US" dirty="0" smtClean="0"/>
+              <a:t>版本“穿梭</a:t>
+            </a:r>
+            <a:r>
+              <a:rPr kumimoji="1" lang="en-US" altLang="zh-CN" dirty="0" smtClean="0"/>
+              <a:t>”</a:t>
+            </a:r>
+            <a:endParaRPr kumimoji="1" lang="en-US" altLang="zh-CN" dirty="0"/>
+          </a:p>
+          <a:p>
+            <a:pPr lvl="1"/>
+            <a:r>
+              <a:rPr kumimoji="1" lang="en-US" altLang="zh-CN" dirty="0" err="1" smtClean="0"/>
+              <a:t>Git</a:t>
+            </a:r>
+            <a:r>
+              <a:rPr kumimoji="1" lang="zh-CN" altLang="en-US" dirty="0" smtClean="0"/>
+              <a:t> </a:t>
+            </a:r>
+            <a:r>
+              <a:rPr kumimoji="1" lang="en-US" altLang="zh-CN" dirty="0" smtClean="0"/>
+              <a:t>reset</a:t>
+            </a:r>
+            <a:r>
+              <a:rPr kumimoji="1" lang="zh-CN" altLang="en-US" dirty="0" smtClean="0"/>
+              <a:t> </a:t>
+            </a:r>
+            <a:r>
+              <a:rPr kumimoji="1" lang="en-US" altLang="zh-CN" dirty="0" smtClean="0"/>
+              <a:t>--hard</a:t>
+            </a:r>
+            <a:r>
+              <a:rPr kumimoji="1" lang="zh-CN" altLang="en-US" dirty="0" smtClean="0"/>
+              <a:t> </a:t>
+            </a:r>
+            <a:r>
+              <a:rPr kumimoji="1" lang="en-US" altLang="zh-CN" dirty="0" smtClean="0"/>
+              <a:t>HEAD^</a:t>
+            </a:r>
+          </a:p>
+          <a:p>
+            <a:pPr lvl="1"/>
+            <a:r>
+              <a:rPr kumimoji="1" lang="en-US" altLang="zh-CN" dirty="0" smtClean="0"/>
+              <a:t>Get</a:t>
+            </a:r>
+            <a:r>
+              <a:rPr kumimoji="1" lang="zh-CN" altLang="en-US" dirty="0" smtClean="0"/>
+              <a:t> </a:t>
+            </a:r>
+            <a:r>
+              <a:rPr kumimoji="1" lang="en-US" altLang="zh-CN" dirty="0" smtClean="0"/>
+              <a:t>reset</a:t>
+            </a:r>
+            <a:r>
+              <a:rPr kumimoji="1" lang="zh-CN" altLang="en-US" dirty="0" smtClean="0"/>
+              <a:t> </a:t>
+            </a:r>
+            <a:r>
+              <a:rPr kumimoji="1" lang="en-US" altLang="zh-CN" dirty="0" smtClean="0"/>
+              <a:t>–hard</a:t>
+            </a:r>
+            <a:r>
+              <a:rPr kumimoji="1" lang="zh-CN" altLang="en-US" dirty="0" smtClean="0"/>
+              <a:t> </a:t>
+            </a:r>
+            <a:r>
+              <a:rPr kumimoji="1" lang="en-US" altLang="zh-CN" dirty="0" smtClean="0"/>
+              <a:t>ad88649</a:t>
+            </a:r>
+            <a:endParaRPr kumimoji="1" lang="en-US" altLang="zh-CN" dirty="0"/>
+          </a:p>
+          <a:p>
+            <a:pPr lvl="1"/>
+            <a:r>
+              <a:rPr kumimoji="1" lang="zh-CN" altLang="en-US" dirty="0" smtClean="0"/>
+              <a:t>辅助 </a:t>
+            </a:r>
+            <a:r>
+              <a:rPr kumimoji="1" lang="en-US" altLang="zh-CN" dirty="0" err="1" smtClean="0"/>
+              <a:t>Git</a:t>
+            </a:r>
+            <a:r>
+              <a:rPr kumimoji="1" lang="zh-CN" altLang="en-US" dirty="0" smtClean="0"/>
+              <a:t> </a:t>
+            </a:r>
+            <a:r>
+              <a:rPr kumimoji="1" lang="en-US" altLang="zh-CN" dirty="0" err="1" smtClean="0"/>
+              <a:t>reflog</a:t>
+            </a:r>
+            <a:r>
+              <a:rPr kumimoji="1" lang="zh-CN" altLang="en-US" dirty="0" smtClean="0"/>
+              <a:t> 查看全部</a:t>
+            </a:r>
+            <a:r>
+              <a:rPr kumimoji="1" lang="en-US" altLang="zh-CN" dirty="0" smtClean="0"/>
+              <a:t>log</a:t>
+            </a:r>
+          </a:p>
+          <a:p>
+            <a:pPr lvl="1"/>
+            <a:r>
+              <a:rPr kumimoji="1" lang="zh-CN" altLang="en-US" dirty="0" smtClean="0"/>
+              <a:t>完全靠</a:t>
+            </a:r>
+            <a:r>
+              <a:rPr kumimoji="1" lang="en-US" altLang="zh-CN" dirty="0" smtClean="0"/>
+              <a:t>HEAD</a:t>
+            </a:r>
+            <a:r>
+              <a:rPr kumimoji="1" lang="zh-CN" altLang="en-US" dirty="0" smtClean="0"/>
+              <a:t>指针的移动，速度快</a:t>
+            </a:r>
+            <a:endParaRPr kumimoji="1" lang="en-US" altLang="zh-CN" dirty="0" smtClean="0"/>
+          </a:p>
+          <a:p>
+            <a:pPr lvl="1"/>
+            <a:endParaRPr kumimoji="1" lang="en-US" altLang="zh-CN" dirty="0"/>
+          </a:p>
+          <a:p>
+            <a:pPr marL="457200" lvl="1" indent="0">
+              <a:buNone/>
+            </a:pPr>
+            <a:endParaRPr kumimoji="1" lang="en-US" altLang="zh-CN" dirty="0"/>
+          </a:p>
+          <a:p>
+            <a:pPr lvl="1"/>
+            <a:endParaRPr kumimoji="1" lang="en-US" altLang="zh-CN" dirty="0"/>
+          </a:p>
+          <a:p>
+            <a:pPr lvl="1"/>
+            <a:endParaRPr kumimoji="1" lang="en-US" altLang="zh-CN" dirty="0" smtClean="0"/>
+          </a:p>
+        </p:txBody>
+      </p:sp>
+    </p:spTree>
+    <p:extLst>
+      <p:ext uri="{BB962C8B-B14F-4D97-AF65-F5344CB8AC3E}">
+        <p14:creationId xmlns:p14="http://schemas.microsoft.com/office/powerpoint/2010/main" val="3999932183"/>
+      </p:ext>
+    </p:extLst>
+  </p:cSld>
+  <p:clrMapOvr>
+    <a:masterClrMapping/>
+  </p:clrMapOvr>
+</p:sld>
+</file>
+
+<file path=ppt/slides/slide14.xml><?xml version="1.0" encoding="utf-8"?>
+<p:sld xmlns:a="http://schemas.openxmlformats.org/drawingml/2006/main" xmlns:r="http://schemas.openxmlformats.org/officeDocument/2006/relationships" xmlns:p="http://schemas.openxmlformats.org/presentationml/2006/main">
+  <p:cSld>
+    <p:spTree>
+      <p:nvGrpSpPr>
+        <p:cNvPr id="1" name=""/>
+        <p:cNvGrpSpPr/>
+        <p:nvPr/>
+      </p:nvGrpSpPr>
+      <p:grpSpPr>
+        <a:xfrm>
+          <a:off x="0" y="0"/>
+          <a:ext cx="0" cy="0"/>
+          <a:chOff x="0" y="0"/>
+          <a:chExt cx="0" cy="0"/>
+        </a:xfrm>
+      </p:grpSpPr>
+      <p:sp>
+        <p:nvSpPr>
+          <p:cNvPr id="2" name="标题 1"/>
+          <p:cNvSpPr>
+            <a:spLocks noGrp="1"/>
+          </p:cNvSpPr>
+          <p:nvPr>
+            <p:ph type="title"/>
+          </p:nvPr>
+        </p:nvSpPr>
+        <p:spPr/>
+        <p:txBody>
+          <a:bodyPr/>
+          <a:lstStyle/>
+          <a:p>
+            <a:endParaRPr kumimoji="1" lang="zh-CN" altLang="en-US"/>
+          </a:p>
+        </p:txBody>
+      </p:sp>
+      <p:sp>
+        <p:nvSpPr>
+          <p:cNvPr id="3" name="内容占位符 2"/>
+          <p:cNvSpPr>
+            <a:spLocks noGrp="1"/>
+          </p:cNvSpPr>
+          <p:nvPr>
+            <p:ph idx="1"/>
+          </p:nvPr>
+        </p:nvSpPr>
+        <p:spPr/>
+        <p:txBody>
+          <a:bodyPr/>
+          <a:lstStyle/>
+          <a:p>
+            <a:r>
+              <a:rPr kumimoji="1" lang="zh-CN" altLang="en-US" dirty="0" smtClean="0"/>
+              <a:t>撤销修改</a:t>
+            </a:r>
+            <a:endParaRPr kumimoji="1" lang="en-US" altLang="zh-CN" dirty="0" smtClean="0"/>
+          </a:p>
+          <a:p>
+            <a:pPr lvl="1"/>
+            <a:r>
+              <a:rPr kumimoji="1" lang="zh-CN" altLang="en-US" dirty="0" smtClean="0"/>
+              <a:t>工作区撤销：</a:t>
+            </a:r>
+            <a:r>
+              <a:rPr kumimoji="1" lang="en-US" altLang="zh-CN" dirty="0" err="1" smtClean="0"/>
+              <a:t>Git</a:t>
+            </a:r>
+            <a:r>
+              <a:rPr kumimoji="1" lang="en-US" altLang="zh-CN" dirty="0" smtClean="0"/>
+              <a:t> checkout – file</a:t>
+            </a:r>
+          </a:p>
+          <a:p>
+            <a:pPr lvl="1"/>
+            <a:r>
+              <a:rPr kumimoji="1" lang="zh-CN" altLang="en-US" dirty="0" smtClean="0"/>
+              <a:t>暂存区撤销：</a:t>
+            </a:r>
+            <a:r>
+              <a:rPr kumimoji="1" lang="en-US" altLang="zh-CN" dirty="0" err="1" smtClean="0"/>
+              <a:t>git</a:t>
+            </a:r>
+            <a:r>
+              <a:rPr kumimoji="1" lang="zh-CN" altLang="en-US" dirty="0" smtClean="0"/>
+              <a:t> </a:t>
+            </a:r>
+            <a:r>
+              <a:rPr kumimoji="1" lang="en-US" altLang="zh-CN" dirty="0" smtClean="0"/>
+              <a:t>reset</a:t>
+            </a:r>
+            <a:r>
+              <a:rPr kumimoji="1" lang="zh-CN" altLang="en-US" dirty="0" smtClean="0"/>
+              <a:t> </a:t>
+            </a:r>
+            <a:r>
+              <a:rPr kumimoji="1" lang="en-US" altLang="zh-CN" dirty="0" smtClean="0"/>
+              <a:t>HEAD</a:t>
+            </a:r>
+            <a:r>
+              <a:rPr kumimoji="1" lang="zh-CN" altLang="en-US" dirty="0" smtClean="0"/>
+              <a:t> </a:t>
+            </a:r>
+            <a:r>
+              <a:rPr kumimoji="1" lang="en-US" altLang="zh-CN" dirty="0" smtClean="0"/>
+              <a:t>file</a:t>
+            </a:r>
+          </a:p>
+          <a:p>
+            <a:r>
+              <a:rPr kumimoji="1" lang="zh-CN" altLang="en-US" dirty="0" smtClean="0"/>
+              <a:t>删除文件</a:t>
+            </a:r>
+            <a:endParaRPr kumimoji="1" lang="en-US" altLang="zh-CN" dirty="0"/>
+          </a:p>
+          <a:p>
+            <a:pPr lvl="1"/>
+            <a:r>
+              <a:rPr kumimoji="1" lang="zh-CN" altLang="en-US" dirty="0" smtClean="0"/>
+              <a:t>删除：</a:t>
+            </a:r>
+            <a:r>
+              <a:rPr kumimoji="1" lang="en-US" altLang="zh-CN" dirty="0" err="1"/>
+              <a:t>Git</a:t>
+            </a:r>
+            <a:r>
+              <a:rPr kumimoji="1" lang="en-US" altLang="zh-CN" dirty="0"/>
+              <a:t> </a:t>
+            </a:r>
+            <a:r>
+              <a:rPr kumimoji="1" lang="en-US" altLang="zh-CN" dirty="0" err="1" smtClean="0"/>
+              <a:t>rm</a:t>
+            </a:r>
+            <a:r>
+              <a:rPr kumimoji="1" lang="en-US" altLang="zh-CN" dirty="0" smtClean="0"/>
+              <a:t> file</a:t>
+            </a:r>
+            <a:r>
+              <a:rPr kumimoji="1" lang="zh-CN" altLang="en-US" dirty="0" smtClean="0"/>
+              <a:t> </a:t>
+            </a:r>
+            <a:r>
+              <a:rPr kumimoji="1" lang="en-US" altLang="zh-CN" dirty="0" smtClean="0"/>
+              <a:t>+</a:t>
+            </a:r>
+            <a:r>
+              <a:rPr kumimoji="1" lang="zh-CN" altLang="en-US" dirty="0" smtClean="0"/>
+              <a:t> </a:t>
+            </a:r>
+            <a:r>
+              <a:rPr kumimoji="1" lang="en-US" altLang="zh-CN" dirty="0" err="1" smtClean="0"/>
+              <a:t>git</a:t>
+            </a:r>
+            <a:r>
+              <a:rPr kumimoji="1" lang="zh-CN" altLang="en-US" dirty="0" smtClean="0"/>
+              <a:t> </a:t>
+            </a:r>
+            <a:r>
+              <a:rPr kumimoji="1" lang="en-US" altLang="zh-CN" dirty="0" smtClean="0"/>
+              <a:t>commit</a:t>
+            </a:r>
+            <a:r>
+              <a:rPr kumimoji="1" lang="zh-CN" altLang="en-US" dirty="0" smtClean="0"/>
+              <a:t> </a:t>
+            </a:r>
+            <a:r>
+              <a:rPr kumimoji="1" lang="en-US" altLang="zh-CN" dirty="0" smtClean="0"/>
+              <a:t>–m</a:t>
+            </a:r>
+            <a:r>
+              <a:rPr kumimoji="1" lang="zh-CN" altLang="en-US" dirty="0" smtClean="0"/>
+              <a:t> </a:t>
+            </a:r>
+            <a:r>
+              <a:rPr kumimoji="1" lang="en-US" altLang="zh-CN" dirty="0" smtClean="0"/>
+              <a:t>‘xx’</a:t>
+            </a:r>
+            <a:endParaRPr kumimoji="1" lang="en-US" altLang="zh-CN" dirty="0"/>
+          </a:p>
+          <a:p>
+            <a:pPr lvl="1"/>
+            <a:r>
+              <a:rPr kumimoji="1" lang="zh-CN" altLang="en-US" dirty="0" smtClean="0"/>
+              <a:t>本地误删恢复：</a:t>
+            </a:r>
+            <a:r>
+              <a:rPr kumimoji="1" lang="en-US" altLang="zh-CN" dirty="0" err="1"/>
+              <a:t>git</a:t>
+            </a:r>
+            <a:r>
+              <a:rPr kumimoji="1" lang="zh-CN" altLang="en-US" dirty="0"/>
+              <a:t> </a:t>
+            </a:r>
+            <a:r>
+              <a:rPr kumimoji="1" lang="en-US" altLang="zh-CN" dirty="0" smtClean="0"/>
+              <a:t>checkout</a:t>
+            </a:r>
+            <a:r>
+              <a:rPr kumimoji="1" lang="zh-CN" altLang="en-US" dirty="0" smtClean="0"/>
+              <a:t> </a:t>
+            </a:r>
+            <a:r>
+              <a:rPr kumimoji="1" lang="zh-CN" altLang="zh-CN" dirty="0" smtClean="0"/>
+              <a:t>-</a:t>
+            </a:r>
+            <a:r>
+              <a:rPr kumimoji="1" lang="en-US" altLang="zh-CN" dirty="0" smtClean="0"/>
+              <a:t>-</a:t>
+            </a:r>
+            <a:r>
+              <a:rPr kumimoji="1" lang="zh-CN" altLang="en-US" dirty="0" smtClean="0"/>
+              <a:t> </a:t>
+            </a:r>
+            <a:r>
+              <a:rPr kumimoji="1" lang="en-US" altLang="zh-CN" dirty="0"/>
+              <a:t>file</a:t>
+            </a:r>
+          </a:p>
+          <a:p>
+            <a:pPr lvl="1"/>
+            <a:endParaRPr kumimoji="1" lang="en-US" altLang="zh-CN" dirty="0" smtClean="0"/>
+          </a:p>
+          <a:p>
+            <a:pPr lvl="1"/>
+            <a:endParaRPr kumimoji="1" lang="zh-CN" altLang="en-US" dirty="0"/>
+          </a:p>
+        </p:txBody>
+      </p:sp>
+    </p:spTree>
+    <p:extLst>
+      <p:ext uri="{BB962C8B-B14F-4D97-AF65-F5344CB8AC3E}">
+        <p14:creationId xmlns:p14="http://schemas.microsoft.com/office/powerpoint/2010/main" val="1514633796"/>
+      </p:ext>
+    </p:extLst>
+  </p:cSld>
+  <p:clrMapOvr>
+    <a:masterClrMapping/>
+  </p:clrMapOvr>
+</p:sld>
+</file>
+
+<file path=ppt/slides/slide15.xml><?xml version="1.0" encoding="utf-8"?>
+<p:sld xmlns:a="http://schemas.openxmlformats.org/drawingml/2006/main" xmlns:r="http://schemas.openxmlformats.org/officeDocument/2006/relationships" xmlns:p="http://schemas.openxmlformats.org/presentationml/2006/main">
+  <p:cSld>
+    <p:spTree>
+      <p:nvGrpSpPr>
+        <p:cNvPr id="1" name=""/>
+        <p:cNvGrpSpPr/>
+        <p:nvPr/>
+      </p:nvGrpSpPr>
+      <p:grpSpPr>
+        <a:xfrm>
+          <a:off x="0" y="0"/>
+          <a:ext cx="0" cy="0"/>
+          <a:chOff x="0" y="0"/>
+          <a:chExt cx="0" cy="0"/>
+        </a:xfrm>
+      </p:grpSpPr>
+      <p:sp>
+        <p:nvSpPr>
+          <p:cNvPr id="2" name="标题 1"/>
+          <p:cNvSpPr>
+            <a:spLocks noGrp="1"/>
+          </p:cNvSpPr>
+          <p:nvPr>
+            <p:ph type="title"/>
+          </p:nvPr>
+        </p:nvSpPr>
+        <p:spPr/>
+        <p:txBody>
+          <a:bodyPr/>
+          <a:lstStyle/>
+          <a:p>
+            <a:endParaRPr kumimoji="1" lang="zh-CN" altLang="en-US"/>
+          </a:p>
+        </p:txBody>
+      </p:sp>
+      <p:sp>
+        <p:nvSpPr>
+          <p:cNvPr id="3" name="内容占位符 2"/>
+          <p:cNvSpPr>
+            <a:spLocks noGrp="1"/>
+          </p:cNvSpPr>
+          <p:nvPr>
+            <p:ph idx="1"/>
+          </p:nvPr>
+        </p:nvSpPr>
+        <p:spPr/>
+        <p:txBody>
+          <a:bodyPr/>
+          <a:lstStyle/>
+          <a:p>
+            <a:r>
+              <a:rPr kumimoji="1" lang="zh-CN" altLang="en-US" dirty="0" smtClean="0"/>
+              <a:t>远程代码库 </a:t>
+            </a:r>
+            <a:r>
+              <a:rPr kumimoji="1" lang="en-US" altLang="zh-CN" dirty="0" smtClean="0"/>
+              <a:t>(</a:t>
+            </a:r>
+            <a:r>
+              <a:rPr kumimoji="1" lang="en-US" altLang="zh-CN" dirty="0" err="1" smtClean="0"/>
+              <a:t>GitHub</a:t>
+            </a:r>
+            <a:r>
+              <a:rPr kumimoji="1" lang="en-US" altLang="zh-CN" dirty="0" smtClean="0"/>
+              <a:t>)</a:t>
+            </a:r>
+          </a:p>
+          <a:p>
+            <a:pPr lvl="1"/>
+            <a:r>
+              <a:rPr kumimoji="1" lang="zh-CN" altLang="en-US" dirty="0" smtClean="0"/>
+              <a:t>注册</a:t>
+            </a:r>
+            <a:r>
+              <a:rPr kumimoji="1" lang="en-US" altLang="zh-CN" dirty="0" err="1" smtClean="0"/>
+              <a:t>github</a:t>
+            </a:r>
+            <a:r>
+              <a:rPr kumimoji="1" lang="zh-CN" altLang="en-US" dirty="0" smtClean="0"/>
+              <a:t>用户</a:t>
+            </a:r>
+            <a:endParaRPr kumimoji="1" lang="en-US" altLang="zh-CN" dirty="0" smtClean="0"/>
+          </a:p>
+          <a:p>
+            <a:pPr lvl="1"/>
+            <a:r>
+              <a:rPr kumimoji="1" lang="zh-CN" altLang="en-US" dirty="0" smtClean="0"/>
+              <a:t>本地生成</a:t>
+            </a:r>
+            <a:r>
+              <a:rPr kumimoji="1" lang="en-US" altLang="zh-CN" dirty="0" smtClean="0"/>
+              <a:t>SSH</a:t>
+            </a:r>
+            <a:r>
+              <a:rPr kumimoji="1" lang="zh-CN" altLang="en-US" dirty="0" smtClean="0"/>
+              <a:t> </a:t>
+            </a:r>
+            <a:r>
+              <a:rPr kumimoji="1" lang="en-US" altLang="zh-CN" dirty="0" smtClean="0"/>
+              <a:t>KEY,</a:t>
+            </a:r>
+            <a:r>
+              <a:rPr kumimoji="1" lang="zh-CN" altLang="en-US" dirty="0" smtClean="0"/>
+              <a:t>添加到</a:t>
+            </a:r>
+            <a:r>
+              <a:rPr kumimoji="1" lang="en-US" altLang="zh-CN" dirty="0" err="1" smtClean="0"/>
+              <a:t>github</a:t>
+            </a:r>
+            <a:endParaRPr kumimoji="1" lang="en-US" altLang="zh-CN" dirty="0" smtClean="0"/>
+          </a:p>
+          <a:p>
+            <a:pPr lvl="1"/>
+            <a:r>
+              <a:rPr lang="en-US" altLang="zh-CN" dirty="0" err="1" smtClean="0"/>
+              <a:t>ssh</a:t>
+            </a:r>
+            <a:r>
+              <a:rPr lang="en-US" altLang="zh-CN" dirty="0" err="1"/>
+              <a:t>-keygen</a:t>
+            </a:r>
+            <a:r>
+              <a:rPr lang="en-US" altLang="zh-CN" dirty="0"/>
+              <a:t> -t </a:t>
+            </a:r>
+            <a:r>
+              <a:rPr lang="en-US" altLang="zh-CN" dirty="0" err="1"/>
+              <a:t>rsa</a:t>
+            </a:r>
+            <a:r>
+              <a:rPr lang="en-US" altLang="zh-CN" dirty="0"/>
+              <a:t> -C </a:t>
+            </a:r>
+            <a:r>
+              <a:rPr lang="en-US" altLang="zh-CN" dirty="0" smtClean="0"/>
+              <a:t>"</a:t>
+            </a:r>
+            <a:r>
+              <a:rPr lang="en-US" altLang="zh-CN" dirty="0" err="1" smtClean="0"/>
+              <a:t>youremail</a:t>
+            </a:r>
+            <a:r>
+              <a:rPr lang="en-US" altLang="zh-CN" dirty="0" err="1"/>
+              <a:t>@</a:t>
+            </a:r>
+            <a:r>
+              <a:rPr lang="en-US" altLang="zh-CN" dirty="0" err="1" smtClean="0"/>
+              <a:t>example.com</a:t>
+            </a:r>
+            <a:r>
+              <a:rPr lang="en-US" altLang="zh-CN" dirty="0" smtClean="0"/>
+              <a:t>”</a:t>
+            </a:r>
+            <a:endParaRPr kumimoji="1" lang="en-US" altLang="zh-CN" dirty="0"/>
+          </a:p>
+          <a:p>
+            <a:pPr lvl="1"/>
+            <a:r>
+              <a:rPr kumimoji="1" lang="en-US" altLang="zh-CN" dirty="0" smtClean="0"/>
+              <a:t>Cat</a:t>
+            </a:r>
+            <a:r>
+              <a:rPr kumimoji="1" lang="zh-CN" altLang="en-US" dirty="0" smtClean="0"/>
+              <a:t> </a:t>
+            </a:r>
+            <a:r>
+              <a:rPr kumimoji="1" lang="zh-CN" altLang="zh-CN" dirty="0" smtClean="0"/>
+              <a:t>~</a:t>
+            </a:r>
+            <a:r>
+              <a:rPr kumimoji="1" lang="en-US" altLang="zh-CN" dirty="0" smtClean="0"/>
+              <a:t>/.</a:t>
+            </a:r>
+            <a:r>
+              <a:rPr kumimoji="1" lang="en-US" altLang="zh-CN" dirty="0" err="1" smtClean="0"/>
+              <a:t>ssh</a:t>
+            </a:r>
+            <a:r>
+              <a:rPr kumimoji="1" lang="en-US" altLang="zh-CN" dirty="0" smtClean="0"/>
+              <a:t>/</a:t>
+            </a:r>
+            <a:r>
+              <a:rPr kumimoji="1" lang="en-US" altLang="zh-CN" dirty="0" err="1" smtClean="0"/>
+              <a:t>id_rsa.pub</a:t>
+            </a:r>
+            <a:endParaRPr kumimoji="1" lang="en-US" altLang="zh-CN" dirty="0" smtClean="0"/>
+          </a:p>
+          <a:p>
+            <a:pPr lvl="1"/>
+            <a:endParaRPr kumimoji="1" lang="zh-CN" altLang="en-US" dirty="0"/>
+          </a:p>
+        </p:txBody>
+      </p:sp>
+    </p:spTree>
+    <p:extLst>
+      <p:ext uri="{BB962C8B-B14F-4D97-AF65-F5344CB8AC3E}">
+        <p14:creationId xmlns:p14="http://schemas.microsoft.com/office/powerpoint/2010/main" val="1736226605"/>
+      </p:ext>
+    </p:extLst>
+  </p:cSld>
+  <p:clrMapOvr>
+    <a:masterClrMapping/>
+  </p:clrMapOvr>
+</p:sld>
+</file>
+
+<file path=ppt/slides/slide16.xml><?xml version="1.0" encoding="utf-8"?>
+<p:sld xmlns:a="http://schemas.openxmlformats.org/drawingml/2006/main" xmlns:r="http://schemas.openxmlformats.org/officeDocument/2006/relationships" xmlns:p="http://schemas.openxmlformats.org/presentationml/2006/main">
+  <p:cSld>
+    <p:spTree>
+      <p:nvGrpSpPr>
+        <p:cNvPr id="1" name=""/>
+        <p:cNvGrpSpPr/>
+        <p:nvPr/>
+      </p:nvGrpSpPr>
+      <p:grpSpPr>
+        <a:xfrm>
+          <a:off x="0" y="0"/>
+          <a:ext cx="0" cy="0"/>
+          <a:chOff x="0" y="0"/>
+          <a:chExt cx="0" cy="0"/>
+        </a:xfrm>
+      </p:grpSpPr>
+      <p:sp>
+        <p:nvSpPr>
+          <p:cNvPr id="2" name="标题 1"/>
+          <p:cNvSpPr>
+            <a:spLocks noGrp="1"/>
+          </p:cNvSpPr>
+          <p:nvPr>
+            <p:ph type="title"/>
+          </p:nvPr>
+        </p:nvSpPr>
+        <p:spPr/>
+        <p:txBody>
+          <a:bodyPr/>
+          <a:lstStyle/>
+          <a:p>
+            <a:endParaRPr kumimoji="1" lang="zh-CN" altLang="en-US"/>
+          </a:p>
+        </p:txBody>
+      </p:sp>
+      <p:sp>
+        <p:nvSpPr>
+          <p:cNvPr id="3" name="内容占位符 2"/>
+          <p:cNvSpPr>
+            <a:spLocks noGrp="1"/>
+          </p:cNvSpPr>
+          <p:nvPr>
+            <p:ph idx="1"/>
+          </p:nvPr>
+        </p:nvSpPr>
+        <p:spPr/>
+        <p:txBody>
+          <a:bodyPr/>
+          <a:lstStyle/>
+          <a:p>
+            <a:r>
               <a:rPr lang="zh-CN" altLang="en-US" b="1" dirty="0"/>
               <a:t>添加远程库</a:t>
             </a:r>
@@ -5129,7 +6060,7 @@
 </p:sld>
 </file>
 
-<file path=ppt/slides/slide13.xml><?xml version="1.0" encoding="utf-8"?>
+<file path=ppt/slides/slide17.xml><?xml version="1.0" encoding="utf-8"?>
 <p:sld xmlns:a="http://schemas.openxmlformats.org/drawingml/2006/main" xmlns:r="http://schemas.openxmlformats.org/officeDocument/2006/relationships" xmlns:p="http://schemas.openxmlformats.org/presentationml/2006/main">
   <p:cSld>
     <p:spTree>
@@ -5300,7 +6231,7 @@
 </p:sld>
 </file>
 
-<file path=ppt/slides/slide14.xml><?xml version="1.0" encoding="utf-8"?>
+<file path=ppt/slides/slide18.xml><?xml version="1.0" encoding="utf-8"?>
 <p:sld xmlns:a="http://schemas.openxmlformats.org/drawingml/2006/main" xmlns:r="http://schemas.openxmlformats.org/officeDocument/2006/relationships" xmlns:p="http://schemas.openxmlformats.org/presentationml/2006/main">
   <p:cSld>
     <p:spTree>
@@ -5526,7 +6457,7 @@
 </p:sld>
 </file>
 
-<file path=ppt/slides/slide15.xml><?xml version="1.0" encoding="utf-8"?>
+<file path=ppt/slides/slide19.xml><?xml version="1.0" encoding="utf-8"?>
 <p:sld xmlns:a="http://schemas.openxmlformats.org/drawingml/2006/main" xmlns:r="http://schemas.openxmlformats.org/officeDocument/2006/relationships" xmlns:p="http://schemas.openxmlformats.org/presentationml/2006/main">
   <p:cSld>
     <p:spTree>
@@ -5714,1007 +6645,6 @@
     <p:extLst>
       <p:ext uri="{BB962C8B-B14F-4D97-AF65-F5344CB8AC3E}">
         <p14:creationId xmlns:p14="http://schemas.microsoft.com/office/powerpoint/2010/main" val="866685783"/>
-      </p:ext>
-    </p:extLst>
-  </p:cSld>
-  <p:clrMapOvr>
-    <a:masterClrMapping/>
-  </p:clrMapOvr>
-</p:sld>
-</file>
-
-<file path=ppt/slides/slide16.xml><?xml version="1.0" encoding="utf-8"?>
-<p:sld xmlns:a="http://schemas.openxmlformats.org/drawingml/2006/main" xmlns:r="http://schemas.openxmlformats.org/officeDocument/2006/relationships" xmlns:p="http://schemas.openxmlformats.org/presentationml/2006/main">
-  <p:cSld>
-    <p:spTree>
-      <p:nvGrpSpPr>
-        <p:cNvPr id="1" name=""/>
-        <p:cNvGrpSpPr/>
-        <p:nvPr/>
-      </p:nvGrpSpPr>
-      <p:grpSpPr>
-        <a:xfrm>
-          <a:off x="0" y="0"/>
-          <a:ext cx="0" cy="0"/>
-          <a:chOff x="0" y="0"/>
-          <a:chExt cx="0" cy="0"/>
-        </a:xfrm>
-      </p:grpSpPr>
-      <p:sp>
-        <p:nvSpPr>
-          <p:cNvPr id="2" name="标题 1"/>
-          <p:cNvSpPr>
-            <a:spLocks noGrp="1"/>
-          </p:cNvSpPr>
-          <p:nvPr>
-            <p:ph type="title"/>
-          </p:nvPr>
-        </p:nvSpPr>
-        <p:spPr/>
-        <p:txBody>
-          <a:bodyPr/>
-          <a:lstStyle/>
-          <a:p>
-            <a:endParaRPr kumimoji="1" lang="zh-CN" altLang="en-US"/>
-          </a:p>
-        </p:txBody>
-      </p:sp>
-      <p:sp>
-        <p:nvSpPr>
-          <p:cNvPr id="3" name="内容占位符 2"/>
-          <p:cNvSpPr>
-            <a:spLocks noGrp="1"/>
-          </p:cNvSpPr>
-          <p:nvPr>
-            <p:ph idx="1"/>
-          </p:nvPr>
-        </p:nvSpPr>
-        <p:spPr/>
-        <p:txBody>
-          <a:bodyPr/>
-          <a:lstStyle/>
-          <a:p>
-            <a:r>
-              <a:rPr kumimoji="1" lang="zh-CN" altLang="en-US" dirty="0" smtClean="0"/>
-              <a:t>分支管理</a:t>
-            </a:r>
-            <a:endParaRPr kumimoji="1" lang="en-US" altLang="zh-CN" dirty="0" smtClean="0"/>
-          </a:p>
-          <a:p>
-            <a:pPr lvl="1"/>
-            <a:r>
-              <a:rPr kumimoji="1" lang="en-US" altLang="zh-CN" dirty="0" smtClean="0"/>
-              <a:t>Fast</a:t>
-            </a:r>
-            <a:r>
-              <a:rPr kumimoji="1" lang="zh-CN" altLang="en-US" dirty="0" smtClean="0"/>
-              <a:t> </a:t>
-            </a:r>
-            <a:r>
-              <a:rPr kumimoji="1" lang="en-US" altLang="zh-CN" dirty="0" smtClean="0"/>
-              <a:t>Forward</a:t>
-            </a:r>
-            <a:r>
-              <a:rPr kumimoji="1" lang="zh-CN" altLang="en-US" dirty="0" smtClean="0"/>
-              <a:t>模式，删除后丢失信息</a:t>
-            </a:r>
-            <a:endParaRPr kumimoji="1" lang="en-US" altLang="zh-CN" dirty="0" smtClean="0"/>
-          </a:p>
-          <a:p>
-            <a:pPr lvl="1"/>
-            <a:r>
-              <a:rPr kumimoji="1" lang="zh-CN" altLang="zh-CN" dirty="0" smtClean="0"/>
-              <a:t>-</a:t>
-            </a:r>
-            <a:r>
-              <a:rPr kumimoji="1" lang="en-US" altLang="zh-CN" dirty="0" smtClean="0"/>
-              <a:t>-no-</a:t>
-            </a:r>
-            <a:r>
-              <a:rPr kumimoji="1" lang="en-US" altLang="zh-CN" dirty="0" err="1" smtClean="0"/>
-              <a:t>ff</a:t>
-            </a:r>
-            <a:r>
-              <a:rPr kumimoji="1" lang="zh-CN" altLang="en-US" dirty="0" smtClean="0"/>
-              <a:t>：禁用</a:t>
-            </a:r>
-            <a:r>
-              <a:rPr kumimoji="1" lang="en-US" altLang="zh-CN" dirty="0" err="1" smtClean="0"/>
-              <a:t>ff</a:t>
-            </a:r>
-            <a:r>
-              <a:rPr kumimoji="1" lang="zh-CN" altLang="en-US" dirty="0" smtClean="0"/>
-              <a:t>模式</a:t>
-            </a:r>
-            <a:endParaRPr kumimoji="1" lang="en-US" altLang="zh-CN" dirty="0" smtClean="0"/>
-          </a:p>
-          <a:p>
-            <a:r>
-              <a:rPr kumimoji="1" lang="zh-CN" altLang="en-US" dirty="0" smtClean="0"/>
-              <a:t>分支策略</a:t>
-            </a:r>
-            <a:endParaRPr kumimoji="1" lang="en-US" altLang="zh-CN" dirty="0"/>
-          </a:p>
-        </p:txBody>
-      </p:sp>
-      <p:pic>
-        <p:nvPicPr>
-          <p:cNvPr id="4" name="图片 3"/>
-          <p:cNvPicPr>
-            <a:picLocks noChangeAspect="1"/>
-          </p:cNvPicPr>
-          <p:nvPr/>
-        </p:nvPicPr>
-        <p:blipFill>
-          <a:blip r:embed="rId2"/>
-          <a:stretch>
-            <a:fillRect/>
-          </a:stretch>
-        </p:blipFill>
-        <p:spPr>
-          <a:xfrm>
-            <a:off x="0" y="3581400"/>
-            <a:ext cx="9144000" cy="2500313"/>
-          </a:xfrm>
-          <a:prstGeom prst="rect">
-            <a:avLst/>
-          </a:prstGeom>
-        </p:spPr>
-      </p:pic>
-    </p:spTree>
-    <p:extLst>
-      <p:ext uri="{BB962C8B-B14F-4D97-AF65-F5344CB8AC3E}">
-        <p14:creationId xmlns:p14="http://schemas.microsoft.com/office/powerpoint/2010/main" val="1344466556"/>
-      </p:ext>
-    </p:extLst>
-  </p:cSld>
-  <p:clrMapOvr>
-    <a:masterClrMapping/>
-  </p:clrMapOvr>
-</p:sld>
-</file>
-
-<file path=ppt/slides/slide17.xml><?xml version="1.0" encoding="utf-8"?>
-<p:sld xmlns:a="http://schemas.openxmlformats.org/drawingml/2006/main" xmlns:r="http://schemas.openxmlformats.org/officeDocument/2006/relationships" xmlns:p="http://schemas.openxmlformats.org/presentationml/2006/main">
-  <p:cSld>
-    <p:spTree>
-      <p:nvGrpSpPr>
-        <p:cNvPr id="1" name=""/>
-        <p:cNvGrpSpPr/>
-        <p:nvPr/>
-      </p:nvGrpSpPr>
-      <p:grpSpPr>
-        <a:xfrm>
-          <a:off x="0" y="0"/>
-          <a:ext cx="0" cy="0"/>
-          <a:chOff x="0" y="0"/>
-          <a:chExt cx="0" cy="0"/>
-        </a:xfrm>
-      </p:grpSpPr>
-      <p:sp>
-        <p:nvSpPr>
-          <p:cNvPr id="2" name="标题 1"/>
-          <p:cNvSpPr>
-            <a:spLocks noGrp="1"/>
-          </p:cNvSpPr>
-          <p:nvPr>
-            <p:ph type="title"/>
-          </p:nvPr>
-        </p:nvSpPr>
-        <p:spPr/>
-        <p:txBody>
-          <a:bodyPr/>
-          <a:lstStyle/>
-          <a:p>
-            <a:endParaRPr kumimoji="1" lang="zh-CN" altLang="en-US"/>
-          </a:p>
-        </p:txBody>
-      </p:sp>
-      <p:sp>
-        <p:nvSpPr>
-          <p:cNvPr id="3" name="内容占位符 2"/>
-          <p:cNvSpPr>
-            <a:spLocks noGrp="1"/>
-          </p:cNvSpPr>
-          <p:nvPr>
-            <p:ph idx="1"/>
-          </p:nvPr>
-        </p:nvSpPr>
-        <p:spPr/>
-        <p:txBody>
-          <a:bodyPr/>
-          <a:lstStyle/>
-          <a:p>
-            <a:r>
-              <a:rPr kumimoji="1" lang="zh-CN" altLang="en-US" dirty="0" smtClean="0"/>
-              <a:t>临时保持现场</a:t>
-            </a:r>
-            <a:endParaRPr kumimoji="1" lang="en-US" altLang="zh-CN" dirty="0" smtClean="0"/>
-          </a:p>
-          <a:p>
-            <a:pPr lvl="1"/>
-            <a:r>
-              <a:rPr kumimoji="1" lang="en-US" altLang="zh-CN" sz="1800" dirty="0" err="1" smtClean="0"/>
-              <a:t>Git</a:t>
-            </a:r>
-            <a:r>
-              <a:rPr kumimoji="1" lang="zh-CN" altLang="en-US" sz="1800" dirty="0" smtClean="0"/>
-              <a:t> </a:t>
-            </a:r>
-            <a:r>
-              <a:rPr kumimoji="1" lang="en-US" altLang="zh-CN" sz="1800" dirty="0" smtClean="0"/>
-              <a:t>Stash </a:t>
-            </a:r>
-            <a:r>
-              <a:rPr kumimoji="1" lang="zh-CN" altLang="en-US" sz="1800" dirty="0" smtClean="0"/>
-              <a:t>：</a:t>
-            </a:r>
-            <a:r>
-              <a:rPr lang="zh-CN" altLang="en-US" sz="1800" dirty="0"/>
-              <a:t>可以把当前工作现场“储藏”起来，等以后恢复现场后继续</a:t>
-            </a:r>
-            <a:r>
-              <a:rPr lang="zh-CN" altLang="en-US" sz="1800" dirty="0" smtClean="0"/>
-              <a:t>工作</a:t>
-            </a:r>
-            <a:endParaRPr lang="en-US" altLang="zh-CN" sz="1800" dirty="0" smtClean="0"/>
-          </a:p>
-          <a:p>
-            <a:pPr lvl="1"/>
-            <a:r>
-              <a:rPr kumimoji="1" lang="en-US" altLang="zh-CN" sz="1800" dirty="0" err="1" smtClean="0"/>
-              <a:t>Git</a:t>
-            </a:r>
-            <a:r>
-              <a:rPr kumimoji="1" lang="zh-CN" altLang="en-US" sz="1800" dirty="0" smtClean="0"/>
-              <a:t> </a:t>
-            </a:r>
-            <a:r>
-              <a:rPr kumimoji="1" lang="en-US" altLang="zh-CN" sz="1800" dirty="0" smtClean="0"/>
-              <a:t>stash</a:t>
-            </a:r>
-            <a:r>
-              <a:rPr kumimoji="1" lang="zh-CN" altLang="en-US" sz="1800" dirty="0" smtClean="0"/>
-              <a:t> </a:t>
-            </a:r>
-            <a:r>
-              <a:rPr kumimoji="1" lang="en-US" altLang="zh-CN" sz="1800" dirty="0" smtClean="0"/>
-              <a:t>list:</a:t>
-            </a:r>
-            <a:r>
-              <a:rPr kumimoji="1" lang="zh-CN" altLang="en-US" sz="1800" dirty="0" smtClean="0"/>
-              <a:t>查看列表</a:t>
-            </a:r>
-            <a:endParaRPr kumimoji="1" lang="en-US" altLang="zh-CN" sz="1800" dirty="0" smtClean="0"/>
-          </a:p>
-          <a:p>
-            <a:pPr lvl="1"/>
-            <a:r>
-              <a:rPr kumimoji="1" lang="en-US" altLang="zh-CN" sz="1800" dirty="0" err="1" smtClean="0"/>
-              <a:t>Git</a:t>
-            </a:r>
-            <a:r>
-              <a:rPr kumimoji="1" lang="zh-CN" altLang="en-US" sz="1800" dirty="0" smtClean="0"/>
-              <a:t> </a:t>
-            </a:r>
-            <a:r>
-              <a:rPr kumimoji="1" lang="en-US" altLang="zh-CN" sz="1800" dirty="0" smtClean="0"/>
-              <a:t>stash</a:t>
-            </a:r>
-            <a:r>
-              <a:rPr kumimoji="1" lang="zh-CN" altLang="en-US" sz="1800" dirty="0" smtClean="0"/>
-              <a:t> </a:t>
-            </a:r>
-            <a:r>
-              <a:rPr kumimoji="1" lang="en-US" altLang="zh-CN" sz="1800" dirty="0" smtClean="0"/>
-              <a:t>apply</a:t>
-            </a:r>
-            <a:r>
-              <a:rPr kumimoji="1" lang="zh-CN" altLang="en-US" sz="1800" dirty="0" smtClean="0"/>
-              <a:t> 恢复</a:t>
-            </a:r>
-            <a:endParaRPr kumimoji="1" lang="en-US" altLang="zh-CN" sz="1800" dirty="0" smtClean="0"/>
-          </a:p>
-          <a:p>
-            <a:pPr lvl="1"/>
-            <a:r>
-              <a:rPr kumimoji="1" lang="en-US" altLang="zh-CN" sz="1800" dirty="0" err="1" smtClean="0"/>
-              <a:t>Git</a:t>
-            </a:r>
-            <a:r>
-              <a:rPr kumimoji="1" lang="zh-CN" altLang="en-US" sz="1800" dirty="0" smtClean="0"/>
-              <a:t> </a:t>
-            </a:r>
-            <a:r>
-              <a:rPr kumimoji="1" lang="en-US" altLang="zh-CN" sz="1800" dirty="0" smtClean="0"/>
-              <a:t>stash</a:t>
-            </a:r>
-            <a:r>
-              <a:rPr kumimoji="1" lang="zh-CN" altLang="en-US" sz="1800" dirty="0" smtClean="0"/>
-              <a:t> </a:t>
-            </a:r>
-            <a:r>
-              <a:rPr kumimoji="1" lang="en-US" altLang="zh-CN" sz="1800" dirty="0" smtClean="0"/>
-              <a:t>drop</a:t>
-            </a:r>
-            <a:r>
-              <a:rPr kumimoji="1" lang="zh-CN" altLang="en-US" sz="1800" dirty="0" smtClean="0"/>
-              <a:t> 删除</a:t>
-            </a:r>
-            <a:endParaRPr kumimoji="1" lang="en-US" altLang="zh-CN" sz="1800" dirty="0" smtClean="0"/>
-          </a:p>
-          <a:p>
-            <a:pPr lvl="1"/>
-            <a:r>
-              <a:rPr kumimoji="1" lang="zh-CN" altLang="en-US" sz="1800" dirty="0" smtClean="0"/>
-              <a:t>或 </a:t>
-            </a:r>
-            <a:r>
-              <a:rPr kumimoji="1" lang="en-US" altLang="zh-CN" sz="1800" dirty="0" err="1" smtClean="0"/>
-              <a:t>git</a:t>
-            </a:r>
-            <a:r>
-              <a:rPr kumimoji="1" lang="zh-CN" altLang="en-US" sz="1800" dirty="0" smtClean="0"/>
-              <a:t> </a:t>
-            </a:r>
-            <a:r>
-              <a:rPr kumimoji="1" lang="en-US" altLang="zh-CN" sz="1800" dirty="0" smtClean="0"/>
-              <a:t>stash</a:t>
-            </a:r>
-            <a:r>
-              <a:rPr kumimoji="1" lang="zh-CN" altLang="en-US" sz="1800" dirty="0" smtClean="0"/>
-              <a:t> </a:t>
-            </a:r>
-            <a:r>
-              <a:rPr kumimoji="1" lang="en-US" altLang="zh-CN" sz="1800" dirty="0" smtClean="0"/>
-              <a:t>pop</a:t>
-            </a:r>
-            <a:r>
-              <a:rPr kumimoji="1" lang="zh-CN" altLang="en-US" sz="1800" dirty="0" smtClean="0"/>
-              <a:t> 恢复并自动删除</a:t>
-            </a:r>
-            <a:endParaRPr kumimoji="1" lang="en-US" altLang="zh-CN" sz="1800" dirty="0" smtClean="0"/>
-          </a:p>
-          <a:p>
-            <a:pPr lvl="1"/>
-            <a:endParaRPr kumimoji="1" lang="zh-CN" altLang="en-US" sz="1800" dirty="0"/>
-          </a:p>
-        </p:txBody>
-      </p:sp>
-    </p:spTree>
-    <p:extLst>
-      <p:ext uri="{BB962C8B-B14F-4D97-AF65-F5344CB8AC3E}">
-        <p14:creationId xmlns:p14="http://schemas.microsoft.com/office/powerpoint/2010/main" val="1344466556"/>
-      </p:ext>
-    </p:extLst>
-  </p:cSld>
-  <p:clrMapOvr>
-    <a:masterClrMapping/>
-  </p:clrMapOvr>
-</p:sld>
-</file>
-
-<file path=ppt/slides/slide18.xml><?xml version="1.0" encoding="utf-8"?>
-<p:sld xmlns:a="http://schemas.openxmlformats.org/drawingml/2006/main" xmlns:r="http://schemas.openxmlformats.org/officeDocument/2006/relationships" xmlns:p="http://schemas.openxmlformats.org/presentationml/2006/main">
-  <p:cSld>
-    <p:spTree>
-      <p:nvGrpSpPr>
-        <p:cNvPr id="1" name=""/>
-        <p:cNvGrpSpPr/>
-        <p:nvPr/>
-      </p:nvGrpSpPr>
-      <p:grpSpPr>
-        <a:xfrm>
-          <a:off x="0" y="0"/>
-          <a:ext cx="0" cy="0"/>
-          <a:chOff x="0" y="0"/>
-          <a:chExt cx="0" cy="0"/>
-        </a:xfrm>
-      </p:grpSpPr>
-      <p:sp>
-        <p:nvSpPr>
-          <p:cNvPr id="2" name="标题 1"/>
-          <p:cNvSpPr>
-            <a:spLocks noGrp="1"/>
-          </p:cNvSpPr>
-          <p:nvPr>
-            <p:ph type="title"/>
-          </p:nvPr>
-        </p:nvSpPr>
-        <p:spPr/>
-        <p:txBody>
-          <a:bodyPr/>
-          <a:lstStyle/>
-          <a:p>
-            <a:endParaRPr kumimoji="1" lang="zh-CN" altLang="en-US"/>
-          </a:p>
-        </p:txBody>
-      </p:sp>
-      <p:sp>
-        <p:nvSpPr>
-          <p:cNvPr id="3" name="内容占位符 2"/>
-          <p:cNvSpPr>
-            <a:spLocks noGrp="1"/>
-          </p:cNvSpPr>
-          <p:nvPr>
-            <p:ph idx="1"/>
-          </p:nvPr>
-        </p:nvSpPr>
-        <p:spPr/>
-        <p:txBody>
-          <a:bodyPr/>
-          <a:lstStyle/>
-          <a:p>
-            <a:r>
-              <a:rPr kumimoji="1" lang="zh-CN" altLang="en-US" dirty="0" smtClean="0"/>
-              <a:t>标签管理</a:t>
-            </a:r>
-            <a:r>
-              <a:rPr kumimoji="1" lang="en-US" altLang="zh-CN" dirty="0" smtClean="0"/>
-              <a:t>(tag)</a:t>
-            </a:r>
-          </a:p>
-          <a:p>
-            <a:pPr lvl="1"/>
-            <a:r>
-              <a:rPr kumimoji="1" lang="en-US" altLang="zh-CN" sz="1600" dirty="0" err="1"/>
-              <a:t>Git</a:t>
-            </a:r>
-            <a:r>
-              <a:rPr kumimoji="1" lang="zh-CN" altLang="en-US" sz="1600" dirty="0" smtClean="0"/>
-              <a:t>的标签是</a:t>
-            </a:r>
-            <a:r>
-              <a:rPr kumimoji="1" lang="zh-CN" altLang="en-US" sz="1600" dirty="0"/>
-              <a:t>版本库的快照，但其实它就是指向某个</a:t>
-            </a:r>
-            <a:r>
-              <a:rPr kumimoji="1" lang="en-US" altLang="zh-CN" sz="1600" dirty="0"/>
-              <a:t>commit</a:t>
-            </a:r>
-            <a:r>
-              <a:rPr kumimoji="1" lang="zh-CN" altLang="en-US" sz="1600" dirty="0"/>
-              <a:t>的指针（跟分支很像对不对？但是分支可以移动，标签不能移动），所以，创建和删除标签都是瞬间完成的</a:t>
-            </a:r>
-            <a:r>
-              <a:rPr kumimoji="1" lang="zh-CN" altLang="en-US" sz="1600" dirty="0" smtClean="0"/>
-              <a:t>。</a:t>
-            </a:r>
-            <a:endParaRPr kumimoji="1" lang="en-US" altLang="zh-CN" sz="1600" dirty="0" smtClean="0"/>
-          </a:p>
-          <a:p>
-            <a:pPr lvl="1"/>
-            <a:r>
-              <a:rPr kumimoji="1" lang="zh-CN" altLang="en-US" sz="1600" dirty="0" smtClean="0"/>
-              <a:t>创建</a:t>
-            </a:r>
-            <a:r>
-              <a:rPr kumimoji="1" lang="en-US" altLang="zh-CN" sz="1600" dirty="0" smtClean="0"/>
-              <a:t>tag</a:t>
-            </a:r>
-            <a:r>
-              <a:rPr kumimoji="1" lang="zh-CN" altLang="en-US" sz="1600" dirty="0" smtClean="0"/>
-              <a:t>： </a:t>
-            </a:r>
-            <a:r>
-              <a:rPr kumimoji="1" lang="en-US" altLang="zh-CN" sz="1600" dirty="0" err="1" smtClean="0"/>
-              <a:t>git</a:t>
-            </a:r>
-            <a:r>
-              <a:rPr kumimoji="1" lang="zh-CN" altLang="en-US" sz="1600" dirty="0" smtClean="0"/>
-              <a:t> </a:t>
-            </a:r>
-            <a:r>
-              <a:rPr kumimoji="1" lang="en-US" altLang="zh-CN" sz="1600" dirty="0" smtClean="0"/>
-              <a:t>tag</a:t>
-            </a:r>
-            <a:r>
-              <a:rPr kumimoji="1" lang="zh-CN" altLang="en-US" sz="1600" dirty="0" smtClean="0"/>
-              <a:t> </a:t>
-            </a:r>
-            <a:r>
-              <a:rPr kumimoji="1" lang="en-US" altLang="zh-CN" sz="1600" dirty="0" smtClean="0"/>
-              <a:t>v1.0</a:t>
-            </a:r>
-            <a:r>
-              <a:rPr kumimoji="1" lang="zh-CN" altLang="en-US" sz="1600" dirty="0" smtClean="0"/>
-              <a:t> </a:t>
-            </a:r>
-            <a:r>
-              <a:rPr kumimoji="1" lang="en-US" altLang="zh-CN" sz="1600" dirty="0" smtClean="0"/>
-              <a:t>|</a:t>
-            </a:r>
-            <a:r>
-              <a:rPr kumimoji="1" lang="zh-CN" altLang="en-US" sz="1600" dirty="0" smtClean="0"/>
-              <a:t> </a:t>
-            </a:r>
-            <a:r>
-              <a:rPr kumimoji="1" lang="en-US" altLang="zh-CN" sz="1600" dirty="0" err="1" smtClean="0"/>
-              <a:t>git</a:t>
-            </a:r>
-            <a:r>
-              <a:rPr kumimoji="1" lang="zh-CN" altLang="en-US" sz="1600" dirty="0" smtClean="0"/>
-              <a:t> </a:t>
-            </a:r>
-            <a:r>
-              <a:rPr kumimoji="1" lang="en-US" altLang="zh-CN" sz="1600" dirty="0" smtClean="0"/>
-              <a:t>tag</a:t>
-            </a:r>
-            <a:r>
-              <a:rPr kumimoji="1" lang="zh-CN" altLang="en-US" sz="1600" dirty="0" smtClean="0"/>
-              <a:t> </a:t>
-            </a:r>
-            <a:r>
-              <a:rPr kumimoji="1" lang="en-US" altLang="zh-CN" sz="1600" dirty="0" smtClean="0"/>
-              <a:t>v1.0</a:t>
-            </a:r>
-            <a:r>
-              <a:rPr kumimoji="1" lang="zh-CN" altLang="en-US" sz="1600" dirty="0" smtClean="0"/>
-              <a:t> </a:t>
-            </a:r>
-            <a:r>
-              <a:rPr kumimoji="1" lang="en-US" altLang="zh-CN" sz="1600" dirty="0" smtClean="0"/>
-              <a:t>232adb</a:t>
-            </a:r>
-          </a:p>
-          <a:p>
-            <a:pPr lvl="1"/>
-            <a:r>
-              <a:rPr kumimoji="1" lang="en-US" altLang="zh-CN" sz="1600" dirty="0" smtClean="0"/>
-              <a:t>Tag</a:t>
-            </a:r>
-            <a:r>
-              <a:rPr kumimoji="1" lang="zh-CN" altLang="en-US" sz="1600" dirty="0" smtClean="0"/>
-              <a:t>列表： </a:t>
-            </a:r>
-            <a:r>
-              <a:rPr kumimoji="1" lang="en-US" altLang="zh-CN" sz="1600" dirty="0" err="1" smtClean="0"/>
-              <a:t>git</a:t>
-            </a:r>
-            <a:r>
-              <a:rPr kumimoji="1" lang="zh-CN" altLang="en-US" sz="1600" dirty="0" smtClean="0"/>
-              <a:t> </a:t>
-            </a:r>
-            <a:r>
-              <a:rPr kumimoji="1" lang="en-US" altLang="zh-CN" sz="1600" dirty="0" smtClean="0"/>
-              <a:t>tag</a:t>
-            </a:r>
-          </a:p>
-          <a:p>
-            <a:pPr lvl="1"/>
-            <a:r>
-              <a:rPr kumimoji="1" lang="en-US" altLang="zh-CN" sz="1600" dirty="0" smtClean="0"/>
-              <a:t>Tag</a:t>
-            </a:r>
-            <a:r>
-              <a:rPr kumimoji="1" lang="zh-CN" altLang="en-US" sz="1600" dirty="0" smtClean="0"/>
-              <a:t>信息： </a:t>
-            </a:r>
-            <a:r>
-              <a:rPr kumimoji="1" lang="en-US" altLang="zh-CN" sz="1600" dirty="0" err="1" smtClean="0"/>
-              <a:t>git</a:t>
-            </a:r>
-            <a:r>
-              <a:rPr kumimoji="1" lang="zh-CN" altLang="en-US" sz="1600" dirty="0" smtClean="0"/>
-              <a:t> </a:t>
-            </a:r>
-            <a:r>
-              <a:rPr kumimoji="1" lang="en-US" altLang="zh-CN" sz="1600" dirty="0" smtClean="0"/>
-              <a:t>tag</a:t>
-            </a:r>
-            <a:r>
-              <a:rPr kumimoji="1" lang="zh-CN" altLang="en-US" sz="1600" dirty="0" smtClean="0"/>
-              <a:t> </a:t>
-            </a:r>
-            <a:r>
-              <a:rPr kumimoji="1" lang="en-US" altLang="zh-CN" sz="1600" dirty="0" smtClean="0"/>
-              <a:t>show</a:t>
-            </a:r>
-            <a:r>
-              <a:rPr kumimoji="1" lang="zh-CN" altLang="en-US" sz="1600" dirty="0" smtClean="0"/>
-              <a:t> </a:t>
-            </a:r>
-            <a:r>
-              <a:rPr kumimoji="1" lang="en-US" altLang="zh-CN" sz="1600" dirty="0" smtClean="0"/>
-              <a:t>v1.0</a:t>
-            </a:r>
-          </a:p>
-          <a:p>
-            <a:pPr lvl="1"/>
-            <a:r>
-              <a:rPr kumimoji="1" lang="zh-CN" altLang="en-US" sz="1600" dirty="0" smtClean="0"/>
-              <a:t>带注释</a:t>
-            </a:r>
-            <a:r>
-              <a:rPr kumimoji="1" lang="en-US" altLang="zh-CN" sz="1600" dirty="0" smtClean="0"/>
-              <a:t>tag</a:t>
-            </a:r>
-            <a:r>
-              <a:rPr kumimoji="1" lang="zh-CN" altLang="en-US" sz="1600" dirty="0" smtClean="0"/>
-              <a:t>：</a:t>
-            </a:r>
-            <a:r>
-              <a:rPr lang="en-US" altLang="zh-CN" sz="1600" dirty="0" err="1"/>
-              <a:t>git</a:t>
-            </a:r>
-            <a:r>
-              <a:rPr lang="en-US" altLang="zh-CN" sz="1600" dirty="0"/>
-              <a:t> tag -a v0.1 -m "version 0.1 released" </a:t>
-            </a:r>
-            <a:r>
-              <a:rPr lang="en-US" altLang="zh-CN" sz="1600" dirty="0" smtClean="0"/>
-              <a:t>3628164</a:t>
-            </a:r>
-          </a:p>
-          <a:p>
-            <a:pPr lvl="1"/>
-            <a:r>
-              <a:rPr kumimoji="1" lang="zh-CN" altLang="en-US" sz="1600" dirty="0" smtClean="0"/>
-              <a:t>删除</a:t>
-            </a:r>
-            <a:r>
-              <a:rPr kumimoji="1" lang="en-US" altLang="zh-CN" sz="1600" dirty="0" smtClean="0"/>
-              <a:t>tag</a:t>
-            </a:r>
-            <a:r>
-              <a:rPr kumimoji="1" lang="zh-CN" altLang="en-US" sz="1600" dirty="0" smtClean="0"/>
-              <a:t>：</a:t>
-            </a:r>
-            <a:r>
-              <a:rPr kumimoji="1" lang="en-US" altLang="zh-CN" sz="1600" dirty="0" err="1" smtClean="0"/>
-              <a:t>git</a:t>
-            </a:r>
-            <a:r>
-              <a:rPr kumimoji="1" lang="zh-CN" altLang="en-US" sz="1600" dirty="0" smtClean="0"/>
-              <a:t> </a:t>
-            </a:r>
-            <a:r>
-              <a:rPr kumimoji="1" lang="en-US" altLang="zh-CN" sz="1600" dirty="0" smtClean="0"/>
-              <a:t>tag</a:t>
-            </a:r>
-            <a:r>
-              <a:rPr kumimoji="1" lang="zh-CN" altLang="en-US" sz="1600" dirty="0" smtClean="0"/>
-              <a:t> </a:t>
-            </a:r>
-            <a:r>
-              <a:rPr kumimoji="1" lang="en-US" altLang="zh-CN" sz="1600" dirty="0" smtClean="0"/>
-              <a:t>–d</a:t>
-            </a:r>
-            <a:r>
-              <a:rPr kumimoji="1" lang="zh-CN" altLang="en-US" sz="1600" dirty="0" smtClean="0"/>
-              <a:t> </a:t>
-            </a:r>
-            <a:r>
-              <a:rPr kumimoji="1" lang="en-US" altLang="zh-CN" sz="1600" dirty="0" smtClean="0"/>
-              <a:t>v1.0</a:t>
-            </a:r>
-          </a:p>
-          <a:p>
-            <a:pPr lvl="1"/>
-            <a:r>
-              <a:rPr kumimoji="1" lang="en-US" altLang="zh-CN" sz="1600" dirty="0" smtClean="0"/>
-              <a:t>Push</a:t>
-            </a:r>
-            <a:r>
-              <a:rPr kumimoji="1" lang="zh-CN" altLang="en-US" sz="1600" dirty="0" smtClean="0"/>
-              <a:t> </a:t>
-            </a:r>
-            <a:r>
-              <a:rPr kumimoji="1" lang="en-US" altLang="zh-CN" sz="1600" dirty="0" smtClean="0"/>
-              <a:t>tag</a:t>
-            </a:r>
-            <a:r>
-              <a:rPr kumimoji="1" lang="zh-CN" altLang="en-US" sz="1600" dirty="0" smtClean="0"/>
-              <a:t>： </a:t>
-            </a:r>
-            <a:r>
-              <a:rPr kumimoji="1" lang="en-US" altLang="zh-CN" sz="1600" dirty="0" err="1" smtClean="0"/>
-              <a:t>git</a:t>
-            </a:r>
-            <a:r>
-              <a:rPr kumimoji="1" lang="zh-CN" altLang="en-US" sz="1600" dirty="0" smtClean="0"/>
-              <a:t> </a:t>
-            </a:r>
-            <a:r>
-              <a:rPr kumimoji="1" lang="en-US" altLang="zh-CN" sz="1600" dirty="0" smtClean="0"/>
-              <a:t>push</a:t>
-            </a:r>
-            <a:r>
-              <a:rPr kumimoji="1" lang="zh-CN" altLang="en-US" sz="1600" dirty="0" smtClean="0"/>
-              <a:t> </a:t>
-            </a:r>
-            <a:r>
-              <a:rPr kumimoji="1" lang="en-US" altLang="zh-CN" sz="1600" dirty="0" smtClean="0"/>
-              <a:t>origin</a:t>
-            </a:r>
-            <a:r>
-              <a:rPr kumimoji="1" lang="zh-CN" altLang="en-US" sz="1600" dirty="0" smtClean="0"/>
-              <a:t> </a:t>
-            </a:r>
-            <a:r>
-              <a:rPr kumimoji="1" lang="en-US" altLang="zh-CN" sz="1600" dirty="0" smtClean="0"/>
-              <a:t>v1.0</a:t>
-            </a:r>
-            <a:r>
-              <a:rPr kumimoji="1" lang="zh-CN" altLang="en-US" sz="1600" dirty="0" smtClean="0"/>
-              <a:t> </a:t>
-            </a:r>
-            <a:r>
-              <a:rPr kumimoji="1" lang="en-US" altLang="zh-CN" sz="1600" dirty="0" smtClean="0"/>
-              <a:t>|</a:t>
-            </a:r>
-            <a:r>
-              <a:rPr kumimoji="1" lang="zh-CN" altLang="en-US" sz="1600" dirty="0" smtClean="0"/>
-              <a:t> </a:t>
-            </a:r>
-            <a:r>
-              <a:rPr kumimoji="1" lang="en-US" altLang="zh-CN" sz="1600" dirty="0" err="1" smtClean="0"/>
-              <a:t>git</a:t>
-            </a:r>
-            <a:r>
-              <a:rPr kumimoji="1" lang="zh-CN" altLang="en-US" sz="1600" dirty="0" smtClean="0"/>
-              <a:t> </a:t>
-            </a:r>
-            <a:r>
-              <a:rPr kumimoji="1" lang="en-US" altLang="zh-CN" sz="1600" dirty="0" smtClean="0"/>
-              <a:t>push</a:t>
-            </a:r>
-            <a:r>
-              <a:rPr kumimoji="1" lang="zh-CN" altLang="en-US" sz="1600" dirty="0" smtClean="0"/>
-              <a:t> </a:t>
-            </a:r>
-            <a:r>
-              <a:rPr kumimoji="1" lang="en-US" altLang="zh-CN" sz="1600" dirty="0" smtClean="0"/>
-              <a:t>origin</a:t>
-            </a:r>
-            <a:r>
-              <a:rPr kumimoji="1" lang="zh-CN" altLang="en-US" sz="1600" dirty="0" smtClean="0"/>
-              <a:t> </a:t>
-            </a:r>
-            <a:r>
-              <a:rPr kumimoji="1" lang="en-US" altLang="zh-CN" sz="1600" dirty="0" smtClean="0"/>
-              <a:t>–tags</a:t>
-            </a:r>
-          </a:p>
-          <a:p>
-            <a:pPr lvl="1"/>
-            <a:r>
-              <a:rPr kumimoji="1" lang="zh-CN" altLang="en-US" sz="1600" dirty="0" smtClean="0"/>
-              <a:t>删除远程</a:t>
-            </a:r>
-            <a:r>
-              <a:rPr kumimoji="1" lang="en-US" altLang="zh-CN" sz="1600" dirty="0" smtClean="0"/>
-              <a:t>tag</a:t>
-            </a:r>
-            <a:r>
-              <a:rPr kumimoji="1" lang="zh-CN" altLang="en-US" sz="1600" dirty="0" smtClean="0"/>
-              <a:t>： </a:t>
-            </a:r>
-            <a:r>
-              <a:rPr kumimoji="1" lang="en-US" altLang="zh-CN" sz="1600" dirty="0" err="1" smtClean="0"/>
-              <a:t>git</a:t>
-            </a:r>
-            <a:r>
-              <a:rPr kumimoji="1" lang="zh-CN" altLang="en-US" sz="1600" dirty="0" smtClean="0"/>
-              <a:t> </a:t>
-            </a:r>
-            <a:r>
-              <a:rPr kumimoji="1" lang="en-US" altLang="zh-CN" sz="1600" dirty="0" smtClean="0"/>
-              <a:t>tag</a:t>
-            </a:r>
-            <a:r>
-              <a:rPr kumimoji="1" lang="zh-CN" altLang="en-US" sz="1600" dirty="0" smtClean="0"/>
-              <a:t> </a:t>
-            </a:r>
-            <a:r>
-              <a:rPr kumimoji="1" lang="en-US" altLang="zh-CN" sz="1600" dirty="0" smtClean="0"/>
-              <a:t>–d</a:t>
-            </a:r>
-            <a:r>
-              <a:rPr kumimoji="1" lang="zh-CN" altLang="en-US" sz="1600" dirty="0" smtClean="0"/>
-              <a:t> </a:t>
-            </a:r>
-            <a:r>
-              <a:rPr kumimoji="1" lang="en-US" altLang="zh-CN" sz="1600" dirty="0" smtClean="0"/>
-              <a:t>v1.0</a:t>
-            </a:r>
-            <a:r>
-              <a:rPr kumimoji="1" lang="zh-CN" altLang="en-US" sz="1600" dirty="0" smtClean="0"/>
-              <a:t> </a:t>
-            </a:r>
-            <a:r>
-              <a:rPr kumimoji="1" lang="en-US" altLang="zh-CN" sz="1600" dirty="0" smtClean="0"/>
-              <a:t>+</a:t>
-            </a:r>
-            <a:r>
-              <a:rPr kumimoji="1" lang="zh-CN" altLang="en-US" sz="1600" dirty="0" smtClean="0"/>
-              <a:t> </a:t>
-            </a:r>
-            <a:r>
-              <a:rPr kumimoji="1" lang="en-US" altLang="zh-CN" sz="1600" dirty="0" err="1" smtClean="0"/>
-              <a:t>git</a:t>
-            </a:r>
-            <a:r>
-              <a:rPr kumimoji="1" lang="zh-CN" altLang="en-US" sz="1600" dirty="0" smtClean="0"/>
-              <a:t> </a:t>
-            </a:r>
-            <a:r>
-              <a:rPr kumimoji="1" lang="en-US" altLang="zh-CN" sz="1600" dirty="0" smtClean="0"/>
-              <a:t>push</a:t>
-            </a:r>
-            <a:r>
-              <a:rPr kumimoji="1" lang="zh-CN" altLang="en-US" sz="1600" dirty="0" smtClean="0"/>
-              <a:t> </a:t>
-            </a:r>
-            <a:r>
-              <a:rPr kumimoji="1" lang="en-US" altLang="zh-CN" sz="1600" dirty="0" err="1" smtClean="0"/>
-              <a:t>orgin</a:t>
-            </a:r>
-            <a:r>
-              <a:rPr kumimoji="1" lang="zh-CN" altLang="en-US" sz="1600" dirty="0" smtClean="0"/>
-              <a:t> ：</a:t>
-            </a:r>
-            <a:r>
-              <a:rPr kumimoji="1" lang="en-US" altLang="zh-CN" sz="1600" dirty="0" smtClean="0"/>
-              <a:t>refs/tags/v1.0</a:t>
-            </a:r>
-          </a:p>
-          <a:p>
-            <a:pPr lvl="1"/>
-            <a:endParaRPr kumimoji="1" lang="en-US" altLang="zh-CN" sz="1600" dirty="0" smtClean="0"/>
-          </a:p>
-          <a:p>
-            <a:pPr lvl="1"/>
-            <a:endParaRPr kumimoji="1" lang="zh-CN" altLang="en-US" sz="1600" dirty="0"/>
-          </a:p>
-        </p:txBody>
-      </p:sp>
-    </p:spTree>
-    <p:extLst>
-      <p:ext uri="{BB962C8B-B14F-4D97-AF65-F5344CB8AC3E}">
-        <p14:creationId xmlns:p14="http://schemas.microsoft.com/office/powerpoint/2010/main" val="1344466556"/>
-      </p:ext>
-    </p:extLst>
-  </p:cSld>
-  <p:clrMapOvr>
-    <a:masterClrMapping/>
-  </p:clrMapOvr>
-</p:sld>
-</file>
-
-<file path=ppt/slides/slide19.xml><?xml version="1.0" encoding="utf-8"?>
-<p:sld xmlns:a="http://schemas.openxmlformats.org/drawingml/2006/main" xmlns:r="http://schemas.openxmlformats.org/officeDocument/2006/relationships" xmlns:p="http://schemas.openxmlformats.org/presentationml/2006/main">
-  <p:cSld>
-    <p:spTree>
-      <p:nvGrpSpPr>
-        <p:cNvPr id="1" name=""/>
-        <p:cNvGrpSpPr/>
-        <p:nvPr/>
-      </p:nvGrpSpPr>
-      <p:grpSpPr>
-        <a:xfrm>
-          <a:off x="0" y="0"/>
-          <a:ext cx="0" cy="0"/>
-          <a:chOff x="0" y="0"/>
-          <a:chExt cx="0" cy="0"/>
-        </a:xfrm>
-      </p:grpSpPr>
-      <p:sp>
-        <p:nvSpPr>
-          <p:cNvPr id="2" name="标题 1"/>
-          <p:cNvSpPr>
-            <a:spLocks noGrp="1"/>
-          </p:cNvSpPr>
-          <p:nvPr>
-            <p:ph type="title"/>
-          </p:nvPr>
-        </p:nvSpPr>
-        <p:spPr/>
-        <p:txBody>
-          <a:bodyPr/>
-          <a:lstStyle/>
-          <a:p>
-            <a:endParaRPr kumimoji="1" lang="zh-CN" altLang="en-US"/>
-          </a:p>
-        </p:txBody>
-      </p:sp>
-      <p:sp>
-        <p:nvSpPr>
-          <p:cNvPr id="3" name="内容占位符 2"/>
-          <p:cNvSpPr>
-            <a:spLocks noGrp="1"/>
-          </p:cNvSpPr>
-          <p:nvPr>
-            <p:ph idx="1"/>
-          </p:nvPr>
-        </p:nvSpPr>
-        <p:spPr/>
-        <p:txBody>
-          <a:bodyPr/>
-          <a:lstStyle/>
-          <a:p>
-            <a:r>
-              <a:rPr kumimoji="1" lang="zh-CN" altLang="en-US" dirty="0" smtClean="0"/>
-              <a:t>自定义</a:t>
-            </a:r>
-            <a:r>
-              <a:rPr kumimoji="1" lang="en-US" altLang="zh-CN" dirty="0" err="1" smtClean="0"/>
-              <a:t>git</a:t>
-            </a:r>
-            <a:r>
-              <a:rPr kumimoji="1" lang="zh-CN" altLang="en-US" dirty="0" smtClean="0"/>
-              <a:t>环境</a:t>
-            </a:r>
-            <a:endParaRPr kumimoji="1" lang="en-US" altLang="zh-CN" dirty="0" smtClean="0"/>
-          </a:p>
-          <a:p>
-            <a:pPr lvl="1"/>
-            <a:r>
-              <a:rPr kumimoji="1" lang="en-US" altLang="zh-CN" dirty="0" smtClean="0"/>
-              <a:t>Cat</a:t>
-            </a:r>
-            <a:r>
-              <a:rPr kumimoji="1" lang="zh-CN" altLang="en-US" dirty="0" smtClean="0"/>
-              <a:t> </a:t>
-            </a:r>
-            <a:r>
-              <a:rPr kumimoji="1" lang="en-US" altLang="zh-CN" dirty="0" smtClean="0"/>
-              <a:t>~/.</a:t>
-            </a:r>
-            <a:r>
-              <a:rPr kumimoji="1" lang="en-US" altLang="zh-CN" dirty="0" err="1" smtClean="0"/>
-              <a:t>gitconfig</a:t>
-            </a:r>
-            <a:r>
-              <a:rPr kumimoji="1" lang="zh-CN" altLang="en-US" dirty="0" smtClean="0"/>
-              <a:t> </a:t>
-            </a:r>
-            <a:endParaRPr kumimoji="1" lang="en-US" altLang="zh-CN" dirty="0" smtClean="0"/>
-          </a:p>
-          <a:p>
-            <a:pPr lvl="1"/>
-            <a:r>
-              <a:rPr kumimoji="1" lang="zh-CN" altLang="zh-CN" dirty="0" smtClean="0"/>
-              <a:t>.</a:t>
-            </a:r>
-            <a:r>
-              <a:rPr kumimoji="1" lang="en-US" altLang="zh-CN" dirty="0" err="1" smtClean="0"/>
-              <a:t>gitignore</a:t>
-            </a:r>
-            <a:r>
-              <a:rPr kumimoji="1" lang="zh-CN" altLang="en-US" dirty="0" smtClean="0"/>
-              <a:t> 忽略文件清单 </a:t>
-            </a:r>
-            <a:r>
-              <a:rPr lang="en-US" altLang="zh-CN" dirty="0" smtClean="0">
-                <a:hlinkClick r:id="rId2"/>
-              </a:rPr>
-              <a:t>https</a:t>
-            </a:r>
-            <a:r>
-              <a:rPr lang="en-US" altLang="zh-CN" dirty="0">
-                <a:hlinkClick r:id="rId2"/>
-              </a:rPr>
-              <a:t>://github.com/github/</a:t>
-            </a:r>
-            <a:r>
-              <a:rPr lang="en-US" altLang="zh-CN" dirty="0" smtClean="0">
-                <a:hlinkClick r:id="rId2"/>
-              </a:rPr>
-              <a:t>gitignore</a:t>
-            </a:r>
-            <a:endParaRPr lang="en-US" altLang="zh-CN" dirty="0" smtClean="0"/>
-          </a:p>
-          <a:p>
-            <a:pPr lvl="1"/>
-            <a:endParaRPr kumimoji="1" lang="en-US" altLang="zh-CN" dirty="0" smtClean="0"/>
-          </a:p>
-        </p:txBody>
-      </p:sp>
-    </p:spTree>
-    <p:extLst>
-      <p:ext uri="{BB962C8B-B14F-4D97-AF65-F5344CB8AC3E}">
-        <p14:creationId xmlns:p14="http://schemas.microsoft.com/office/powerpoint/2010/main" val="1344466556"/>
       </p:ext>
     </p:extLst>
   </p:cSld>
@@ -6911,6 +6841,1007 @@
           <a:p>
             <a:r>
               <a:rPr kumimoji="1" lang="zh-CN" altLang="en-US" dirty="0" smtClean="0"/>
+              <a:t>分支管理</a:t>
+            </a:r>
+            <a:endParaRPr kumimoji="1" lang="en-US" altLang="zh-CN" dirty="0" smtClean="0"/>
+          </a:p>
+          <a:p>
+            <a:pPr lvl="1"/>
+            <a:r>
+              <a:rPr kumimoji="1" lang="en-US" altLang="zh-CN" dirty="0" smtClean="0"/>
+              <a:t>Fast</a:t>
+            </a:r>
+            <a:r>
+              <a:rPr kumimoji="1" lang="zh-CN" altLang="en-US" dirty="0" smtClean="0"/>
+              <a:t> </a:t>
+            </a:r>
+            <a:r>
+              <a:rPr kumimoji="1" lang="en-US" altLang="zh-CN" dirty="0" smtClean="0"/>
+              <a:t>Forward</a:t>
+            </a:r>
+            <a:r>
+              <a:rPr kumimoji="1" lang="zh-CN" altLang="en-US" dirty="0" smtClean="0"/>
+              <a:t>模式，删除后丢失信息</a:t>
+            </a:r>
+            <a:endParaRPr kumimoji="1" lang="en-US" altLang="zh-CN" dirty="0" smtClean="0"/>
+          </a:p>
+          <a:p>
+            <a:pPr lvl="1"/>
+            <a:r>
+              <a:rPr kumimoji="1" lang="zh-CN" altLang="zh-CN" dirty="0" smtClean="0"/>
+              <a:t>-</a:t>
+            </a:r>
+            <a:r>
+              <a:rPr kumimoji="1" lang="en-US" altLang="zh-CN" dirty="0" smtClean="0"/>
+              <a:t>-no-</a:t>
+            </a:r>
+            <a:r>
+              <a:rPr kumimoji="1" lang="en-US" altLang="zh-CN" dirty="0" err="1" smtClean="0"/>
+              <a:t>ff</a:t>
+            </a:r>
+            <a:r>
+              <a:rPr kumimoji="1" lang="zh-CN" altLang="en-US" dirty="0" smtClean="0"/>
+              <a:t>：禁用</a:t>
+            </a:r>
+            <a:r>
+              <a:rPr kumimoji="1" lang="en-US" altLang="zh-CN" dirty="0" err="1" smtClean="0"/>
+              <a:t>ff</a:t>
+            </a:r>
+            <a:r>
+              <a:rPr kumimoji="1" lang="zh-CN" altLang="en-US" dirty="0" smtClean="0"/>
+              <a:t>模式</a:t>
+            </a:r>
+            <a:endParaRPr kumimoji="1" lang="en-US" altLang="zh-CN" dirty="0" smtClean="0"/>
+          </a:p>
+          <a:p>
+            <a:r>
+              <a:rPr kumimoji="1" lang="zh-CN" altLang="en-US" dirty="0" smtClean="0"/>
+              <a:t>分支策略</a:t>
+            </a:r>
+            <a:endParaRPr kumimoji="1" lang="en-US" altLang="zh-CN" dirty="0"/>
+          </a:p>
+        </p:txBody>
+      </p:sp>
+      <p:pic>
+        <p:nvPicPr>
+          <p:cNvPr id="4" name="图片 3"/>
+          <p:cNvPicPr>
+            <a:picLocks noChangeAspect="1"/>
+          </p:cNvPicPr>
+          <p:nvPr/>
+        </p:nvPicPr>
+        <p:blipFill>
+          <a:blip r:embed="rId2"/>
+          <a:stretch>
+            <a:fillRect/>
+          </a:stretch>
+        </p:blipFill>
+        <p:spPr>
+          <a:xfrm>
+            <a:off x="0" y="3581400"/>
+            <a:ext cx="9144000" cy="2500313"/>
+          </a:xfrm>
+          <a:prstGeom prst="rect">
+            <a:avLst/>
+          </a:prstGeom>
+        </p:spPr>
+      </p:pic>
+    </p:spTree>
+    <p:extLst>
+      <p:ext uri="{BB962C8B-B14F-4D97-AF65-F5344CB8AC3E}">
+        <p14:creationId xmlns:p14="http://schemas.microsoft.com/office/powerpoint/2010/main" val="1344466556"/>
+      </p:ext>
+    </p:extLst>
+  </p:cSld>
+  <p:clrMapOvr>
+    <a:masterClrMapping/>
+  </p:clrMapOvr>
+</p:sld>
+</file>
+
+<file path=ppt/slides/slide21.xml><?xml version="1.0" encoding="utf-8"?>
+<p:sld xmlns:a="http://schemas.openxmlformats.org/drawingml/2006/main" xmlns:r="http://schemas.openxmlformats.org/officeDocument/2006/relationships" xmlns:p="http://schemas.openxmlformats.org/presentationml/2006/main">
+  <p:cSld>
+    <p:spTree>
+      <p:nvGrpSpPr>
+        <p:cNvPr id="1" name=""/>
+        <p:cNvGrpSpPr/>
+        <p:nvPr/>
+      </p:nvGrpSpPr>
+      <p:grpSpPr>
+        <a:xfrm>
+          <a:off x="0" y="0"/>
+          <a:ext cx="0" cy="0"/>
+          <a:chOff x="0" y="0"/>
+          <a:chExt cx="0" cy="0"/>
+        </a:xfrm>
+      </p:grpSpPr>
+      <p:sp>
+        <p:nvSpPr>
+          <p:cNvPr id="2" name="标题 1"/>
+          <p:cNvSpPr>
+            <a:spLocks noGrp="1"/>
+          </p:cNvSpPr>
+          <p:nvPr>
+            <p:ph type="title"/>
+          </p:nvPr>
+        </p:nvSpPr>
+        <p:spPr/>
+        <p:txBody>
+          <a:bodyPr/>
+          <a:lstStyle/>
+          <a:p>
+            <a:endParaRPr kumimoji="1" lang="zh-CN" altLang="en-US"/>
+          </a:p>
+        </p:txBody>
+      </p:sp>
+      <p:sp>
+        <p:nvSpPr>
+          <p:cNvPr id="3" name="内容占位符 2"/>
+          <p:cNvSpPr>
+            <a:spLocks noGrp="1"/>
+          </p:cNvSpPr>
+          <p:nvPr>
+            <p:ph idx="1"/>
+          </p:nvPr>
+        </p:nvSpPr>
+        <p:spPr/>
+        <p:txBody>
+          <a:bodyPr/>
+          <a:lstStyle/>
+          <a:p>
+            <a:r>
+              <a:rPr kumimoji="1" lang="zh-CN" altLang="en-US" dirty="0" smtClean="0"/>
+              <a:t>临时保持现场</a:t>
+            </a:r>
+            <a:endParaRPr kumimoji="1" lang="en-US" altLang="zh-CN" dirty="0" smtClean="0"/>
+          </a:p>
+          <a:p>
+            <a:pPr lvl="1"/>
+            <a:r>
+              <a:rPr kumimoji="1" lang="en-US" altLang="zh-CN" sz="1800" dirty="0" err="1" smtClean="0"/>
+              <a:t>Git</a:t>
+            </a:r>
+            <a:r>
+              <a:rPr kumimoji="1" lang="zh-CN" altLang="en-US" sz="1800" dirty="0" smtClean="0"/>
+              <a:t> </a:t>
+            </a:r>
+            <a:r>
+              <a:rPr kumimoji="1" lang="en-US" altLang="zh-CN" sz="1800" dirty="0" smtClean="0"/>
+              <a:t>Stash </a:t>
+            </a:r>
+            <a:r>
+              <a:rPr kumimoji="1" lang="zh-CN" altLang="en-US" sz="1800" dirty="0" smtClean="0"/>
+              <a:t>：</a:t>
+            </a:r>
+            <a:r>
+              <a:rPr lang="zh-CN" altLang="en-US" sz="1800" dirty="0"/>
+              <a:t>可以把当前工作现场“储藏”起来，等以后恢复现场后继续</a:t>
+            </a:r>
+            <a:r>
+              <a:rPr lang="zh-CN" altLang="en-US" sz="1800" dirty="0" smtClean="0"/>
+              <a:t>工作</a:t>
+            </a:r>
+            <a:endParaRPr lang="en-US" altLang="zh-CN" sz="1800" dirty="0" smtClean="0"/>
+          </a:p>
+          <a:p>
+            <a:pPr lvl="1"/>
+            <a:r>
+              <a:rPr kumimoji="1" lang="en-US" altLang="zh-CN" sz="1800" dirty="0" err="1" smtClean="0"/>
+              <a:t>Git</a:t>
+            </a:r>
+            <a:r>
+              <a:rPr kumimoji="1" lang="zh-CN" altLang="en-US" sz="1800" dirty="0" smtClean="0"/>
+              <a:t> </a:t>
+            </a:r>
+            <a:r>
+              <a:rPr kumimoji="1" lang="en-US" altLang="zh-CN" sz="1800" dirty="0" smtClean="0"/>
+              <a:t>stash</a:t>
+            </a:r>
+            <a:r>
+              <a:rPr kumimoji="1" lang="zh-CN" altLang="en-US" sz="1800" dirty="0" smtClean="0"/>
+              <a:t> </a:t>
+            </a:r>
+            <a:r>
+              <a:rPr kumimoji="1" lang="en-US" altLang="zh-CN" sz="1800" dirty="0" smtClean="0"/>
+              <a:t>list:</a:t>
+            </a:r>
+            <a:r>
+              <a:rPr kumimoji="1" lang="zh-CN" altLang="en-US" sz="1800" dirty="0" smtClean="0"/>
+              <a:t>查看列表</a:t>
+            </a:r>
+            <a:endParaRPr kumimoji="1" lang="en-US" altLang="zh-CN" sz="1800" dirty="0" smtClean="0"/>
+          </a:p>
+          <a:p>
+            <a:pPr lvl="1"/>
+            <a:r>
+              <a:rPr kumimoji="1" lang="en-US" altLang="zh-CN" sz="1800" dirty="0" err="1" smtClean="0"/>
+              <a:t>Git</a:t>
+            </a:r>
+            <a:r>
+              <a:rPr kumimoji="1" lang="zh-CN" altLang="en-US" sz="1800" dirty="0" smtClean="0"/>
+              <a:t> </a:t>
+            </a:r>
+            <a:r>
+              <a:rPr kumimoji="1" lang="en-US" altLang="zh-CN" sz="1800" dirty="0" smtClean="0"/>
+              <a:t>stash</a:t>
+            </a:r>
+            <a:r>
+              <a:rPr kumimoji="1" lang="zh-CN" altLang="en-US" sz="1800" dirty="0" smtClean="0"/>
+              <a:t> </a:t>
+            </a:r>
+            <a:r>
+              <a:rPr kumimoji="1" lang="en-US" altLang="zh-CN" sz="1800" dirty="0" smtClean="0"/>
+              <a:t>apply</a:t>
+            </a:r>
+            <a:r>
+              <a:rPr kumimoji="1" lang="zh-CN" altLang="en-US" sz="1800" dirty="0" smtClean="0"/>
+              <a:t> 恢复</a:t>
+            </a:r>
+            <a:endParaRPr kumimoji="1" lang="en-US" altLang="zh-CN" sz="1800" dirty="0" smtClean="0"/>
+          </a:p>
+          <a:p>
+            <a:pPr lvl="1"/>
+            <a:r>
+              <a:rPr kumimoji="1" lang="en-US" altLang="zh-CN" sz="1800" dirty="0" err="1" smtClean="0"/>
+              <a:t>Git</a:t>
+            </a:r>
+            <a:r>
+              <a:rPr kumimoji="1" lang="zh-CN" altLang="en-US" sz="1800" dirty="0" smtClean="0"/>
+              <a:t> </a:t>
+            </a:r>
+            <a:r>
+              <a:rPr kumimoji="1" lang="en-US" altLang="zh-CN" sz="1800" dirty="0" smtClean="0"/>
+              <a:t>stash</a:t>
+            </a:r>
+            <a:r>
+              <a:rPr kumimoji="1" lang="zh-CN" altLang="en-US" sz="1800" dirty="0" smtClean="0"/>
+              <a:t> </a:t>
+            </a:r>
+            <a:r>
+              <a:rPr kumimoji="1" lang="en-US" altLang="zh-CN" sz="1800" dirty="0" smtClean="0"/>
+              <a:t>drop</a:t>
+            </a:r>
+            <a:r>
+              <a:rPr kumimoji="1" lang="zh-CN" altLang="en-US" sz="1800" dirty="0" smtClean="0"/>
+              <a:t> 删除</a:t>
+            </a:r>
+            <a:endParaRPr kumimoji="1" lang="en-US" altLang="zh-CN" sz="1800" dirty="0" smtClean="0"/>
+          </a:p>
+          <a:p>
+            <a:pPr lvl="1"/>
+            <a:r>
+              <a:rPr kumimoji="1" lang="zh-CN" altLang="en-US" sz="1800" dirty="0" smtClean="0"/>
+              <a:t>或 </a:t>
+            </a:r>
+            <a:r>
+              <a:rPr kumimoji="1" lang="en-US" altLang="zh-CN" sz="1800" dirty="0" err="1" smtClean="0"/>
+              <a:t>git</a:t>
+            </a:r>
+            <a:r>
+              <a:rPr kumimoji="1" lang="zh-CN" altLang="en-US" sz="1800" dirty="0" smtClean="0"/>
+              <a:t> </a:t>
+            </a:r>
+            <a:r>
+              <a:rPr kumimoji="1" lang="en-US" altLang="zh-CN" sz="1800" dirty="0" smtClean="0"/>
+              <a:t>stash</a:t>
+            </a:r>
+            <a:r>
+              <a:rPr kumimoji="1" lang="zh-CN" altLang="en-US" sz="1800" dirty="0" smtClean="0"/>
+              <a:t> </a:t>
+            </a:r>
+            <a:r>
+              <a:rPr kumimoji="1" lang="en-US" altLang="zh-CN" sz="1800" dirty="0" smtClean="0"/>
+              <a:t>pop</a:t>
+            </a:r>
+            <a:r>
+              <a:rPr kumimoji="1" lang="zh-CN" altLang="en-US" sz="1800" dirty="0" smtClean="0"/>
+              <a:t> 恢复并自动删除</a:t>
+            </a:r>
+            <a:endParaRPr kumimoji="1" lang="en-US" altLang="zh-CN" sz="1800" dirty="0" smtClean="0"/>
+          </a:p>
+          <a:p>
+            <a:pPr lvl="1"/>
+            <a:endParaRPr kumimoji="1" lang="zh-CN" altLang="en-US" sz="1800" dirty="0"/>
+          </a:p>
+        </p:txBody>
+      </p:sp>
+    </p:spTree>
+    <p:extLst>
+      <p:ext uri="{BB962C8B-B14F-4D97-AF65-F5344CB8AC3E}">
+        <p14:creationId xmlns:p14="http://schemas.microsoft.com/office/powerpoint/2010/main" val="1344466556"/>
+      </p:ext>
+    </p:extLst>
+  </p:cSld>
+  <p:clrMapOvr>
+    <a:masterClrMapping/>
+  </p:clrMapOvr>
+</p:sld>
+</file>
+
+<file path=ppt/slides/slide22.xml><?xml version="1.0" encoding="utf-8"?>
+<p:sld xmlns:a="http://schemas.openxmlformats.org/drawingml/2006/main" xmlns:r="http://schemas.openxmlformats.org/officeDocument/2006/relationships" xmlns:p="http://schemas.openxmlformats.org/presentationml/2006/main">
+  <p:cSld>
+    <p:spTree>
+      <p:nvGrpSpPr>
+        <p:cNvPr id="1" name=""/>
+        <p:cNvGrpSpPr/>
+        <p:nvPr/>
+      </p:nvGrpSpPr>
+      <p:grpSpPr>
+        <a:xfrm>
+          <a:off x="0" y="0"/>
+          <a:ext cx="0" cy="0"/>
+          <a:chOff x="0" y="0"/>
+          <a:chExt cx="0" cy="0"/>
+        </a:xfrm>
+      </p:grpSpPr>
+      <p:sp>
+        <p:nvSpPr>
+          <p:cNvPr id="2" name="标题 1"/>
+          <p:cNvSpPr>
+            <a:spLocks noGrp="1"/>
+          </p:cNvSpPr>
+          <p:nvPr>
+            <p:ph type="title"/>
+          </p:nvPr>
+        </p:nvSpPr>
+        <p:spPr/>
+        <p:txBody>
+          <a:bodyPr/>
+          <a:lstStyle/>
+          <a:p>
+            <a:endParaRPr kumimoji="1" lang="zh-CN" altLang="en-US"/>
+          </a:p>
+        </p:txBody>
+      </p:sp>
+      <p:sp>
+        <p:nvSpPr>
+          <p:cNvPr id="3" name="内容占位符 2"/>
+          <p:cNvSpPr>
+            <a:spLocks noGrp="1"/>
+          </p:cNvSpPr>
+          <p:nvPr>
+            <p:ph idx="1"/>
+          </p:nvPr>
+        </p:nvSpPr>
+        <p:spPr/>
+        <p:txBody>
+          <a:bodyPr/>
+          <a:lstStyle/>
+          <a:p>
+            <a:r>
+              <a:rPr kumimoji="1" lang="zh-CN" altLang="en-US" dirty="0" smtClean="0"/>
+              <a:t>标签管理</a:t>
+            </a:r>
+            <a:r>
+              <a:rPr kumimoji="1" lang="en-US" altLang="zh-CN" dirty="0" smtClean="0"/>
+              <a:t>(tag)</a:t>
+            </a:r>
+          </a:p>
+          <a:p>
+            <a:pPr lvl="1"/>
+            <a:r>
+              <a:rPr kumimoji="1" lang="en-US" altLang="zh-CN" sz="1600" dirty="0" err="1"/>
+              <a:t>Git</a:t>
+            </a:r>
+            <a:r>
+              <a:rPr kumimoji="1" lang="zh-CN" altLang="en-US" sz="1600" dirty="0" smtClean="0"/>
+              <a:t>的标签是</a:t>
+            </a:r>
+            <a:r>
+              <a:rPr kumimoji="1" lang="zh-CN" altLang="en-US" sz="1600" dirty="0"/>
+              <a:t>版本库的快照，但其实它就是指向某个</a:t>
+            </a:r>
+            <a:r>
+              <a:rPr kumimoji="1" lang="en-US" altLang="zh-CN" sz="1600" dirty="0"/>
+              <a:t>commit</a:t>
+            </a:r>
+            <a:r>
+              <a:rPr kumimoji="1" lang="zh-CN" altLang="en-US" sz="1600" dirty="0"/>
+              <a:t>的指针（跟分支很像对不对？但是分支可以移动，标签不能移动），所以，创建和删除标签都是瞬间完成的</a:t>
+            </a:r>
+            <a:r>
+              <a:rPr kumimoji="1" lang="zh-CN" altLang="en-US" sz="1600" dirty="0" smtClean="0"/>
+              <a:t>。</a:t>
+            </a:r>
+            <a:endParaRPr kumimoji="1" lang="en-US" altLang="zh-CN" sz="1600" dirty="0" smtClean="0"/>
+          </a:p>
+          <a:p>
+            <a:pPr lvl="1"/>
+            <a:r>
+              <a:rPr kumimoji="1" lang="zh-CN" altLang="en-US" sz="1600" dirty="0" smtClean="0"/>
+              <a:t>创建</a:t>
+            </a:r>
+            <a:r>
+              <a:rPr kumimoji="1" lang="en-US" altLang="zh-CN" sz="1600" dirty="0" smtClean="0"/>
+              <a:t>tag</a:t>
+            </a:r>
+            <a:r>
+              <a:rPr kumimoji="1" lang="zh-CN" altLang="en-US" sz="1600" dirty="0" smtClean="0"/>
+              <a:t>： </a:t>
+            </a:r>
+            <a:r>
+              <a:rPr kumimoji="1" lang="en-US" altLang="zh-CN" sz="1600" dirty="0" err="1" smtClean="0"/>
+              <a:t>git</a:t>
+            </a:r>
+            <a:r>
+              <a:rPr kumimoji="1" lang="zh-CN" altLang="en-US" sz="1600" dirty="0" smtClean="0"/>
+              <a:t> </a:t>
+            </a:r>
+            <a:r>
+              <a:rPr kumimoji="1" lang="en-US" altLang="zh-CN" sz="1600" dirty="0" smtClean="0"/>
+              <a:t>tag</a:t>
+            </a:r>
+            <a:r>
+              <a:rPr kumimoji="1" lang="zh-CN" altLang="en-US" sz="1600" dirty="0" smtClean="0"/>
+              <a:t> </a:t>
+            </a:r>
+            <a:r>
+              <a:rPr kumimoji="1" lang="en-US" altLang="zh-CN" sz="1600" dirty="0" smtClean="0"/>
+              <a:t>v1.0</a:t>
+            </a:r>
+            <a:r>
+              <a:rPr kumimoji="1" lang="zh-CN" altLang="en-US" sz="1600" dirty="0" smtClean="0"/>
+              <a:t> </a:t>
+            </a:r>
+            <a:r>
+              <a:rPr kumimoji="1" lang="en-US" altLang="zh-CN" sz="1600" dirty="0" smtClean="0"/>
+              <a:t>|</a:t>
+            </a:r>
+            <a:r>
+              <a:rPr kumimoji="1" lang="zh-CN" altLang="en-US" sz="1600" dirty="0" smtClean="0"/>
+              <a:t> </a:t>
+            </a:r>
+            <a:r>
+              <a:rPr kumimoji="1" lang="en-US" altLang="zh-CN" sz="1600" dirty="0" err="1" smtClean="0"/>
+              <a:t>git</a:t>
+            </a:r>
+            <a:r>
+              <a:rPr kumimoji="1" lang="zh-CN" altLang="en-US" sz="1600" dirty="0" smtClean="0"/>
+              <a:t> </a:t>
+            </a:r>
+            <a:r>
+              <a:rPr kumimoji="1" lang="en-US" altLang="zh-CN" sz="1600" dirty="0" smtClean="0"/>
+              <a:t>tag</a:t>
+            </a:r>
+            <a:r>
+              <a:rPr kumimoji="1" lang="zh-CN" altLang="en-US" sz="1600" dirty="0" smtClean="0"/>
+              <a:t> </a:t>
+            </a:r>
+            <a:r>
+              <a:rPr kumimoji="1" lang="en-US" altLang="zh-CN" sz="1600" dirty="0" smtClean="0"/>
+              <a:t>v1.0</a:t>
+            </a:r>
+            <a:r>
+              <a:rPr kumimoji="1" lang="zh-CN" altLang="en-US" sz="1600" dirty="0" smtClean="0"/>
+              <a:t> </a:t>
+            </a:r>
+            <a:r>
+              <a:rPr kumimoji="1" lang="en-US" altLang="zh-CN" sz="1600" dirty="0" smtClean="0"/>
+              <a:t>232adb</a:t>
+            </a:r>
+          </a:p>
+          <a:p>
+            <a:pPr lvl="1"/>
+            <a:r>
+              <a:rPr kumimoji="1" lang="en-US" altLang="zh-CN" sz="1600" dirty="0" smtClean="0"/>
+              <a:t>Tag</a:t>
+            </a:r>
+            <a:r>
+              <a:rPr kumimoji="1" lang="zh-CN" altLang="en-US" sz="1600" dirty="0" smtClean="0"/>
+              <a:t>列表： </a:t>
+            </a:r>
+            <a:r>
+              <a:rPr kumimoji="1" lang="en-US" altLang="zh-CN" sz="1600" dirty="0" err="1" smtClean="0"/>
+              <a:t>git</a:t>
+            </a:r>
+            <a:r>
+              <a:rPr kumimoji="1" lang="zh-CN" altLang="en-US" sz="1600" dirty="0" smtClean="0"/>
+              <a:t> </a:t>
+            </a:r>
+            <a:r>
+              <a:rPr kumimoji="1" lang="en-US" altLang="zh-CN" sz="1600" dirty="0" smtClean="0"/>
+              <a:t>tag</a:t>
+            </a:r>
+          </a:p>
+          <a:p>
+            <a:pPr lvl="1"/>
+            <a:r>
+              <a:rPr kumimoji="1" lang="en-US" altLang="zh-CN" sz="1600" dirty="0" smtClean="0"/>
+              <a:t>Tag</a:t>
+            </a:r>
+            <a:r>
+              <a:rPr kumimoji="1" lang="zh-CN" altLang="en-US" sz="1600" dirty="0" smtClean="0"/>
+              <a:t>信息： </a:t>
+            </a:r>
+            <a:r>
+              <a:rPr kumimoji="1" lang="en-US" altLang="zh-CN" sz="1600" dirty="0" err="1" smtClean="0"/>
+              <a:t>git</a:t>
+            </a:r>
+            <a:r>
+              <a:rPr kumimoji="1" lang="zh-CN" altLang="en-US" sz="1600" dirty="0" smtClean="0"/>
+              <a:t> </a:t>
+            </a:r>
+            <a:r>
+              <a:rPr kumimoji="1" lang="en-US" altLang="zh-CN" sz="1600" dirty="0" smtClean="0"/>
+              <a:t>tag</a:t>
+            </a:r>
+            <a:r>
+              <a:rPr kumimoji="1" lang="zh-CN" altLang="en-US" sz="1600" dirty="0" smtClean="0"/>
+              <a:t> </a:t>
+            </a:r>
+            <a:r>
+              <a:rPr kumimoji="1" lang="en-US" altLang="zh-CN" sz="1600" dirty="0" smtClean="0"/>
+              <a:t>show</a:t>
+            </a:r>
+            <a:r>
+              <a:rPr kumimoji="1" lang="zh-CN" altLang="en-US" sz="1600" dirty="0" smtClean="0"/>
+              <a:t> </a:t>
+            </a:r>
+            <a:r>
+              <a:rPr kumimoji="1" lang="en-US" altLang="zh-CN" sz="1600" dirty="0" smtClean="0"/>
+              <a:t>v1.0</a:t>
+            </a:r>
+          </a:p>
+          <a:p>
+            <a:pPr lvl="1"/>
+            <a:r>
+              <a:rPr kumimoji="1" lang="zh-CN" altLang="en-US" sz="1600" dirty="0" smtClean="0"/>
+              <a:t>带注释</a:t>
+            </a:r>
+            <a:r>
+              <a:rPr kumimoji="1" lang="en-US" altLang="zh-CN" sz="1600" dirty="0" smtClean="0"/>
+              <a:t>tag</a:t>
+            </a:r>
+            <a:r>
+              <a:rPr kumimoji="1" lang="zh-CN" altLang="en-US" sz="1600" dirty="0" smtClean="0"/>
+              <a:t>：</a:t>
+            </a:r>
+            <a:r>
+              <a:rPr lang="en-US" altLang="zh-CN" sz="1600" dirty="0" err="1"/>
+              <a:t>git</a:t>
+            </a:r>
+            <a:r>
+              <a:rPr lang="en-US" altLang="zh-CN" sz="1600" dirty="0"/>
+              <a:t> tag -a v0.1 -m "version 0.1 released" </a:t>
+            </a:r>
+            <a:r>
+              <a:rPr lang="en-US" altLang="zh-CN" sz="1600" dirty="0" smtClean="0"/>
+              <a:t>3628164</a:t>
+            </a:r>
+          </a:p>
+          <a:p>
+            <a:pPr lvl="1"/>
+            <a:r>
+              <a:rPr kumimoji="1" lang="zh-CN" altLang="en-US" sz="1600" dirty="0" smtClean="0"/>
+              <a:t>删除</a:t>
+            </a:r>
+            <a:r>
+              <a:rPr kumimoji="1" lang="en-US" altLang="zh-CN" sz="1600" dirty="0" smtClean="0"/>
+              <a:t>tag</a:t>
+            </a:r>
+            <a:r>
+              <a:rPr kumimoji="1" lang="zh-CN" altLang="en-US" sz="1600" dirty="0" smtClean="0"/>
+              <a:t>：</a:t>
+            </a:r>
+            <a:r>
+              <a:rPr kumimoji="1" lang="en-US" altLang="zh-CN" sz="1600" dirty="0" err="1" smtClean="0"/>
+              <a:t>git</a:t>
+            </a:r>
+            <a:r>
+              <a:rPr kumimoji="1" lang="zh-CN" altLang="en-US" sz="1600" dirty="0" smtClean="0"/>
+              <a:t> </a:t>
+            </a:r>
+            <a:r>
+              <a:rPr kumimoji="1" lang="en-US" altLang="zh-CN" sz="1600" dirty="0" smtClean="0"/>
+              <a:t>tag</a:t>
+            </a:r>
+            <a:r>
+              <a:rPr kumimoji="1" lang="zh-CN" altLang="en-US" sz="1600" dirty="0" smtClean="0"/>
+              <a:t> </a:t>
+            </a:r>
+            <a:r>
+              <a:rPr kumimoji="1" lang="en-US" altLang="zh-CN" sz="1600" dirty="0" smtClean="0"/>
+              <a:t>–d</a:t>
+            </a:r>
+            <a:r>
+              <a:rPr kumimoji="1" lang="zh-CN" altLang="en-US" sz="1600" dirty="0" smtClean="0"/>
+              <a:t> </a:t>
+            </a:r>
+            <a:r>
+              <a:rPr kumimoji="1" lang="en-US" altLang="zh-CN" sz="1600" dirty="0" smtClean="0"/>
+              <a:t>v1.0</a:t>
+            </a:r>
+          </a:p>
+          <a:p>
+            <a:pPr lvl="1"/>
+            <a:r>
+              <a:rPr kumimoji="1" lang="en-US" altLang="zh-CN" sz="1600" dirty="0" smtClean="0"/>
+              <a:t>Push</a:t>
+            </a:r>
+            <a:r>
+              <a:rPr kumimoji="1" lang="zh-CN" altLang="en-US" sz="1600" dirty="0" smtClean="0"/>
+              <a:t> </a:t>
+            </a:r>
+            <a:r>
+              <a:rPr kumimoji="1" lang="en-US" altLang="zh-CN" sz="1600" dirty="0" smtClean="0"/>
+              <a:t>tag</a:t>
+            </a:r>
+            <a:r>
+              <a:rPr kumimoji="1" lang="zh-CN" altLang="en-US" sz="1600" dirty="0" smtClean="0"/>
+              <a:t>： </a:t>
+            </a:r>
+            <a:r>
+              <a:rPr kumimoji="1" lang="en-US" altLang="zh-CN" sz="1600" dirty="0" err="1" smtClean="0"/>
+              <a:t>git</a:t>
+            </a:r>
+            <a:r>
+              <a:rPr kumimoji="1" lang="zh-CN" altLang="en-US" sz="1600" dirty="0" smtClean="0"/>
+              <a:t> </a:t>
+            </a:r>
+            <a:r>
+              <a:rPr kumimoji="1" lang="en-US" altLang="zh-CN" sz="1600" dirty="0" smtClean="0"/>
+              <a:t>push</a:t>
+            </a:r>
+            <a:r>
+              <a:rPr kumimoji="1" lang="zh-CN" altLang="en-US" sz="1600" dirty="0" smtClean="0"/>
+              <a:t> </a:t>
+            </a:r>
+            <a:r>
+              <a:rPr kumimoji="1" lang="en-US" altLang="zh-CN" sz="1600" dirty="0" smtClean="0"/>
+              <a:t>origin</a:t>
+            </a:r>
+            <a:r>
+              <a:rPr kumimoji="1" lang="zh-CN" altLang="en-US" sz="1600" dirty="0" smtClean="0"/>
+              <a:t> </a:t>
+            </a:r>
+            <a:r>
+              <a:rPr kumimoji="1" lang="en-US" altLang="zh-CN" sz="1600" dirty="0" smtClean="0"/>
+              <a:t>v1.0</a:t>
+            </a:r>
+            <a:r>
+              <a:rPr kumimoji="1" lang="zh-CN" altLang="en-US" sz="1600" dirty="0" smtClean="0"/>
+              <a:t> </a:t>
+            </a:r>
+            <a:r>
+              <a:rPr kumimoji="1" lang="en-US" altLang="zh-CN" sz="1600" dirty="0" smtClean="0"/>
+              <a:t>|</a:t>
+            </a:r>
+            <a:r>
+              <a:rPr kumimoji="1" lang="zh-CN" altLang="en-US" sz="1600" dirty="0" smtClean="0"/>
+              <a:t> </a:t>
+            </a:r>
+            <a:r>
+              <a:rPr kumimoji="1" lang="en-US" altLang="zh-CN" sz="1600" dirty="0" err="1" smtClean="0"/>
+              <a:t>git</a:t>
+            </a:r>
+            <a:r>
+              <a:rPr kumimoji="1" lang="zh-CN" altLang="en-US" sz="1600" dirty="0" smtClean="0"/>
+              <a:t> </a:t>
+            </a:r>
+            <a:r>
+              <a:rPr kumimoji="1" lang="en-US" altLang="zh-CN" sz="1600" dirty="0" smtClean="0"/>
+              <a:t>push</a:t>
+            </a:r>
+            <a:r>
+              <a:rPr kumimoji="1" lang="zh-CN" altLang="en-US" sz="1600" dirty="0" smtClean="0"/>
+              <a:t> </a:t>
+            </a:r>
+            <a:r>
+              <a:rPr kumimoji="1" lang="en-US" altLang="zh-CN" sz="1600" dirty="0" smtClean="0"/>
+              <a:t>origin</a:t>
+            </a:r>
+            <a:r>
+              <a:rPr kumimoji="1" lang="zh-CN" altLang="en-US" sz="1600" dirty="0" smtClean="0"/>
+              <a:t> </a:t>
+            </a:r>
+            <a:r>
+              <a:rPr kumimoji="1" lang="en-US" altLang="zh-CN" sz="1600" dirty="0" smtClean="0"/>
+              <a:t>–tags</a:t>
+            </a:r>
+          </a:p>
+          <a:p>
+            <a:pPr lvl="1"/>
+            <a:r>
+              <a:rPr kumimoji="1" lang="zh-CN" altLang="en-US" sz="1600" dirty="0" smtClean="0"/>
+              <a:t>删除远程</a:t>
+            </a:r>
+            <a:r>
+              <a:rPr kumimoji="1" lang="en-US" altLang="zh-CN" sz="1600" dirty="0" smtClean="0"/>
+              <a:t>tag</a:t>
+            </a:r>
+            <a:r>
+              <a:rPr kumimoji="1" lang="zh-CN" altLang="en-US" sz="1600" dirty="0" smtClean="0"/>
+              <a:t>： </a:t>
+            </a:r>
+            <a:r>
+              <a:rPr kumimoji="1" lang="en-US" altLang="zh-CN" sz="1600" dirty="0" err="1" smtClean="0"/>
+              <a:t>git</a:t>
+            </a:r>
+            <a:r>
+              <a:rPr kumimoji="1" lang="zh-CN" altLang="en-US" sz="1600" dirty="0" smtClean="0"/>
+              <a:t> </a:t>
+            </a:r>
+            <a:r>
+              <a:rPr kumimoji="1" lang="en-US" altLang="zh-CN" sz="1600" dirty="0" smtClean="0"/>
+              <a:t>tag</a:t>
+            </a:r>
+            <a:r>
+              <a:rPr kumimoji="1" lang="zh-CN" altLang="en-US" sz="1600" dirty="0" smtClean="0"/>
+              <a:t> </a:t>
+            </a:r>
+            <a:r>
+              <a:rPr kumimoji="1" lang="en-US" altLang="zh-CN" sz="1600" dirty="0" smtClean="0"/>
+              <a:t>–d</a:t>
+            </a:r>
+            <a:r>
+              <a:rPr kumimoji="1" lang="zh-CN" altLang="en-US" sz="1600" dirty="0" smtClean="0"/>
+              <a:t> </a:t>
+            </a:r>
+            <a:r>
+              <a:rPr kumimoji="1" lang="en-US" altLang="zh-CN" sz="1600" dirty="0" smtClean="0"/>
+              <a:t>v1.0</a:t>
+            </a:r>
+            <a:r>
+              <a:rPr kumimoji="1" lang="zh-CN" altLang="en-US" sz="1600" dirty="0" smtClean="0"/>
+              <a:t> </a:t>
+            </a:r>
+            <a:r>
+              <a:rPr kumimoji="1" lang="en-US" altLang="zh-CN" sz="1600" dirty="0" smtClean="0"/>
+              <a:t>+</a:t>
+            </a:r>
+            <a:r>
+              <a:rPr kumimoji="1" lang="zh-CN" altLang="en-US" sz="1600" dirty="0" smtClean="0"/>
+              <a:t> </a:t>
+            </a:r>
+            <a:r>
+              <a:rPr kumimoji="1" lang="en-US" altLang="zh-CN" sz="1600" dirty="0" err="1" smtClean="0"/>
+              <a:t>git</a:t>
+            </a:r>
+            <a:r>
+              <a:rPr kumimoji="1" lang="zh-CN" altLang="en-US" sz="1600" dirty="0" smtClean="0"/>
+              <a:t> </a:t>
+            </a:r>
+            <a:r>
+              <a:rPr kumimoji="1" lang="en-US" altLang="zh-CN" sz="1600" dirty="0" smtClean="0"/>
+              <a:t>push</a:t>
+            </a:r>
+            <a:r>
+              <a:rPr kumimoji="1" lang="zh-CN" altLang="en-US" sz="1600" dirty="0" smtClean="0"/>
+              <a:t> </a:t>
+            </a:r>
+            <a:r>
+              <a:rPr kumimoji="1" lang="en-US" altLang="zh-CN" sz="1600" dirty="0" err="1" smtClean="0"/>
+              <a:t>orgin</a:t>
+            </a:r>
+            <a:r>
+              <a:rPr kumimoji="1" lang="zh-CN" altLang="en-US" sz="1600" dirty="0" smtClean="0"/>
+              <a:t> ：</a:t>
+            </a:r>
+            <a:r>
+              <a:rPr kumimoji="1" lang="en-US" altLang="zh-CN" sz="1600" dirty="0" smtClean="0"/>
+              <a:t>refs/tags/v1.0</a:t>
+            </a:r>
+          </a:p>
+          <a:p>
+            <a:pPr lvl="1"/>
+            <a:endParaRPr kumimoji="1" lang="en-US" altLang="zh-CN" sz="1600" dirty="0" smtClean="0"/>
+          </a:p>
+          <a:p>
+            <a:pPr lvl="1"/>
+            <a:endParaRPr kumimoji="1" lang="zh-CN" altLang="en-US" sz="1600" dirty="0"/>
+          </a:p>
+        </p:txBody>
+      </p:sp>
+    </p:spTree>
+    <p:extLst>
+      <p:ext uri="{BB962C8B-B14F-4D97-AF65-F5344CB8AC3E}">
+        <p14:creationId xmlns:p14="http://schemas.microsoft.com/office/powerpoint/2010/main" val="1344466556"/>
+      </p:ext>
+    </p:extLst>
+  </p:cSld>
+  <p:clrMapOvr>
+    <a:masterClrMapping/>
+  </p:clrMapOvr>
+</p:sld>
+</file>
+
+<file path=ppt/slides/slide23.xml><?xml version="1.0" encoding="utf-8"?>
+<p:sld xmlns:a="http://schemas.openxmlformats.org/drawingml/2006/main" xmlns:r="http://schemas.openxmlformats.org/officeDocument/2006/relationships" xmlns:p="http://schemas.openxmlformats.org/presentationml/2006/main">
+  <p:cSld>
+    <p:spTree>
+      <p:nvGrpSpPr>
+        <p:cNvPr id="1" name=""/>
+        <p:cNvGrpSpPr/>
+        <p:nvPr/>
+      </p:nvGrpSpPr>
+      <p:grpSpPr>
+        <a:xfrm>
+          <a:off x="0" y="0"/>
+          <a:ext cx="0" cy="0"/>
+          <a:chOff x="0" y="0"/>
+          <a:chExt cx="0" cy="0"/>
+        </a:xfrm>
+      </p:grpSpPr>
+      <p:sp>
+        <p:nvSpPr>
+          <p:cNvPr id="2" name="标题 1"/>
+          <p:cNvSpPr>
+            <a:spLocks noGrp="1"/>
+          </p:cNvSpPr>
+          <p:nvPr>
+            <p:ph type="title"/>
+          </p:nvPr>
+        </p:nvSpPr>
+        <p:spPr/>
+        <p:txBody>
+          <a:bodyPr/>
+          <a:lstStyle/>
+          <a:p>
+            <a:endParaRPr kumimoji="1" lang="zh-CN" altLang="en-US"/>
+          </a:p>
+        </p:txBody>
+      </p:sp>
+      <p:sp>
+        <p:nvSpPr>
+          <p:cNvPr id="3" name="内容占位符 2"/>
+          <p:cNvSpPr>
+            <a:spLocks noGrp="1"/>
+          </p:cNvSpPr>
+          <p:nvPr>
+            <p:ph idx="1"/>
+          </p:nvPr>
+        </p:nvSpPr>
+        <p:spPr/>
+        <p:txBody>
+          <a:bodyPr/>
+          <a:lstStyle/>
+          <a:p>
+            <a:r>
+              <a:rPr kumimoji="1" lang="zh-CN" altLang="en-US" dirty="0" smtClean="0"/>
+              <a:t>自定义</a:t>
+            </a:r>
+            <a:r>
+              <a:rPr kumimoji="1" lang="en-US" altLang="zh-CN" dirty="0" err="1" smtClean="0"/>
+              <a:t>git</a:t>
+            </a:r>
+            <a:r>
+              <a:rPr kumimoji="1" lang="zh-CN" altLang="en-US" dirty="0" smtClean="0"/>
+              <a:t>环境</a:t>
+            </a:r>
+            <a:endParaRPr kumimoji="1" lang="en-US" altLang="zh-CN" dirty="0" smtClean="0"/>
+          </a:p>
+          <a:p>
+            <a:pPr lvl="1"/>
+            <a:r>
+              <a:rPr kumimoji="1" lang="en-US" altLang="zh-CN" dirty="0" smtClean="0"/>
+              <a:t>Cat</a:t>
+            </a:r>
+            <a:r>
+              <a:rPr kumimoji="1" lang="zh-CN" altLang="en-US" dirty="0" smtClean="0"/>
+              <a:t> </a:t>
+            </a:r>
+            <a:r>
+              <a:rPr kumimoji="1" lang="en-US" altLang="zh-CN" dirty="0" smtClean="0"/>
+              <a:t>~/.</a:t>
+            </a:r>
+            <a:r>
+              <a:rPr kumimoji="1" lang="en-US" altLang="zh-CN" dirty="0" err="1" smtClean="0"/>
+              <a:t>gitconfig</a:t>
+            </a:r>
+            <a:r>
+              <a:rPr kumimoji="1" lang="zh-CN" altLang="en-US" dirty="0" smtClean="0"/>
+              <a:t> </a:t>
+            </a:r>
+            <a:endParaRPr kumimoji="1" lang="en-US" altLang="zh-CN" dirty="0" smtClean="0"/>
+          </a:p>
+          <a:p>
+            <a:pPr lvl="1"/>
+            <a:r>
+              <a:rPr kumimoji="1" lang="zh-CN" altLang="zh-CN" dirty="0" smtClean="0"/>
+              <a:t>.</a:t>
+            </a:r>
+            <a:r>
+              <a:rPr kumimoji="1" lang="en-US" altLang="zh-CN" dirty="0" err="1" smtClean="0"/>
+              <a:t>gitignore</a:t>
+            </a:r>
+            <a:r>
+              <a:rPr kumimoji="1" lang="zh-CN" altLang="en-US" dirty="0" smtClean="0"/>
+              <a:t> 忽略文件清单 </a:t>
+            </a:r>
+            <a:r>
+              <a:rPr lang="en-US" altLang="zh-CN" dirty="0" smtClean="0">
+                <a:hlinkClick r:id="rId2"/>
+              </a:rPr>
+              <a:t>https</a:t>
+            </a:r>
+            <a:r>
+              <a:rPr lang="en-US" altLang="zh-CN" dirty="0">
+                <a:hlinkClick r:id="rId2"/>
+              </a:rPr>
+              <a:t>://github.com/github/</a:t>
+            </a:r>
+            <a:r>
+              <a:rPr lang="en-US" altLang="zh-CN" dirty="0" smtClean="0">
+                <a:hlinkClick r:id="rId2"/>
+              </a:rPr>
+              <a:t>gitignore</a:t>
+            </a:r>
+            <a:endParaRPr lang="en-US" altLang="zh-CN" dirty="0" smtClean="0"/>
+          </a:p>
+          <a:p>
+            <a:pPr lvl="1"/>
+            <a:endParaRPr kumimoji="1" lang="en-US" altLang="zh-CN" dirty="0" smtClean="0"/>
+          </a:p>
+        </p:txBody>
+      </p:sp>
+    </p:spTree>
+    <p:extLst>
+      <p:ext uri="{BB962C8B-B14F-4D97-AF65-F5344CB8AC3E}">
+        <p14:creationId xmlns:p14="http://schemas.microsoft.com/office/powerpoint/2010/main" val="1344466556"/>
+      </p:ext>
+    </p:extLst>
+  </p:cSld>
+  <p:clrMapOvr>
+    <a:masterClrMapping/>
+  </p:clrMapOvr>
+</p:sld>
+</file>
+
+<file path=ppt/slides/slide24.xml><?xml version="1.0" encoding="utf-8"?>
+<p:sld xmlns:a="http://schemas.openxmlformats.org/drawingml/2006/main" xmlns:r="http://schemas.openxmlformats.org/officeDocument/2006/relationships" xmlns:p="http://schemas.openxmlformats.org/presentationml/2006/main">
+  <p:cSld>
+    <p:spTree>
+      <p:nvGrpSpPr>
+        <p:cNvPr id="1" name=""/>
+        <p:cNvGrpSpPr/>
+        <p:nvPr/>
+      </p:nvGrpSpPr>
+      <p:grpSpPr>
+        <a:xfrm>
+          <a:off x="0" y="0"/>
+          <a:ext cx="0" cy="0"/>
+          <a:chOff x="0" y="0"/>
+          <a:chExt cx="0" cy="0"/>
+        </a:xfrm>
+      </p:grpSpPr>
+      <p:sp>
+        <p:nvSpPr>
+          <p:cNvPr id="2" name="标题 1"/>
+          <p:cNvSpPr>
+            <a:spLocks noGrp="1"/>
+          </p:cNvSpPr>
+          <p:nvPr>
+            <p:ph type="title"/>
+          </p:nvPr>
+        </p:nvSpPr>
+        <p:spPr/>
+        <p:txBody>
+          <a:bodyPr/>
+          <a:lstStyle/>
+          <a:p>
+            <a:endParaRPr kumimoji="1" lang="zh-CN" altLang="en-US"/>
+          </a:p>
+        </p:txBody>
+      </p:sp>
+      <p:sp>
+        <p:nvSpPr>
+          <p:cNvPr id="3" name="内容占位符 2"/>
+          <p:cNvSpPr>
+            <a:spLocks noGrp="1"/>
+          </p:cNvSpPr>
+          <p:nvPr>
+            <p:ph idx="1"/>
+          </p:nvPr>
+        </p:nvSpPr>
+        <p:spPr/>
+        <p:txBody>
+          <a:bodyPr/>
+          <a:lstStyle/>
+          <a:p>
+            <a:r>
+              <a:rPr kumimoji="1" lang="zh-CN" altLang="en-US" dirty="0" smtClean="0"/>
               <a:t>参考资料</a:t>
             </a:r>
             <a:endParaRPr kumimoji="1" lang="en-US" altLang="zh-CN" dirty="0" smtClean="0"/>
@@ -6954,7 +7885,7 @@
 </p:sld>
 </file>
 
-<file path=ppt/slides/slide21.xml><?xml version="1.0" encoding="utf-8"?>
+<file path=ppt/slides/slide25.xml><?xml version="1.0" encoding="utf-8"?>
 <p:sld xmlns:a="http://schemas.openxmlformats.org/drawingml/2006/main" xmlns:r="http://schemas.openxmlformats.org/officeDocument/2006/relationships" xmlns:p="http://schemas.openxmlformats.org/presentationml/2006/main">
   <p:cSld>
     <p:spTree>
@@ -7788,363 +8719,262 @@
           <a:lstStyle/>
           <a:p>
             <a:r>
-              <a:rPr kumimoji="1" lang="zh-CN" altLang="en-US" dirty="0" smtClean="0"/>
-              <a:t>创建版本库</a:t>
-            </a:r>
-            <a:r>
-              <a:rPr kumimoji="1" lang="en-US" altLang="zh-CN" dirty="0" smtClean="0"/>
-              <a:t>(repository)</a:t>
-            </a:r>
-          </a:p>
-          <a:p>
-            <a:pPr lvl="1"/>
-            <a:r>
-              <a:rPr kumimoji="1" lang="zh-CN" altLang="en-US" dirty="0" smtClean="0"/>
-              <a:t>本地新建</a:t>
-            </a:r>
-            <a:r>
-              <a:rPr kumimoji="1" lang="en-US" altLang="zh-CN" dirty="0" smtClean="0"/>
-              <a:t>:</a:t>
-            </a:r>
-          </a:p>
-          <a:p>
-            <a:pPr marL="457200" lvl="1" indent="0">
-              <a:buNone/>
-            </a:pPr>
-            <a:r>
-              <a:rPr kumimoji="1" lang="en-US" altLang="zh-CN" dirty="0" smtClean="0"/>
-              <a:t>	</a:t>
-            </a:r>
-            <a:r>
-              <a:rPr kumimoji="1" lang="en-US" altLang="zh-CN" dirty="0" err="1" smtClean="0"/>
-              <a:t>git</a:t>
-            </a:r>
-            <a:r>
-              <a:rPr kumimoji="1" lang="zh-CN" altLang="en-US" dirty="0" smtClean="0"/>
-              <a:t> </a:t>
-            </a:r>
-            <a:r>
-              <a:rPr kumimoji="1" lang="en-US" altLang="zh-CN" dirty="0" err="1" smtClean="0"/>
-              <a:t>init</a:t>
-            </a:r>
-            <a:endParaRPr kumimoji="1" lang="en-US" altLang="zh-CN" dirty="0"/>
-          </a:p>
-          <a:p>
-            <a:pPr lvl="1"/>
-            <a:r>
-              <a:rPr kumimoji="1" lang="zh-CN" altLang="en-US" dirty="0" smtClean="0"/>
-              <a:t> </a:t>
-            </a:r>
-            <a:r>
-              <a:rPr kumimoji="1" lang="en-US" altLang="zh-CN" dirty="0" smtClean="0"/>
-              <a:t>clone</a:t>
-            </a:r>
-            <a:r>
-              <a:rPr kumimoji="1" lang="zh-CN" altLang="en-US" dirty="0" smtClean="0"/>
-              <a:t> 远程项目</a:t>
-            </a:r>
-            <a:endParaRPr kumimoji="1" lang="en-US" altLang="zh-CN" dirty="0" smtClean="0"/>
-          </a:p>
-          <a:p>
-            <a:pPr lvl="2"/>
-            <a:r>
               <a:rPr kumimoji="1" lang="en-US" altLang="zh-CN" dirty="0" err="1" smtClean="0"/>
               <a:t>Git</a:t>
             </a:r>
             <a:r>
               <a:rPr kumimoji="1" lang="zh-CN" altLang="en-US" dirty="0" smtClean="0"/>
-              <a:t> </a:t>
-            </a:r>
+              <a:t>对象模型</a:t>
+            </a:r>
+            <a:endParaRPr kumimoji="1" lang="en-US" altLang="zh-CN" dirty="0" smtClean="0"/>
+          </a:p>
+          <a:p>
+            <a:pPr lvl="1"/>
             <a:r>
               <a:rPr kumimoji="1" lang="en-US" altLang="zh-CN" dirty="0" smtClean="0"/>
-              <a:t>clone</a:t>
-            </a:r>
-            <a:r>
-              <a:rPr kumimoji="1" lang="zh-CN" altLang="en-US" dirty="0" smtClean="0"/>
-              <a:t> </a:t>
-            </a:r>
-            <a:r>
-              <a:rPr kumimoji="1" lang="en-US" altLang="zh-CN" dirty="0" err="1" smtClean="0"/>
-              <a:t>ssh</a:t>
+              <a:t>SHA</a:t>
+            </a:r>
+            <a:r>
+              <a:rPr kumimoji="1" lang="zh-CN" altLang="en-US" dirty="0" smtClean="0"/>
+              <a:t>：</a:t>
             </a:r>
             <a:r>
               <a:rPr kumimoji="1" lang="en-US" altLang="zh-CN" dirty="0" smtClean="0"/>
-              <a:t>://</a:t>
-            </a:r>
-            <a:r>
-              <a:rPr kumimoji="1" lang="en-US" altLang="zh-CN" dirty="0" err="1" smtClean="0"/>
-              <a:t>user@domain.com</a:t>
+              <a:t>40</a:t>
+            </a:r>
+            <a:r>
+              <a:rPr kumimoji="1" lang="zh-CN" altLang="en-US" dirty="0" smtClean="0"/>
+              <a:t>位</a:t>
             </a:r>
             <a:r>
               <a:rPr kumimoji="1" lang="en-US" altLang="zh-CN" dirty="0" smtClean="0"/>
-              <a:t>/</a:t>
-            </a:r>
-            <a:r>
-              <a:rPr kumimoji="1" lang="en-US" altLang="zh-CN" dirty="0" err="1" smtClean="0"/>
-              <a:t>repo.git</a:t>
-            </a:r>
-            <a:endParaRPr kumimoji="1" lang="en-US" altLang="zh-CN" dirty="0"/>
-          </a:p>
-          <a:p>
-            <a:pPr lvl="0"/>
-            <a:r>
-              <a:rPr kumimoji="1" lang="zh-CN" altLang="en-US" dirty="0" smtClean="0">
-                <a:solidFill>
-                  <a:srgbClr val="000000"/>
-                </a:solidFill>
-              </a:rPr>
-              <a:t>添加文件到版本库</a:t>
-            </a:r>
-            <a:endParaRPr kumimoji="1" lang="en-US" altLang="zh-CN" dirty="0" smtClean="0">
-              <a:solidFill>
-                <a:srgbClr val="000000"/>
-              </a:solidFill>
-            </a:endParaRPr>
+              <a:t>sha1</a:t>
+            </a:r>
+            <a:r>
+              <a:rPr kumimoji="1" lang="zh-CN" altLang="en-US" dirty="0" smtClean="0"/>
+              <a:t>指纹，代表特定内容的文件</a:t>
+            </a:r>
+            <a:endParaRPr kumimoji="1" lang="en-US" altLang="zh-CN" dirty="0" smtClean="0"/>
           </a:p>
           <a:p>
             <a:pPr lvl="1"/>
             <a:r>
-              <a:rPr kumimoji="1" lang="en-US" altLang="zh-CN" dirty="0" err="1" smtClean="0">
-                <a:solidFill>
-                  <a:srgbClr val="000000"/>
-                </a:solidFill>
-              </a:rPr>
-              <a:t>Git</a:t>
-            </a:r>
-            <a:r>
-              <a:rPr kumimoji="1" lang="zh-CN" altLang="en-US" dirty="0" smtClean="0">
-                <a:solidFill>
-                  <a:srgbClr val="000000"/>
-                </a:solidFill>
-              </a:rPr>
-              <a:t> </a:t>
-            </a:r>
-            <a:r>
-              <a:rPr kumimoji="1" lang="en-US" altLang="zh-CN" dirty="0" smtClean="0">
-                <a:solidFill>
-                  <a:srgbClr val="000000"/>
-                </a:solidFill>
-              </a:rPr>
-              <a:t>add</a:t>
-            </a:r>
-            <a:r>
-              <a:rPr kumimoji="1" lang="zh-CN" altLang="en-US" dirty="0" smtClean="0">
-                <a:solidFill>
-                  <a:srgbClr val="000000"/>
-                </a:solidFill>
-              </a:rPr>
-              <a:t> </a:t>
-            </a:r>
-            <a:r>
-              <a:rPr kumimoji="1" lang="en-US" altLang="zh-CN" dirty="0" err="1" smtClean="0">
-                <a:solidFill>
-                  <a:srgbClr val="000000"/>
-                </a:solidFill>
-              </a:rPr>
-              <a:t>file.txt</a:t>
-            </a:r>
-            <a:endParaRPr kumimoji="1" lang="en-US" altLang="zh-CN" dirty="0" smtClean="0">
-              <a:solidFill>
-                <a:srgbClr val="000000"/>
-              </a:solidFill>
-            </a:endParaRPr>
-          </a:p>
-          <a:p>
-            <a:pPr lvl="1"/>
-            <a:r>
-              <a:rPr kumimoji="1" lang="en-US" altLang="zh-CN" dirty="0" err="1" smtClean="0">
-                <a:solidFill>
-                  <a:srgbClr val="000000"/>
-                </a:solidFill>
-              </a:rPr>
-              <a:t>Git</a:t>
-            </a:r>
-            <a:r>
-              <a:rPr kumimoji="1" lang="zh-CN" altLang="en-US" dirty="0" smtClean="0">
-                <a:solidFill>
-                  <a:srgbClr val="000000"/>
-                </a:solidFill>
-              </a:rPr>
-              <a:t> </a:t>
-            </a:r>
-            <a:r>
-              <a:rPr kumimoji="1" lang="en-US" altLang="zh-CN" dirty="0" smtClean="0">
-                <a:solidFill>
-                  <a:srgbClr val="000000"/>
-                </a:solidFill>
-              </a:rPr>
+              <a:rPr lang="zh-TW" altLang="en-US" dirty="0"/>
+              <a:t>对象 </a:t>
+            </a:r>
+            <a:r>
+              <a:rPr kumimoji="1" lang="zh-CN" altLang="zh-CN" dirty="0" smtClean="0"/>
+              <a:t>:</a:t>
+            </a:r>
+            <a:r>
+              <a:rPr kumimoji="1" lang="zh-CN" altLang="en-US" dirty="0" smtClean="0"/>
+              <a:t> </a:t>
+            </a:r>
+            <a:r>
+              <a:rPr kumimoji="1" lang="en-US" altLang="zh-CN" dirty="0" smtClean="0"/>
+              <a:t>blob</a:t>
+            </a:r>
+            <a:r>
+              <a:rPr kumimoji="1" lang="zh-CN" altLang="en-US" dirty="0" smtClean="0"/>
+              <a:t> </a:t>
+            </a:r>
+            <a:r>
+              <a:rPr kumimoji="1" lang="zh-CN" altLang="zh-CN" dirty="0" smtClean="0"/>
+              <a:t>、</a:t>
+            </a:r>
+            <a:r>
+              <a:rPr kumimoji="1" lang="en-US" altLang="zh-CN" dirty="0" smtClean="0"/>
+              <a:t>tree</a:t>
+            </a:r>
+            <a:r>
+              <a:rPr kumimoji="1" lang="zh-CN" altLang="en-US" dirty="0" smtClean="0"/>
+              <a:t>、</a:t>
+            </a:r>
+            <a:r>
+              <a:rPr kumimoji="1" lang="en-US" altLang="zh-CN" dirty="0" smtClean="0"/>
               <a:t>commit</a:t>
             </a:r>
             <a:r>
-              <a:rPr kumimoji="1" lang="zh-CN" altLang="en-US" dirty="0" smtClean="0">
-                <a:solidFill>
-                  <a:srgbClr val="000000"/>
-                </a:solidFill>
-              </a:rPr>
-              <a:t> </a:t>
-            </a:r>
-            <a:r>
-              <a:rPr kumimoji="1" lang="en-US" altLang="zh-CN" dirty="0" smtClean="0">
-                <a:solidFill>
-                  <a:srgbClr val="000000"/>
-                </a:solidFill>
-              </a:rPr>
-              <a:t>–m</a:t>
-            </a:r>
-            <a:r>
-              <a:rPr kumimoji="1" lang="zh-CN" altLang="en-US" dirty="0" smtClean="0">
-                <a:solidFill>
-                  <a:srgbClr val="000000"/>
-                </a:solidFill>
-              </a:rPr>
-              <a:t> </a:t>
-            </a:r>
-            <a:r>
-              <a:rPr kumimoji="1" lang="en-US" altLang="zh-CN" dirty="0" smtClean="0">
-                <a:solidFill>
-                  <a:srgbClr val="000000"/>
-                </a:solidFill>
-              </a:rPr>
-              <a:t>‘xxx’</a:t>
-            </a:r>
-            <a:r>
-              <a:rPr kumimoji="1" lang="zh-CN" altLang="en-US" dirty="0" smtClean="0">
-                <a:solidFill>
-                  <a:srgbClr val="000000"/>
-                </a:solidFill>
-              </a:rPr>
-              <a:t> </a:t>
-            </a:r>
-            <a:r>
-              <a:rPr kumimoji="1" lang="en-US" altLang="zh-CN" dirty="0" err="1" smtClean="0">
-                <a:solidFill>
-                  <a:srgbClr val="000000"/>
-                </a:solidFill>
-              </a:rPr>
-              <a:t>file.txt</a:t>
-            </a:r>
-            <a:endParaRPr kumimoji="1" lang="en-US" altLang="zh-CN" dirty="0" smtClean="0">
-              <a:solidFill>
-                <a:srgbClr val="000000"/>
-              </a:solidFill>
-            </a:endParaRPr>
-          </a:p>
-          <a:p>
-            <a:pPr lvl="1"/>
-            <a:r>
-              <a:rPr kumimoji="1" lang="zh-CN" altLang="en-US" dirty="0" smtClean="0">
-                <a:solidFill>
-                  <a:srgbClr val="000000"/>
-                </a:solidFill>
-              </a:rPr>
-              <a:t>或 </a:t>
-            </a:r>
-            <a:r>
-              <a:rPr kumimoji="1" lang="en-US" altLang="zh-CN" dirty="0" err="1" smtClean="0">
-                <a:solidFill>
-                  <a:srgbClr val="000000"/>
-                </a:solidFill>
-              </a:rPr>
-              <a:t>git</a:t>
-            </a:r>
-            <a:r>
-              <a:rPr kumimoji="1" lang="zh-CN" altLang="en-US" dirty="0" smtClean="0">
-                <a:solidFill>
-                  <a:srgbClr val="000000"/>
-                </a:solidFill>
-              </a:rPr>
-              <a:t> </a:t>
-            </a:r>
-            <a:r>
-              <a:rPr kumimoji="1" lang="en-US" altLang="zh-CN" dirty="0" smtClean="0">
-                <a:solidFill>
-                  <a:srgbClr val="000000"/>
-                </a:solidFill>
-              </a:rPr>
-              <a:t>commit</a:t>
-            </a:r>
-            <a:r>
-              <a:rPr kumimoji="1" lang="zh-CN" altLang="en-US" dirty="0" smtClean="0">
-                <a:solidFill>
-                  <a:srgbClr val="000000"/>
-                </a:solidFill>
-              </a:rPr>
-              <a:t> </a:t>
-            </a:r>
-            <a:r>
-              <a:rPr kumimoji="1" lang="en-US" altLang="zh-CN" dirty="0" smtClean="0">
-                <a:solidFill>
-                  <a:srgbClr val="000000"/>
-                </a:solidFill>
-              </a:rPr>
-              <a:t>–a</a:t>
-            </a:r>
-            <a:r>
-              <a:rPr kumimoji="1" lang="zh-CN" altLang="en-US" dirty="0" smtClean="0">
-                <a:solidFill>
-                  <a:srgbClr val="000000"/>
-                </a:solidFill>
-              </a:rPr>
-              <a:t> </a:t>
-            </a:r>
-            <a:r>
-              <a:rPr kumimoji="1" lang="en-US" altLang="zh-CN" dirty="0" smtClean="0">
-                <a:solidFill>
-                  <a:srgbClr val="000000"/>
-                </a:solidFill>
-              </a:rPr>
-              <a:t>–m</a:t>
-            </a:r>
-            <a:r>
-              <a:rPr kumimoji="1" lang="zh-CN" altLang="en-US" dirty="0" smtClean="0">
-                <a:solidFill>
-                  <a:srgbClr val="000000"/>
-                </a:solidFill>
-              </a:rPr>
-              <a:t> </a:t>
-            </a:r>
-            <a:r>
-              <a:rPr kumimoji="1" lang="en-US" altLang="zh-CN" dirty="0" smtClean="0">
-                <a:solidFill>
-                  <a:srgbClr val="000000"/>
-                </a:solidFill>
-              </a:rPr>
-              <a:t>‘xxx’</a:t>
-            </a:r>
-            <a:r>
-              <a:rPr kumimoji="1" lang="zh-CN" altLang="en-US" dirty="0" smtClean="0">
-                <a:solidFill>
-                  <a:srgbClr val="000000"/>
-                </a:solidFill>
-              </a:rPr>
-              <a:t> </a:t>
-            </a:r>
-            <a:r>
-              <a:rPr kumimoji="1" lang="en-US" altLang="zh-CN" dirty="0" err="1" smtClean="0">
-                <a:solidFill>
-                  <a:srgbClr val="000000"/>
-                </a:solidFill>
-              </a:rPr>
-              <a:t>file.txt</a:t>
-            </a:r>
-            <a:endParaRPr kumimoji="1" lang="en-US" altLang="zh-CN" dirty="0">
-              <a:solidFill>
-                <a:srgbClr val="000000"/>
-              </a:solidFill>
-            </a:endParaRPr>
-          </a:p>
-          <a:p>
-            <a:pPr marL="914400" lvl="2" indent="0">
-              <a:buNone/>
-            </a:pPr>
-            <a:endParaRPr kumimoji="1" lang="en-US" altLang="zh-CN" dirty="0" smtClean="0"/>
+              <a:rPr kumimoji="1" lang="zh-CN" altLang="en-US" dirty="0" smtClean="0"/>
+              <a:t>、</a:t>
+            </a:r>
+            <a:r>
+              <a:rPr kumimoji="1" lang="en-US" altLang="zh-CN" dirty="0" smtClean="0"/>
+              <a:t>tag</a:t>
+            </a:r>
+          </a:p>
+          <a:p>
+            <a:pPr lvl="2"/>
+            <a:r>
+              <a:rPr lang="zh-CN" altLang="en-US" b="1" dirty="0"/>
+              <a:t>“</a:t>
+            </a:r>
+            <a:r>
+              <a:rPr lang="en-US" altLang="zh-CN" b="1" dirty="0"/>
+              <a:t>blob”</a:t>
+            </a:r>
+            <a:r>
+              <a:rPr lang="zh-CN" altLang="en-US" dirty="0"/>
+              <a:t>用来存储文件数据</a:t>
+            </a:r>
+            <a:r>
+              <a:rPr lang="en-US" altLang="zh-CN" dirty="0"/>
+              <a:t>,</a:t>
+            </a:r>
+            <a:r>
+              <a:rPr lang="zh-CN" altLang="en-US" dirty="0"/>
+              <a:t>通常是一个文件。 </a:t>
+            </a:r>
+          </a:p>
+          <a:p>
+            <a:pPr lvl="2"/>
+            <a:r>
+              <a:rPr lang="zh-CN" altLang="en-US" b="1" dirty="0"/>
+              <a:t>“</a:t>
+            </a:r>
+            <a:r>
+              <a:rPr lang="en-US" altLang="zh-CN" b="1" dirty="0"/>
+              <a:t>tree”</a:t>
+            </a:r>
+            <a:r>
+              <a:rPr lang="zh-CN" altLang="en-US" dirty="0"/>
+              <a:t>有点像一个目录</a:t>
+            </a:r>
+            <a:r>
+              <a:rPr lang="en-US" altLang="zh-CN" dirty="0"/>
+              <a:t>,</a:t>
+            </a:r>
+            <a:r>
+              <a:rPr lang="zh-CN" altLang="en-US" dirty="0"/>
+              <a:t>它管理一些</a:t>
+            </a:r>
+            <a:r>
+              <a:rPr lang="zh-CN" altLang="en-US" b="1" dirty="0"/>
+              <a:t>“</a:t>
+            </a:r>
+            <a:r>
+              <a:rPr lang="en-US" altLang="zh-CN" b="1" dirty="0"/>
+              <a:t>tree”</a:t>
+            </a:r>
+            <a:r>
+              <a:rPr lang="zh-CN" altLang="en-US" dirty="0"/>
+              <a:t>或是 </a:t>
+            </a:r>
+            <a:r>
+              <a:rPr lang="zh-CN" altLang="en-US" b="1" dirty="0"/>
+              <a:t>“</a:t>
+            </a:r>
+            <a:r>
+              <a:rPr lang="en-US" altLang="zh-CN" b="1" dirty="0"/>
+              <a:t>blob”</a:t>
+            </a:r>
+            <a:r>
+              <a:rPr lang="en-US" altLang="zh-CN" dirty="0"/>
+              <a:t>(</a:t>
+            </a:r>
+            <a:r>
+              <a:rPr lang="zh-CN" altLang="en-US" dirty="0"/>
+              <a:t>就像文件和子目录</a:t>
+            </a:r>
+            <a:r>
+              <a:rPr lang="en-US" altLang="zh-CN" dirty="0" smtClean="0"/>
+              <a:t>)</a:t>
+            </a:r>
+            <a:r>
+              <a:rPr lang="zh-CN" altLang="en-US" dirty="0" smtClean="0"/>
+              <a:t>一个</a:t>
+            </a:r>
+            <a:endParaRPr lang="en-US" altLang="zh-CN" dirty="0" smtClean="0"/>
+          </a:p>
+          <a:p>
+            <a:pPr lvl="2"/>
+            <a:r>
+              <a:rPr lang="zh-CN" altLang="en-US" dirty="0" smtClean="0"/>
+              <a:t>“</a:t>
+            </a:r>
+            <a:r>
+              <a:rPr lang="en-US" altLang="zh-CN" dirty="0"/>
+              <a:t>commit”</a:t>
+            </a:r>
+            <a:r>
+              <a:rPr lang="zh-CN" altLang="en-US" dirty="0" smtClean="0"/>
+              <a:t>只指向一个</a:t>
+            </a:r>
+            <a:r>
+              <a:rPr lang="en-US" altLang="zh-CN" dirty="0" smtClean="0"/>
+              <a:t>“tree”,</a:t>
+            </a:r>
+            <a:r>
+              <a:rPr lang="zh-CN" altLang="en-US" dirty="0"/>
+              <a:t>它用来标记项目某一个特定时间点的状态。它包括一些关于时间点的 </a:t>
+            </a:r>
+            <a:r>
+              <a:rPr lang="zh-CN" altLang="en-US" dirty="0" smtClean="0"/>
+              <a:t>元数据</a:t>
+            </a:r>
+            <a:r>
+              <a:rPr lang="en-US" altLang="zh-CN" dirty="0"/>
+              <a:t>,</a:t>
+            </a:r>
+            <a:r>
+              <a:rPr lang="zh-CN" altLang="en-US" dirty="0"/>
+              <a:t>如时间戳、最近一次提交的作者、指向上次提交</a:t>
+            </a:r>
+            <a:r>
+              <a:rPr lang="en-US" altLang="zh-CN" dirty="0"/>
+              <a:t>(commits)</a:t>
+            </a:r>
+            <a:r>
+              <a:rPr lang="zh-CN" altLang="en-US" dirty="0"/>
+              <a:t>的指针等等。 </a:t>
+            </a:r>
+            <a:endParaRPr lang="en-US" altLang="zh-CN" dirty="0" smtClean="0"/>
+          </a:p>
+          <a:p>
+            <a:pPr lvl="2"/>
+            <a:r>
+              <a:rPr lang="zh-CN" altLang="en-US" dirty="0"/>
+              <a:t>一个</a:t>
+            </a:r>
+            <a:r>
+              <a:rPr lang="zh-CN" altLang="en-US" b="1" dirty="0"/>
+              <a:t>“</a:t>
+            </a:r>
+            <a:r>
+              <a:rPr lang="en-US" altLang="zh-CN" b="1" dirty="0"/>
+              <a:t>tag”</a:t>
+            </a:r>
+            <a:r>
+              <a:rPr lang="zh-CN" altLang="en-US" dirty="0"/>
+              <a:t>是来标记某一个提交</a:t>
+            </a:r>
+            <a:r>
+              <a:rPr lang="en-US" altLang="zh-CN" dirty="0"/>
+              <a:t>(commit) </a:t>
+            </a:r>
+            <a:r>
+              <a:rPr lang="zh-CN" altLang="en-US" dirty="0"/>
+              <a:t>的方法。 </a:t>
+            </a:r>
+          </a:p>
+          <a:p>
+            <a:pPr lvl="2"/>
+            <a:endParaRPr lang="zh-CN" altLang="en-US" dirty="0"/>
+          </a:p>
+          <a:p>
+            <a:pPr lvl="2"/>
+            <a:endParaRPr lang="zh-CN" altLang="en-US" dirty="0"/>
+          </a:p>
+          <a:p>
+            <a:pPr lvl="2"/>
+            <a:endParaRPr lang="zh-TW" altLang="en-US" dirty="0"/>
           </a:p>
         </p:txBody>
       </p:sp>
     </p:spTree>
     <p:extLst>
       <p:ext uri="{BB962C8B-B14F-4D97-AF65-F5344CB8AC3E}">
-        <p14:creationId xmlns:p14="http://schemas.microsoft.com/office/powerpoint/2010/main" val="3682266915"/>
+        <p14:creationId xmlns:p14="http://schemas.microsoft.com/office/powerpoint/2010/main" val="3539753611"/>
       </p:ext>
     </p:extLst>
   </p:cSld>
@@ -8206,96 +9036,176 @@
           <a:lstStyle/>
           <a:p>
             <a:r>
-              <a:rPr kumimoji="1" lang="zh-CN" altLang="en-US" dirty="0" smtClean="0"/>
-              <a:t>状态查看</a:t>
-            </a:r>
-            <a:endParaRPr kumimoji="1" lang="en-US" altLang="zh-CN" dirty="0" smtClean="0"/>
-          </a:p>
-          <a:p>
-            <a:pPr lvl="1"/>
-            <a:r>
               <a:rPr kumimoji="1" lang="en-US" altLang="zh-CN" dirty="0" err="1" smtClean="0"/>
               <a:t>Git</a:t>
             </a:r>
             <a:r>
-              <a:rPr kumimoji="1" lang="en-US" altLang="zh-CN" dirty="0" smtClean="0"/>
-              <a:t> status</a:t>
-            </a:r>
-          </a:p>
-          <a:p>
-            <a:r>
-              <a:rPr kumimoji="1" lang="zh-CN" altLang="en-US" dirty="0" smtClean="0"/>
-              <a:t>差异对比</a:t>
-            </a:r>
-            <a:endParaRPr kumimoji="1" lang="en-US" altLang="zh-CN" dirty="0"/>
-          </a:p>
-          <a:p>
-            <a:pPr lvl="1"/>
-            <a:r>
-              <a:rPr kumimoji="1" lang="en-US" altLang="zh-CN" dirty="0" err="1"/>
-              <a:t>Git</a:t>
-            </a:r>
-            <a:r>
-              <a:rPr kumimoji="1" lang="en-US" altLang="zh-CN" dirty="0"/>
-              <a:t> </a:t>
-            </a:r>
-            <a:r>
-              <a:rPr kumimoji="1" lang="en-US" altLang="zh-CN" dirty="0" smtClean="0"/>
-              <a:t>diff</a:t>
-            </a:r>
-            <a:endParaRPr kumimoji="1" lang="en-US" altLang="zh-CN" dirty="0"/>
-          </a:p>
-          <a:p>
-            <a:r>
-              <a:rPr kumimoji="1" lang="zh-CN" altLang="en-US" dirty="0" smtClean="0"/>
-              <a:t>提交日志查</a:t>
-            </a:r>
-            <a:r>
-              <a:rPr kumimoji="1" lang="zh-CN" altLang="en-US" dirty="0"/>
-              <a:t>看</a:t>
-            </a:r>
-            <a:endParaRPr kumimoji="1" lang="en-US" altLang="zh-CN" dirty="0"/>
-          </a:p>
-          <a:p>
-            <a:pPr lvl="1"/>
-            <a:r>
-              <a:rPr kumimoji="1" lang="en-US" altLang="zh-CN" dirty="0" err="1"/>
-              <a:t>Git</a:t>
-            </a:r>
-            <a:r>
-              <a:rPr kumimoji="1" lang="en-US" altLang="zh-CN" dirty="0"/>
-              <a:t> </a:t>
-            </a:r>
-            <a:r>
-              <a:rPr kumimoji="1" lang="en-US" altLang="zh-CN" dirty="0" smtClean="0"/>
-              <a:t>log</a:t>
-            </a:r>
-            <a:endParaRPr kumimoji="1" lang="en-US" altLang="zh-CN" dirty="0"/>
-          </a:p>
-          <a:p>
-            <a:pPr marL="457200" lvl="1" indent="0">
-              <a:buNone/>
-            </a:pPr>
-            <a:endParaRPr kumimoji="1" lang="en-US" altLang="zh-CN" dirty="0"/>
-          </a:p>
-          <a:p>
-            <a:pPr marL="457200" lvl="1" indent="0">
-              <a:buNone/>
-            </a:pPr>
-            <a:endParaRPr kumimoji="1" lang="en-US" altLang="zh-CN" dirty="0"/>
-          </a:p>
-          <a:p>
-            <a:pPr marL="457200" lvl="1" indent="0">
-              <a:buNone/>
-            </a:pPr>
-            <a:endParaRPr kumimoji="1" lang="en-US" altLang="zh-CN" dirty="0" smtClean="0"/>
-          </a:p>
-        </p:txBody>
-      </p:sp>
+              <a:rPr kumimoji="1" lang="zh-CN" altLang="en-US" dirty="0" smtClean="0"/>
+              <a:t>对象模型</a:t>
+            </a:r>
+            <a:endParaRPr lang="zh-CN" altLang="en-US" dirty="0"/>
+          </a:p>
+        </p:txBody>
+      </p:sp>
+      <p:pic>
+        <p:nvPicPr>
+          <p:cNvPr id="4" name="图片 3"/>
+          <p:cNvPicPr>
+            <a:picLocks noChangeAspect="1"/>
+          </p:cNvPicPr>
+          <p:nvPr/>
+        </p:nvPicPr>
+        <p:blipFill>
+          <a:blip r:embed="rId2"/>
+          <a:stretch>
+            <a:fillRect/>
+          </a:stretch>
+        </p:blipFill>
+        <p:spPr>
+          <a:xfrm>
+            <a:off x="228600" y="1676400"/>
+            <a:ext cx="3975100" cy="3645151"/>
+          </a:xfrm>
+          <a:prstGeom prst="rect">
+            <a:avLst/>
+          </a:prstGeom>
+        </p:spPr>
+      </p:pic>
+      <p:sp>
+        <p:nvSpPr>
+          <p:cNvPr id="5" name="文本框 4"/>
+          <p:cNvSpPr txBox="1"/>
+          <p:nvPr/>
+        </p:nvSpPr>
+        <p:spPr>
+          <a:xfrm>
+            <a:off x="609600" y="5638800"/>
+            <a:ext cx="4798835" cy="923330"/>
+          </a:xfrm>
+          <a:prstGeom prst="rect">
+            <a:avLst/>
+          </a:prstGeom>
+          <a:noFill/>
+        </p:spPr>
+        <p:txBody>
+          <a:bodyPr wrap="none" rtlCol="0">
+            <a:spAutoFit/>
+          </a:bodyPr>
+          <a:lstStyle/>
+          <a:p>
+            <a:r>
+              <a:rPr lang="zh-CN" altLang="en-US" dirty="0" smtClean="0"/>
+              <a:t>查看知道</a:t>
+            </a:r>
+            <a:r>
+              <a:rPr lang="en-US" altLang="zh-CN" dirty="0" smtClean="0"/>
+              <a:t>id</a:t>
+            </a:r>
+            <a:r>
+              <a:rPr lang="zh-CN" altLang="en-US" dirty="0" smtClean="0"/>
+              <a:t>的文件内容 </a:t>
+            </a:r>
+            <a:r>
+              <a:rPr lang="en-US" altLang="zh-CN" dirty="0" smtClean="0"/>
+              <a:t>$ </a:t>
+            </a:r>
+            <a:r>
+              <a:rPr lang="en-US" altLang="zh-CN" dirty="0" err="1"/>
+              <a:t>git</a:t>
+            </a:r>
+            <a:r>
+              <a:rPr lang="en-US" altLang="zh-CN" dirty="0"/>
+              <a:t> show </a:t>
+            </a:r>
+            <a:r>
+              <a:rPr lang="en-US" altLang="zh-CN" dirty="0" smtClean="0"/>
+              <a:t>6ff87c4664</a:t>
+            </a:r>
+          </a:p>
+          <a:p>
+            <a:r>
+              <a:rPr lang="zh-CN" altLang="en-US" dirty="0" smtClean="0"/>
+              <a:t>查看文件的</a:t>
+            </a:r>
+            <a:r>
+              <a:rPr lang="en-US" altLang="zh-CN" dirty="0" smtClean="0"/>
+              <a:t>id</a:t>
+            </a:r>
+            <a:r>
+              <a:rPr lang="zh-CN" altLang="en-US" dirty="0" smtClean="0"/>
+              <a:t> </a:t>
+            </a:r>
+            <a:r>
+              <a:rPr lang="zh-CN" altLang="zh-CN" dirty="0" smtClean="0"/>
+              <a:t>:</a:t>
+            </a:r>
+            <a:r>
+              <a:rPr lang="en-US" altLang="zh-CN" dirty="0" smtClean="0"/>
+              <a:t>$</a:t>
+            </a:r>
+            <a:r>
+              <a:rPr lang="en-US" altLang="zh-CN" dirty="0" err="1" smtClean="0"/>
+              <a:t>git</a:t>
+            </a:r>
+            <a:r>
+              <a:rPr lang="zh-CN" altLang="en-US" dirty="0" smtClean="0"/>
+              <a:t> </a:t>
+            </a:r>
+            <a:r>
+              <a:rPr lang="en-US" altLang="zh-CN" dirty="0" err="1" smtClean="0"/>
+              <a:t>ls</a:t>
+            </a:r>
+            <a:r>
+              <a:rPr lang="en-US" altLang="zh-CN" dirty="0" smtClean="0"/>
+              <a:t>-tree</a:t>
+            </a:r>
+            <a:r>
+              <a:rPr lang="zh-CN" altLang="en-US" dirty="0" smtClean="0"/>
+              <a:t> </a:t>
+            </a:r>
+            <a:r>
+              <a:rPr lang="en-US" altLang="zh-CN" dirty="0" smtClean="0"/>
+              <a:t>sha1id</a:t>
+            </a:r>
+            <a:r>
+              <a:rPr lang="en-US" altLang="zh-CN" dirty="0" smtClean="0"/>
+              <a:t> </a:t>
+            </a:r>
+            <a:endParaRPr lang="en-US" altLang="zh-CN" dirty="0"/>
+          </a:p>
+          <a:p>
+            <a:endParaRPr kumimoji="1" lang="zh-CN" altLang="en-US" dirty="0"/>
+          </a:p>
+        </p:txBody>
+      </p:sp>
+      <p:pic>
+        <p:nvPicPr>
+          <p:cNvPr id="6" name="图片 5"/>
+          <p:cNvPicPr>
+            <a:picLocks noChangeAspect="1"/>
+          </p:cNvPicPr>
+          <p:nvPr/>
+        </p:nvPicPr>
+        <p:blipFill>
+          <a:blip r:embed="rId3"/>
+          <a:stretch>
+            <a:fillRect/>
+          </a:stretch>
+        </p:blipFill>
+        <p:spPr>
+          <a:xfrm>
+            <a:off x="4857905" y="1676400"/>
+            <a:ext cx="3828895" cy="3581400"/>
+          </a:xfrm>
+          <a:prstGeom prst="rect">
+            <a:avLst/>
+          </a:prstGeom>
+        </p:spPr>
+      </p:pic>
     </p:spTree>
     <p:extLst>
       <p:ext uri="{BB962C8B-B14F-4D97-AF65-F5344CB8AC3E}">
-        <p14:creationId xmlns:p14="http://schemas.microsoft.com/office/powerpoint/2010/main" val="2643612577"/>
+        <p14:creationId xmlns:p14="http://schemas.microsoft.com/office/powerpoint/2010/main" val="1282936452"/>
       </p:ext>
     </p:extLst>
   </p:cSld>
@@ -8357,16 +9267,115 @@
           <a:lstStyle/>
           <a:p>
             <a:r>
-              <a:rPr kumimoji="1" lang="zh-CN" altLang="en-US" dirty="0" smtClean="0"/>
-              <a:t>工作区、暂存区</a:t>
-            </a:r>
+              <a:rPr kumimoji="1" lang="en-US" altLang="zh-CN" dirty="0" err="1" smtClean="0"/>
+              <a:t>Git</a:t>
+            </a:r>
+            <a:r>
+              <a:rPr kumimoji="1" lang="zh-CN" altLang="en-US" dirty="0" smtClean="0"/>
+              <a:t>对象模型</a:t>
+            </a:r>
+            <a:endParaRPr lang="zh-CN" altLang="en-US" dirty="0"/>
+          </a:p>
+        </p:txBody>
+      </p:sp>
+      <p:sp>
+        <p:nvSpPr>
+          <p:cNvPr id="5" name="文本框 4"/>
+          <p:cNvSpPr txBox="1"/>
+          <p:nvPr/>
+        </p:nvSpPr>
+        <p:spPr>
+          <a:xfrm>
+            <a:off x="609600" y="5638800"/>
+            <a:ext cx="6232183" cy="923330"/>
+          </a:xfrm>
+          <a:prstGeom prst="rect">
+            <a:avLst/>
+          </a:prstGeom>
+          <a:noFill/>
+        </p:spPr>
+        <p:txBody>
+          <a:bodyPr wrap="none" rtlCol="0">
+            <a:spAutoFit/>
+          </a:bodyPr>
+          <a:lstStyle/>
+          <a:p>
+            <a:r>
+              <a:rPr lang="en-US" altLang="zh-CN" dirty="0"/>
+              <a:t>"commit</a:t>
+            </a:r>
+            <a:r>
+              <a:rPr lang="zh-CN" altLang="en-US" dirty="0"/>
+              <a:t>对象</a:t>
+            </a:r>
+            <a:r>
+              <a:rPr lang="en-US" altLang="zh-CN" dirty="0"/>
+              <a:t>"</a:t>
+            </a:r>
+            <a:r>
+              <a:rPr lang="zh-CN" altLang="en-US" dirty="0"/>
+              <a:t>指向一个</a:t>
+            </a:r>
+            <a:r>
+              <a:rPr lang="en-US" altLang="zh-CN" dirty="0"/>
+              <a:t>"tree</a:t>
+            </a:r>
+            <a:r>
+              <a:rPr lang="zh-CN" altLang="en-US" dirty="0"/>
+              <a:t>对象</a:t>
+            </a:r>
+            <a:r>
+              <a:rPr lang="en-US" altLang="zh-CN" dirty="0"/>
+              <a:t>", </a:t>
+            </a:r>
+            <a:r>
+              <a:rPr lang="zh-CN" altLang="en-US" dirty="0"/>
+              <a:t>并且带有相关的描述信息</a:t>
+            </a:r>
+            <a:r>
+              <a:rPr lang="en-US" altLang="zh-CN" dirty="0" smtClean="0"/>
+              <a:t>.</a:t>
+            </a:r>
+          </a:p>
+          <a:p>
+            <a:r>
+              <a:rPr lang="zh-CN" altLang="en-US" dirty="0" smtClean="0"/>
+              <a:t>查看一个提交的信息：</a:t>
+            </a:r>
+            <a:r>
+              <a:rPr lang="en-US" altLang="zh-CN" dirty="0" smtClean="0"/>
+              <a:t>$</a:t>
+            </a:r>
+            <a:r>
+              <a:rPr lang="en-US" altLang="zh-CN" dirty="0" err="1"/>
+              <a:t>git</a:t>
+            </a:r>
+            <a:r>
+              <a:rPr lang="en-US" altLang="zh-CN" dirty="0"/>
+              <a:t> show -s --pretty=raw </a:t>
+            </a:r>
+            <a:r>
+              <a:rPr lang="en-US" altLang="zh-CN" dirty="0" smtClean="0"/>
+              <a:t>cd73bc7</a:t>
+            </a:r>
+            <a:r>
+              <a:rPr lang="zh-CN" altLang="en-US" dirty="0" smtClean="0"/>
+              <a:t> </a:t>
+            </a:r>
+            <a:r>
+              <a:rPr lang="en-US" altLang="zh-CN" dirty="0" smtClean="0"/>
+              <a:t> </a:t>
+            </a:r>
+            <a:endParaRPr lang="zh-CN" altLang="en-US" dirty="0"/>
+          </a:p>
+          <a:p>
             <a:endParaRPr kumimoji="1" lang="zh-CN" altLang="en-US" dirty="0"/>
           </a:p>
         </p:txBody>
       </p:sp>
       <p:pic>
         <p:nvPicPr>
-          <p:cNvPr id="4" name="图片 3"/>
+          <p:cNvPr id="7" name="图片 6"/>
           <p:cNvPicPr>
             <a:picLocks noChangeAspect="1"/>
           </p:cNvPicPr>
@@ -8380,18 +9389,92 @@
         </p:blipFill>
         <p:spPr>
           <a:xfrm>
-            <a:off x="533400" y="2133600"/>
-            <a:ext cx="8382000" cy="4464698"/>
+            <a:off x="457200" y="1600200"/>
+            <a:ext cx="3865976" cy="3822700"/>
           </a:xfrm>
           <a:prstGeom prst="rect">
             <a:avLst/>
           </a:prstGeom>
         </p:spPr>
       </p:pic>
+      <p:pic>
+        <p:nvPicPr>
+          <p:cNvPr id="8" name="图片 7"/>
+          <p:cNvPicPr>
+            <a:picLocks noChangeAspect="1"/>
+          </p:cNvPicPr>
+          <p:nvPr/>
+        </p:nvPicPr>
+        <p:blipFill>
+          <a:blip r:embed="rId3"/>
+          <a:stretch>
+            <a:fillRect/>
+          </a:stretch>
+        </p:blipFill>
+        <p:spPr>
+          <a:xfrm>
+            <a:off x="5105400" y="685800"/>
+            <a:ext cx="3398058" cy="3542999"/>
+          </a:xfrm>
+          <a:prstGeom prst="rect">
+            <a:avLst/>
+          </a:prstGeom>
+        </p:spPr>
+      </p:pic>
+      <p:sp>
+        <p:nvSpPr>
+          <p:cNvPr id="9" name="文本框 8"/>
+          <p:cNvSpPr txBox="1"/>
+          <p:nvPr/>
+        </p:nvSpPr>
+        <p:spPr>
+          <a:xfrm>
+            <a:off x="5334000" y="4495800"/>
+            <a:ext cx="3584260" cy="369332"/>
+          </a:xfrm>
+          <a:prstGeom prst="rect">
+            <a:avLst/>
+          </a:prstGeom>
+          <a:noFill/>
+        </p:spPr>
+        <p:txBody>
+          <a:bodyPr wrap="none" rtlCol="0">
+            <a:spAutoFit/>
+          </a:bodyPr>
+          <a:lstStyle/>
+          <a:p>
+            <a:r>
+              <a:rPr kumimoji="1" lang="zh-CN" altLang="en-US" dirty="0" smtClean="0"/>
+              <a:t>查看</a:t>
+            </a:r>
+            <a:r>
+              <a:rPr kumimoji="1" lang="en-US" altLang="zh-CN" dirty="0" smtClean="0"/>
+              <a:t>Tag</a:t>
+            </a:r>
+            <a:r>
+              <a:rPr kumimoji="1" lang="zh-CN" altLang="en-US" dirty="0" smtClean="0"/>
+              <a:t>信息：</a:t>
+            </a:r>
+            <a:r>
+              <a:rPr kumimoji="1" lang="en-US" altLang="zh-CN" dirty="0" err="1" smtClean="0"/>
+              <a:t>git</a:t>
+            </a:r>
+            <a:r>
+              <a:rPr kumimoji="1" lang="en-US" altLang="zh-CN" dirty="0" smtClean="0"/>
+              <a:t> </a:t>
+            </a:r>
+            <a:r>
+              <a:rPr kumimoji="1" lang="en-US" altLang="zh-CN" dirty="0"/>
+              <a:t>cat-file tag v0.1</a:t>
+            </a:r>
+            <a:endParaRPr kumimoji="1" lang="zh-CN" altLang="en-US" dirty="0"/>
+          </a:p>
+        </p:txBody>
+      </p:sp>
     </p:spTree>
     <p:extLst>
       <p:ext uri="{BB962C8B-B14F-4D97-AF65-F5344CB8AC3E}">
-        <p14:creationId xmlns:p14="http://schemas.microsoft.com/office/powerpoint/2010/main" val="134675162"/>
+        <p14:creationId xmlns:p14="http://schemas.microsoft.com/office/powerpoint/2010/main" val="4093790021"/>
       </p:ext>
     </p:extLst>
   </p:cSld>
@@ -8453,207 +9536,164 @@
           <a:lstStyle/>
           <a:p>
             <a:r>
-              <a:rPr kumimoji="1" lang="en-US" altLang="zh-CN" dirty="0" smtClean="0"/>
-              <a:t>HEAD</a:t>
-            </a:r>
-          </a:p>
-          <a:p>
-            <a:pPr lvl="1"/>
-            <a:r>
-              <a:rPr kumimoji="1" lang="zh-CN" altLang="en-US" dirty="0" smtClean="0"/>
-              <a:t>指向当前版本（</a:t>
-            </a:r>
-            <a:r>
-              <a:rPr kumimoji="1" lang="en-US" altLang="zh-CN" dirty="0" smtClean="0"/>
-              <a:t>commit</a:t>
-            </a:r>
-            <a:r>
-              <a:rPr kumimoji="1" lang="zh-CN" altLang="en-US" dirty="0" smtClean="0"/>
-              <a:t>），上一个是</a:t>
-            </a:r>
-            <a:r>
-              <a:rPr kumimoji="1" lang="en-US" altLang="zh-CN" dirty="0" smtClean="0"/>
-              <a:t>HEAD^,</a:t>
-            </a:r>
-            <a:r>
-              <a:rPr kumimoji="1" lang="zh-CN" altLang="en-US" dirty="0" smtClean="0"/>
-              <a:t>再上一个是</a:t>
-            </a:r>
-            <a:r>
-              <a:rPr kumimoji="1" lang="en-US" altLang="zh-CN" dirty="0" smtClean="0"/>
-              <a:t>HEAD^^ ,</a:t>
-            </a:r>
-            <a:r>
-              <a:rPr kumimoji="1" lang="zh-CN" altLang="en-US" dirty="0" smtClean="0"/>
-              <a:t>上</a:t>
-            </a:r>
-            <a:r>
-              <a:rPr kumimoji="1" lang="en-US" altLang="zh-CN" dirty="0" smtClean="0"/>
-              <a:t>N</a:t>
-            </a:r>
-            <a:r>
-              <a:rPr kumimoji="1" lang="zh-CN" altLang="en-US" dirty="0" smtClean="0"/>
-              <a:t>（</a:t>
-            </a:r>
-            <a:r>
-              <a:rPr kumimoji="1" lang="en-US" altLang="zh-CN" dirty="0" smtClean="0"/>
-              <a:t>N&gt;2)</a:t>
-            </a:r>
-            <a:r>
-              <a:rPr kumimoji="1" lang="zh-CN" altLang="en-US" dirty="0" smtClean="0"/>
-              <a:t>个是</a:t>
-            </a:r>
-            <a:r>
-              <a:rPr kumimoji="1" lang="en-US" altLang="zh-CN" dirty="0" smtClean="0"/>
-              <a:t>HEAD~N</a:t>
-            </a:r>
-            <a:r>
-              <a:rPr kumimoji="1" lang="zh-CN" altLang="en-US" dirty="0" smtClean="0"/>
-              <a:t>。</a:t>
-            </a:r>
-            <a:endParaRPr kumimoji="1" lang="en-US" altLang="zh-CN" dirty="0"/>
-          </a:p>
-          <a:p>
-            <a:r>
-              <a:rPr kumimoji="1" lang="zh-CN" altLang="en-US" dirty="0" smtClean="0"/>
-              <a:t>版本“穿梭</a:t>
-            </a:r>
-            <a:r>
-              <a:rPr kumimoji="1" lang="en-US" altLang="zh-CN" dirty="0" smtClean="0"/>
-              <a:t>”</a:t>
-            </a:r>
-            <a:endParaRPr kumimoji="1" lang="en-US" altLang="zh-CN" dirty="0"/>
-          </a:p>
-          <a:p>
-            <a:pPr lvl="1"/>
-            <a:r>
               <a:rPr kumimoji="1" lang="en-US" altLang="zh-CN" dirty="0" err="1" smtClean="0"/>
               <a:t>Git</a:t>
             </a:r>
             <a:r>
               <a:rPr kumimoji="1" lang="zh-CN" altLang="en-US" dirty="0" smtClean="0"/>
-              <a:t> </a:t>
-            </a:r>
-            <a:r>
-              <a:rPr kumimoji="1" lang="en-US" altLang="zh-CN" dirty="0" smtClean="0"/>
-              <a:t>reset</a:t>
-            </a:r>
-            <a:r>
-              <a:rPr kumimoji="1" lang="zh-CN" altLang="en-US" dirty="0" smtClean="0"/>
-              <a:t> </a:t>
-            </a:r>
-            <a:r>
-              <a:rPr kumimoji="1" lang="en-US" altLang="zh-CN" dirty="0" smtClean="0"/>
-              <a:t>--hard</a:t>
-            </a:r>
-            <a:r>
-              <a:rPr kumimoji="1" lang="zh-CN" altLang="en-US" dirty="0" smtClean="0"/>
-              <a:t> </a:t>
-            </a:r>
-            <a:r>
-              <a:rPr kumimoji="1" lang="en-US" altLang="zh-CN" dirty="0" smtClean="0"/>
-              <a:t>HEAD^</a:t>
-            </a:r>
-          </a:p>
-          <a:p>
-            <a:pPr lvl="1"/>
-            <a:r>
-              <a:rPr kumimoji="1" lang="en-US" altLang="zh-CN" dirty="0" smtClean="0"/>
-              <a:t>Get</a:t>
-            </a:r>
-            <a:r>
-              <a:rPr kumimoji="1" lang="zh-CN" altLang="en-US" dirty="0" smtClean="0"/>
-              <a:t> </a:t>
-            </a:r>
-            <a:r>
-              <a:rPr kumimoji="1" lang="en-US" altLang="zh-CN" dirty="0" smtClean="0"/>
-              <a:t>reset</a:t>
-            </a:r>
-            <a:r>
-              <a:rPr kumimoji="1" lang="zh-CN" altLang="en-US" dirty="0" smtClean="0"/>
-              <a:t> </a:t>
-            </a:r>
-            <a:r>
-              <a:rPr kumimoji="1" lang="en-US" altLang="zh-CN" dirty="0" smtClean="0"/>
-              <a:t>–hard</a:t>
-            </a:r>
-            <a:r>
-              <a:rPr kumimoji="1" lang="zh-CN" altLang="en-US" dirty="0" smtClean="0"/>
-              <a:t> </a:t>
-            </a:r>
-            <a:r>
-              <a:rPr kumimoji="1" lang="en-US" altLang="zh-CN" dirty="0" smtClean="0"/>
-              <a:t>ad88649</a:t>
-            </a:r>
-            <a:endParaRPr kumimoji="1" lang="en-US" altLang="zh-CN" dirty="0"/>
-          </a:p>
-          <a:p>
-            <a:pPr lvl="1"/>
-            <a:r>
-              <a:rPr kumimoji="1" lang="zh-CN" altLang="en-US" dirty="0" smtClean="0"/>
-              <a:t>辅助 </a:t>
-            </a:r>
-            <a:r>
-              <a:rPr kumimoji="1" lang="en-US" altLang="zh-CN" dirty="0" err="1" smtClean="0"/>
-              <a:t>Git</a:t>
-            </a:r>
-            <a:r>
-              <a:rPr kumimoji="1" lang="zh-CN" altLang="en-US" dirty="0" smtClean="0"/>
-              <a:t> </a:t>
-            </a:r>
-            <a:r>
-              <a:rPr kumimoji="1" lang="en-US" altLang="zh-CN" dirty="0" err="1" smtClean="0"/>
-              <a:t>reflog</a:t>
-            </a:r>
-            <a:r>
-              <a:rPr kumimoji="1" lang="zh-CN" altLang="en-US" dirty="0" smtClean="0"/>
-              <a:t> 查看全部</a:t>
-            </a:r>
-            <a:r>
-              <a:rPr kumimoji="1" lang="en-US" altLang="zh-CN" dirty="0" smtClean="0"/>
-              <a:t>log</a:t>
-            </a:r>
-          </a:p>
-          <a:p>
-            <a:pPr lvl="1"/>
-            <a:r>
-              <a:rPr kumimoji="1" lang="zh-CN" altLang="en-US" dirty="0" smtClean="0"/>
-              <a:t>完全靠</a:t>
-            </a:r>
-            <a:r>
-              <a:rPr kumimoji="1" lang="en-US" altLang="zh-CN" dirty="0" smtClean="0"/>
-              <a:t>HEAD</a:t>
-            </a:r>
-            <a:r>
-              <a:rPr kumimoji="1" lang="zh-CN" altLang="en-US" dirty="0" smtClean="0"/>
-              <a:t>指针的移动，速度快</a:t>
-            </a:r>
-            <a:endParaRPr kumimoji="1" lang="en-US" altLang="zh-CN" dirty="0" smtClean="0"/>
-          </a:p>
-          <a:p>
-            <a:pPr lvl="1"/>
-            <a:endParaRPr kumimoji="1" lang="en-US" altLang="zh-CN" dirty="0"/>
-          </a:p>
-          <a:p>
-            <a:pPr marL="457200" lvl="1" indent="0">
-              <a:buNone/>
-            </a:pPr>
-            <a:endParaRPr kumimoji="1" lang="en-US" altLang="zh-CN" dirty="0"/>
-          </a:p>
-          <a:p>
-            <a:pPr lvl="1"/>
-            <a:endParaRPr kumimoji="1" lang="en-US" altLang="zh-CN" dirty="0"/>
-          </a:p>
-          <a:p>
-            <a:pPr lvl="1"/>
-            <a:endParaRPr kumimoji="1" lang="en-US" altLang="zh-CN" dirty="0" smtClean="0"/>
-          </a:p>
-        </p:txBody>
-      </p:sp>
+              <a:t>对象模型</a:t>
+            </a:r>
+            <a:endParaRPr lang="zh-CN" altLang="en-US" dirty="0"/>
+          </a:p>
+        </p:txBody>
+      </p:sp>
+      <p:sp>
+        <p:nvSpPr>
+          <p:cNvPr id="5" name="文本框 4"/>
+          <p:cNvSpPr txBox="1"/>
+          <p:nvPr/>
+        </p:nvSpPr>
+        <p:spPr>
+          <a:xfrm>
+            <a:off x="609600" y="5638800"/>
+            <a:ext cx="6232183" cy="923330"/>
+          </a:xfrm>
+          <a:prstGeom prst="rect">
+            <a:avLst/>
+          </a:prstGeom>
+          <a:noFill/>
+        </p:spPr>
+        <p:txBody>
+          <a:bodyPr wrap="none" rtlCol="0">
+            <a:spAutoFit/>
+          </a:bodyPr>
+          <a:lstStyle/>
+          <a:p>
+            <a:r>
+              <a:rPr lang="en-US" altLang="zh-CN" dirty="0"/>
+              <a:t>"commit</a:t>
+            </a:r>
+            <a:r>
+              <a:rPr lang="zh-CN" altLang="en-US" dirty="0"/>
+              <a:t>对象</a:t>
+            </a:r>
+            <a:r>
+              <a:rPr lang="en-US" altLang="zh-CN" dirty="0"/>
+              <a:t>"</a:t>
+            </a:r>
+            <a:r>
+              <a:rPr lang="zh-CN" altLang="en-US" dirty="0"/>
+              <a:t>指向一个</a:t>
+            </a:r>
+            <a:r>
+              <a:rPr lang="en-US" altLang="zh-CN" dirty="0"/>
+              <a:t>"tree</a:t>
+            </a:r>
+            <a:r>
+              <a:rPr lang="zh-CN" altLang="en-US" dirty="0"/>
+              <a:t>对象</a:t>
+            </a:r>
+            <a:r>
+              <a:rPr lang="en-US" altLang="zh-CN" dirty="0"/>
+              <a:t>", </a:t>
+            </a:r>
+            <a:r>
+              <a:rPr lang="zh-CN" altLang="en-US" dirty="0"/>
+              <a:t>并且带有相关的描述信息</a:t>
+            </a:r>
+            <a:r>
+              <a:rPr lang="en-US" altLang="zh-CN" dirty="0" smtClean="0"/>
+              <a:t>.</a:t>
+            </a:r>
+          </a:p>
+          <a:p>
+            <a:r>
+              <a:rPr lang="zh-CN" altLang="en-US" dirty="0" smtClean="0"/>
+              <a:t>查看一个提交的信息：</a:t>
+            </a:r>
+            <a:r>
+              <a:rPr lang="en-US" altLang="zh-CN" dirty="0" smtClean="0"/>
+              <a:t>$</a:t>
+            </a:r>
+            <a:r>
+              <a:rPr lang="en-US" altLang="zh-CN" dirty="0" err="1"/>
+              <a:t>git</a:t>
+            </a:r>
+            <a:r>
+              <a:rPr lang="en-US" altLang="zh-CN" dirty="0"/>
+              <a:t> show -s --pretty=raw </a:t>
+            </a:r>
+            <a:r>
+              <a:rPr lang="en-US" altLang="zh-CN" dirty="0" smtClean="0"/>
+              <a:t>cd73bc7</a:t>
+            </a:r>
+            <a:r>
+              <a:rPr lang="zh-CN" altLang="en-US" dirty="0" smtClean="0"/>
+              <a:t> </a:t>
+            </a:r>
+            <a:r>
+              <a:rPr lang="en-US" altLang="zh-CN" dirty="0" smtClean="0"/>
+              <a:t> </a:t>
+            </a:r>
+            <a:endParaRPr lang="zh-CN" altLang="en-US" dirty="0"/>
+          </a:p>
+          <a:p>
+            <a:endParaRPr kumimoji="1" lang="zh-CN" altLang="en-US" dirty="0"/>
+          </a:p>
+        </p:txBody>
+      </p:sp>
+      <p:pic>
+        <p:nvPicPr>
+          <p:cNvPr id="4" name="图片 3"/>
+          <p:cNvPicPr>
+            <a:picLocks noChangeAspect="1"/>
+          </p:cNvPicPr>
+          <p:nvPr/>
+        </p:nvPicPr>
+        <p:blipFill>
+          <a:blip r:embed="rId2"/>
+          <a:stretch>
+            <a:fillRect/>
+          </a:stretch>
+        </p:blipFill>
+        <p:spPr>
+          <a:xfrm>
+            <a:off x="228600" y="1676400"/>
+            <a:ext cx="2661024" cy="1984232"/>
+          </a:xfrm>
+          <a:prstGeom prst="rect">
+            <a:avLst/>
+          </a:prstGeom>
+        </p:spPr>
+      </p:pic>
+      <p:pic>
+        <p:nvPicPr>
+          <p:cNvPr id="6" name="图片 5"/>
+          <p:cNvPicPr>
+            <a:picLocks noChangeAspect="1"/>
+          </p:cNvPicPr>
+          <p:nvPr/>
+        </p:nvPicPr>
+        <p:blipFill>
+          <a:blip r:embed="rId3"/>
+          <a:stretch>
+            <a:fillRect/>
+          </a:stretch>
+        </p:blipFill>
+        <p:spPr>
+          <a:xfrm>
+            <a:off x="3316111" y="1143000"/>
+            <a:ext cx="5827889" cy="4495800"/>
+          </a:xfrm>
+          <a:prstGeom prst="rect">
+            <a:avLst/>
+          </a:prstGeom>
+        </p:spPr>
+      </p:pic>
     </p:spTree>
     <p:extLst>
       <p:ext uri="{BB962C8B-B14F-4D97-AF65-F5344CB8AC3E}">
-        <p14:creationId xmlns:p14="http://schemas.microsoft.com/office/powerpoint/2010/main" val="3999932183"/>
+        <p14:creationId xmlns:p14="http://schemas.microsoft.com/office/powerpoint/2010/main" val="3586173113"/>
       </p:ext>
     </p:extLst>
   </p:cSld>
